--- a/wiki/images/source/ImageSource.pptx
+++ b/wiki/images/source/ImageSource.pptx
@@ -4,9 +4,17 @@
   <p:sldMasterIdLst>
     <p:sldMasterId id="2147483648" r:id="rId1"/>
   </p:sldMasterIdLst>
+  <p:notesMasterIdLst>
+    <p:notesMasterId r:id="rId9"/>
+  </p:notesMasterIdLst>
   <p:sldIdLst>
-    <p:sldId id="257" r:id="rId2"/>
-    <p:sldId id="258" r:id="rId3"/>
+    <p:sldId id="260" r:id="rId2"/>
+    <p:sldId id="261" r:id="rId3"/>
+    <p:sldId id="262" r:id="rId4"/>
+    <p:sldId id="263" r:id="rId5"/>
+    <p:sldId id="264" r:id="rId6"/>
+    <p:sldId id="257" r:id="rId7"/>
+    <p:sldId id="258" r:id="rId8"/>
   </p:sldIdLst>
   <p:sldSz cx="9144000" cy="6858000" type="screen4x3"/>
   <p:notesSz cx="6858000" cy="9144000"/>
@@ -108,6 +116,465 @@
 </p:presentation>
 </file>
 
+<file path=ppt/notesMasters/notesMaster1.xml><?xml version="1.0" encoding="utf-8"?>
+<p:notesMaster xmlns:a="http://schemas.openxmlformats.org/drawingml/2006/main" xmlns:r="http://schemas.openxmlformats.org/officeDocument/2006/relationships" xmlns:p="http://schemas.openxmlformats.org/presentationml/2006/main">
+  <p:cSld>
+    <p:bg>
+      <p:bgRef idx="1001">
+        <a:schemeClr val="bg1"/>
+      </p:bgRef>
+    </p:bg>
+    <p:spTree>
+      <p:nvGrpSpPr>
+        <p:cNvPr id="1" name=""/>
+        <p:cNvGrpSpPr/>
+        <p:nvPr/>
+      </p:nvGrpSpPr>
+      <p:grpSpPr>
+        <a:xfrm>
+          <a:off x="0" y="0"/>
+          <a:ext cx="0" cy="0"/>
+          <a:chOff x="0" y="0"/>
+          <a:chExt cx="0" cy="0"/>
+        </a:xfrm>
+      </p:grpSpPr>
+      <p:sp>
+        <p:nvSpPr>
+          <p:cNvPr id="2" name="Header Placeholder 1"/>
+          <p:cNvSpPr>
+            <a:spLocks noGrp="1"/>
+          </p:cNvSpPr>
+          <p:nvPr>
+            <p:ph type="hdr" sz="quarter"/>
+          </p:nvPr>
+        </p:nvSpPr>
+        <p:spPr>
+          <a:xfrm>
+            <a:off x="0" y="0"/>
+            <a:ext cx="2971800" cy="457200"/>
+          </a:xfrm>
+          <a:prstGeom prst="rect">
+            <a:avLst/>
+          </a:prstGeom>
+        </p:spPr>
+        <p:txBody>
+          <a:bodyPr vert="horz" lIns="91440" tIns="45720" rIns="91440" bIns="45720" rtlCol="0"/>
+          <a:lstStyle>
+            <a:lvl1pPr algn="l">
+              <a:defRPr sz="1200"/>
+            </a:lvl1pPr>
+          </a:lstStyle>
+          <a:p>
+            <a:endParaRPr lang="en-US"/>
+          </a:p>
+        </p:txBody>
+      </p:sp>
+      <p:sp>
+        <p:nvSpPr>
+          <p:cNvPr id="3" name="Date Placeholder 2"/>
+          <p:cNvSpPr>
+            <a:spLocks noGrp="1"/>
+          </p:cNvSpPr>
+          <p:nvPr>
+            <p:ph type="dt" idx="1"/>
+          </p:nvPr>
+        </p:nvSpPr>
+        <p:spPr>
+          <a:xfrm>
+            <a:off x="3884613" y="0"/>
+            <a:ext cx="2971800" cy="457200"/>
+          </a:xfrm>
+          <a:prstGeom prst="rect">
+            <a:avLst/>
+          </a:prstGeom>
+        </p:spPr>
+        <p:txBody>
+          <a:bodyPr vert="horz" lIns="91440" tIns="45720" rIns="91440" bIns="45720" rtlCol="0"/>
+          <a:lstStyle>
+            <a:lvl1pPr algn="r">
+              <a:defRPr sz="1200"/>
+            </a:lvl1pPr>
+          </a:lstStyle>
+          <a:p>
+            <a:fld id="{6FAE163B-780F-4FFC-BC46-4E3938EEB30F}" type="datetimeFigureOut">
+              <a:rPr lang="en-US" smtClean="0"/>
+              <a:t>6/18/2009</a:t>
+            </a:fld>
+            <a:endParaRPr lang="en-US"/>
+          </a:p>
+        </p:txBody>
+      </p:sp>
+      <p:sp>
+        <p:nvSpPr>
+          <p:cNvPr id="4" name="Slide Image Placeholder 3"/>
+          <p:cNvSpPr>
+            <a:spLocks noGrp="1" noRot="1" noChangeAspect="1"/>
+          </p:cNvSpPr>
+          <p:nvPr>
+            <p:ph type="sldImg" idx="2"/>
+          </p:nvPr>
+        </p:nvSpPr>
+        <p:spPr>
+          <a:xfrm>
+            <a:off x="1143000" y="685800"/>
+            <a:ext cx="4572000" cy="3429000"/>
+          </a:xfrm>
+          <a:prstGeom prst="rect">
+            <a:avLst/>
+          </a:prstGeom>
+          <a:noFill/>
+          <a:ln w="12700">
+            <a:solidFill>
+              <a:prstClr val="black"/>
+            </a:solidFill>
+          </a:ln>
+        </p:spPr>
+        <p:txBody>
+          <a:bodyPr vert="horz" lIns="91440" tIns="45720" rIns="91440" bIns="45720" rtlCol="0" anchor="ctr"/>
+          <a:lstStyle/>
+          <a:p>
+            <a:endParaRPr lang="en-US"/>
+          </a:p>
+        </p:txBody>
+      </p:sp>
+      <p:sp>
+        <p:nvSpPr>
+          <p:cNvPr id="5" name="Notes Placeholder 4"/>
+          <p:cNvSpPr>
+            <a:spLocks noGrp="1"/>
+          </p:cNvSpPr>
+          <p:nvPr>
+            <p:ph type="body" sz="quarter" idx="3"/>
+          </p:nvPr>
+        </p:nvSpPr>
+        <p:spPr>
+          <a:xfrm>
+            <a:off x="685800" y="4343400"/>
+            <a:ext cx="5486400" cy="4114800"/>
+          </a:xfrm>
+          <a:prstGeom prst="rect">
+            <a:avLst/>
+          </a:prstGeom>
+        </p:spPr>
+        <p:txBody>
+          <a:bodyPr vert="horz" lIns="91440" tIns="45720" rIns="91440" bIns="45720" rtlCol="0">
+            <a:normAutofit/>
+          </a:bodyPr>
+          <a:lstStyle/>
+          <a:p>
+            <a:pPr lvl="0"/>
+            <a:r>
+              <a:rPr lang="en-US" smtClean="0"/>
+              <a:t>Click to edit Master text styles</a:t>
+            </a:r>
+          </a:p>
+          <a:p>
+            <a:pPr lvl="1"/>
+            <a:r>
+              <a:rPr lang="en-US" smtClean="0"/>
+              <a:t>Second level</a:t>
+            </a:r>
+          </a:p>
+          <a:p>
+            <a:pPr lvl="2"/>
+            <a:r>
+              <a:rPr lang="en-US" smtClean="0"/>
+              <a:t>Third level</a:t>
+            </a:r>
+          </a:p>
+          <a:p>
+            <a:pPr lvl="3"/>
+            <a:r>
+              <a:rPr lang="en-US" smtClean="0"/>
+              <a:t>Fourth level</a:t>
+            </a:r>
+          </a:p>
+          <a:p>
+            <a:pPr lvl="4"/>
+            <a:r>
+              <a:rPr lang="en-US" smtClean="0"/>
+              <a:t>Fifth level</a:t>
+            </a:r>
+            <a:endParaRPr lang="en-US"/>
+          </a:p>
+        </p:txBody>
+      </p:sp>
+      <p:sp>
+        <p:nvSpPr>
+          <p:cNvPr id="6" name="Footer Placeholder 5"/>
+          <p:cNvSpPr>
+            <a:spLocks noGrp="1"/>
+          </p:cNvSpPr>
+          <p:nvPr>
+            <p:ph type="ftr" sz="quarter" idx="4"/>
+          </p:nvPr>
+        </p:nvSpPr>
+        <p:spPr>
+          <a:xfrm>
+            <a:off x="0" y="8685213"/>
+            <a:ext cx="2971800" cy="457200"/>
+          </a:xfrm>
+          <a:prstGeom prst="rect">
+            <a:avLst/>
+          </a:prstGeom>
+        </p:spPr>
+        <p:txBody>
+          <a:bodyPr vert="horz" lIns="91440" tIns="45720" rIns="91440" bIns="45720" rtlCol="0" anchor="b"/>
+          <a:lstStyle>
+            <a:lvl1pPr algn="l">
+              <a:defRPr sz="1200"/>
+            </a:lvl1pPr>
+          </a:lstStyle>
+          <a:p>
+            <a:endParaRPr lang="en-US"/>
+          </a:p>
+        </p:txBody>
+      </p:sp>
+      <p:sp>
+        <p:nvSpPr>
+          <p:cNvPr id="7" name="Slide Number Placeholder 6"/>
+          <p:cNvSpPr>
+            <a:spLocks noGrp="1"/>
+          </p:cNvSpPr>
+          <p:nvPr>
+            <p:ph type="sldNum" sz="quarter" idx="5"/>
+          </p:nvPr>
+        </p:nvSpPr>
+        <p:spPr>
+          <a:xfrm>
+            <a:off x="3884613" y="8685213"/>
+            <a:ext cx="2971800" cy="457200"/>
+          </a:xfrm>
+          <a:prstGeom prst="rect">
+            <a:avLst/>
+          </a:prstGeom>
+        </p:spPr>
+        <p:txBody>
+          <a:bodyPr vert="horz" lIns="91440" tIns="45720" rIns="91440" bIns="45720" rtlCol="0" anchor="b"/>
+          <a:lstStyle>
+            <a:lvl1pPr algn="r">
+              <a:defRPr sz="1200"/>
+            </a:lvl1pPr>
+          </a:lstStyle>
+          <a:p>
+            <a:fld id="{DE84353C-F79F-40A4-AA9E-DC079246FB85}" type="slidenum">
+              <a:rPr lang="en-US" smtClean="0"/>
+              <a:t>‹#›</a:t>
+            </a:fld>
+            <a:endParaRPr lang="en-US"/>
+          </a:p>
+        </p:txBody>
+      </p:sp>
+    </p:spTree>
+  </p:cSld>
+  <p:clrMap bg1="lt1" tx1="dk1" bg2="lt2" tx2="dk2" accent1="accent1" accent2="accent2" accent3="accent3" accent4="accent4" accent5="accent5" accent6="accent6" hlink="hlink" folHlink="folHlink"/>
+  <p:notesStyle>
+    <a:lvl1pPr marL="0" algn="l" defTabSz="914400" rtl="0" eaLnBrk="1" latinLnBrk="0" hangingPunct="1">
+      <a:defRPr sz="1200" kern="1200">
+        <a:solidFill>
+          <a:schemeClr val="tx1"/>
+        </a:solidFill>
+        <a:latin typeface="+mn-lt"/>
+        <a:ea typeface="+mn-ea"/>
+        <a:cs typeface="+mn-cs"/>
+      </a:defRPr>
+    </a:lvl1pPr>
+    <a:lvl2pPr marL="457200" algn="l" defTabSz="914400" rtl="0" eaLnBrk="1" latinLnBrk="0" hangingPunct="1">
+      <a:defRPr sz="1200" kern="1200">
+        <a:solidFill>
+          <a:schemeClr val="tx1"/>
+        </a:solidFill>
+        <a:latin typeface="+mn-lt"/>
+        <a:ea typeface="+mn-ea"/>
+        <a:cs typeface="+mn-cs"/>
+      </a:defRPr>
+    </a:lvl2pPr>
+    <a:lvl3pPr marL="914400" algn="l" defTabSz="914400" rtl="0" eaLnBrk="1" latinLnBrk="0" hangingPunct="1">
+      <a:defRPr sz="1200" kern="1200">
+        <a:solidFill>
+          <a:schemeClr val="tx1"/>
+        </a:solidFill>
+        <a:latin typeface="+mn-lt"/>
+        <a:ea typeface="+mn-ea"/>
+        <a:cs typeface="+mn-cs"/>
+      </a:defRPr>
+    </a:lvl3pPr>
+    <a:lvl4pPr marL="1371600" algn="l" defTabSz="914400" rtl="0" eaLnBrk="1" latinLnBrk="0" hangingPunct="1">
+      <a:defRPr sz="1200" kern="1200">
+        <a:solidFill>
+          <a:schemeClr val="tx1"/>
+        </a:solidFill>
+        <a:latin typeface="+mn-lt"/>
+        <a:ea typeface="+mn-ea"/>
+        <a:cs typeface="+mn-cs"/>
+      </a:defRPr>
+    </a:lvl4pPr>
+    <a:lvl5pPr marL="1828800" algn="l" defTabSz="914400" rtl="0" eaLnBrk="1" latinLnBrk="0" hangingPunct="1">
+      <a:defRPr sz="1200" kern="1200">
+        <a:solidFill>
+          <a:schemeClr val="tx1"/>
+        </a:solidFill>
+        <a:latin typeface="+mn-lt"/>
+        <a:ea typeface="+mn-ea"/>
+        <a:cs typeface="+mn-cs"/>
+      </a:defRPr>
+    </a:lvl5pPr>
+    <a:lvl6pPr marL="2286000" algn="l" defTabSz="914400" rtl="0" eaLnBrk="1" latinLnBrk="0" hangingPunct="1">
+      <a:defRPr sz="1200" kern="1200">
+        <a:solidFill>
+          <a:schemeClr val="tx1"/>
+        </a:solidFill>
+        <a:latin typeface="+mn-lt"/>
+        <a:ea typeface="+mn-ea"/>
+        <a:cs typeface="+mn-cs"/>
+      </a:defRPr>
+    </a:lvl6pPr>
+    <a:lvl7pPr marL="2743200" algn="l" defTabSz="914400" rtl="0" eaLnBrk="1" latinLnBrk="0" hangingPunct="1">
+      <a:defRPr sz="1200" kern="1200">
+        <a:solidFill>
+          <a:schemeClr val="tx1"/>
+        </a:solidFill>
+        <a:latin typeface="+mn-lt"/>
+        <a:ea typeface="+mn-ea"/>
+        <a:cs typeface="+mn-cs"/>
+      </a:defRPr>
+    </a:lvl7pPr>
+    <a:lvl8pPr marL="3200400" algn="l" defTabSz="914400" rtl="0" eaLnBrk="1" latinLnBrk="0" hangingPunct="1">
+      <a:defRPr sz="1200" kern="1200">
+        <a:solidFill>
+          <a:schemeClr val="tx1"/>
+        </a:solidFill>
+        <a:latin typeface="+mn-lt"/>
+        <a:ea typeface="+mn-ea"/>
+        <a:cs typeface="+mn-cs"/>
+      </a:defRPr>
+    </a:lvl8pPr>
+    <a:lvl9pPr marL="3657600" algn="l" defTabSz="914400" rtl="0" eaLnBrk="1" latinLnBrk="0" hangingPunct="1">
+      <a:defRPr sz="1200" kern="1200">
+        <a:solidFill>
+          <a:schemeClr val="tx1"/>
+        </a:solidFill>
+        <a:latin typeface="+mn-lt"/>
+        <a:ea typeface="+mn-ea"/>
+        <a:cs typeface="+mn-cs"/>
+      </a:defRPr>
+    </a:lvl9pPr>
+  </p:notesStyle>
+</p:notesMaster>
+</file>
+
+<file path=ppt/notesSlides/notesSlide1.xml><?xml version="1.0" encoding="utf-8"?>
+<p:notes xmlns:a="http://schemas.openxmlformats.org/drawingml/2006/main" xmlns:r="http://schemas.openxmlformats.org/officeDocument/2006/relationships" xmlns:p="http://schemas.openxmlformats.org/presentationml/2006/main">
+  <p:cSld>
+    <p:spTree>
+      <p:nvGrpSpPr>
+        <p:cNvPr id="1" name=""/>
+        <p:cNvGrpSpPr/>
+        <p:nvPr/>
+      </p:nvGrpSpPr>
+      <p:grpSpPr>
+        <a:xfrm>
+          <a:off x="0" y="0"/>
+          <a:ext cx="0" cy="0"/>
+          <a:chOff x="0" y="0"/>
+          <a:chExt cx="0" cy="0"/>
+        </a:xfrm>
+      </p:grpSpPr>
+      <p:sp>
+        <p:nvSpPr>
+          <p:cNvPr id="7170" name="Slide Image Placeholder 1"/>
+          <p:cNvSpPr>
+            <a:spLocks noGrp="1" noRot="1" noChangeAspect="1" noTextEdit="1"/>
+          </p:cNvSpPr>
+          <p:nvPr>
+            <p:ph type="sldImg"/>
+          </p:nvPr>
+        </p:nvSpPr>
+        <p:spPr bwMode="auto">
+          <a:noFill/>
+          <a:ln>
+            <a:solidFill>
+              <a:srgbClr val="000000"/>
+            </a:solidFill>
+            <a:miter lim="800000"/>
+            <a:headEnd/>
+            <a:tailEnd/>
+          </a:ln>
+        </p:spPr>
+      </p:sp>
+      <p:sp>
+        <p:nvSpPr>
+          <p:cNvPr id="7171" name="Notes Placeholder 2"/>
+          <p:cNvSpPr>
+            <a:spLocks noGrp="1"/>
+          </p:cNvSpPr>
+          <p:nvPr>
+            <p:ph type="body" idx="1"/>
+          </p:nvPr>
+        </p:nvSpPr>
+        <p:spPr bwMode="auto">
+          <a:noFill/>
+        </p:spPr>
+        <p:txBody>
+          <a:bodyPr wrap="square" numCol="1" anchor="t" anchorCtr="0" compatLnSpc="1">
+            <a:prstTxWarp prst="textNoShape">
+              <a:avLst/>
+            </a:prstTxWarp>
+          </a:bodyPr>
+          <a:lstStyle/>
+          <a:p>
+            <a:pPr eaLnBrk="1" hangingPunct="1">
+              <a:spcBef>
+                <a:spcPct val="0"/>
+              </a:spcBef>
+            </a:pPr>
+            <a:endParaRPr lang="en-US" smtClean="0"/>
+          </a:p>
+        </p:txBody>
+      </p:sp>
+      <p:sp>
+        <p:nvSpPr>
+          <p:cNvPr id="7172" name="Slide Number Placeholder 3"/>
+          <p:cNvSpPr>
+            <a:spLocks noGrp="1"/>
+          </p:cNvSpPr>
+          <p:nvPr>
+            <p:ph type="sldNum" sz="quarter" idx="5"/>
+          </p:nvPr>
+        </p:nvSpPr>
+        <p:spPr bwMode="auto">
+          <a:noFill/>
+          <a:ln>
+            <a:miter lim="800000"/>
+            <a:headEnd/>
+            <a:tailEnd/>
+          </a:ln>
+        </p:spPr>
+        <p:txBody>
+          <a:bodyPr wrap="square" numCol="1" anchorCtr="0" compatLnSpc="1">
+            <a:prstTxWarp prst="textNoShape">
+              <a:avLst/>
+            </a:prstTxWarp>
+          </a:bodyPr>
+          <a:lstStyle/>
+          <a:p>
+            <a:fld id="{A2C9F1EA-386F-4B83-8EE7-26F3502B6719}" type="slidenum">
+              <a:rPr lang="en-US" smtClean="0"/>
+              <a:pPr/>
+              <a:t>3</a:t>
+            </a:fld>
+            <a:endParaRPr lang="en-US" smtClean="0"/>
+          </a:p>
+        </p:txBody>
+      </p:sp>
+    </p:spTree>
+  </p:cSld>
+  <p:clrMapOvr>
+    <a:masterClrMapping/>
+  </p:clrMapOvr>
+</p:notes>
+</file>
+
 <file path=ppt/slideLayouts/slideLayout1.xml><?xml version="1.0" encoding="utf-8"?>
 <p:sldLayout xmlns:a="http://schemas.openxmlformats.org/drawingml/2006/main" xmlns:r="http://schemas.openxmlformats.org/officeDocument/2006/relationships" xmlns:p="http://schemas.openxmlformats.org/presentationml/2006/main" type="title" preserve="1">
   <p:cSld name="Title Slide">
@@ -289,7 +756,8 @@
           <a:p>
             <a:fld id="{3C76A9AA-E87B-41F6-AA4B-53DBD0092D5B}" type="datetimeFigureOut">
               <a:rPr lang="en-US" smtClean="0"/>
-              <a:t>6/17/2009</a:t>
+              <a:pPr/>
+              <a:t>6/18/2009</a:t>
             </a:fld>
             <a:endParaRPr lang="en-US"/>
           </a:p>
@@ -331,6 +799,7 @@
           <a:p>
             <a:fld id="{2FEFC31F-3F11-4F2B-8959-CD794B24E703}" type="slidenum">
               <a:rPr lang="en-US" smtClean="0"/>
+              <a:pPr/>
               <a:t>‹#›</a:t>
             </a:fld>
             <a:endParaRPr lang="en-US"/>
@@ -454,7 +923,8 @@
           <a:p>
             <a:fld id="{3C76A9AA-E87B-41F6-AA4B-53DBD0092D5B}" type="datetimeFigureOut">
               <a:rPr lang="en-US" smtClean="0"/>
-              <a:t>6/17/2009</a:t>
+              <a:pPr/>
+              <a:t>6/18/2009</a:t>
             </a:fld>
             <a:endParaRPr lang="en-US"/>
           </a:p>
@@ -496,6 +966,7 @@
           <a:p>
             <a:fld id="{2FEFC31F-3F11-4F2B-8959-CD794B24E703}" type="slidenum">
               <a:rPr lang="en-US" smtClean="0"/>
+              <a:pPr/>
               <a:t>‹#›</a:t>
             </a:fld>
             <a:endParaRPr lang="en-US"/>
@@ -629,7 +1100,8 @@
           <a:p>
             <a:fld id="{3C76A9AA-E87B-41F6-AA4B-53DBD0092D5B}" type="datetimeFigureOut">
               <a:rPr lang="en-US" smtClean="0"/>
-              <a:t>6/17/2009</a:t>
+              <a:pPr/>
+              <a:t>6/18/2009</a:t>
             </a:fld>
             <a:endParaRPr lang="en-US"/>
           </a:p>
@@ -671,6 +1143,7 @@
           <a:p>
             <a:fld id="{2FEFC31F-3F11-4F2B-8959-CD794B24E703}" type="slidenum">
               <a:rPr lang="en-US" smtClean="0"/>
+              <a:pPr/>
               <a:t>‹#›</a:t>
             </a:fld>
             <a:endParaRPr lang="en-US"/>
@@ -794,7 +1267,8 @@
           <a:p>
             <a:fld id="{3C76A9AA-E87B-41F6-AA4B-53DBD0092D5B}" type="datetimeFigureOut">
               <a:rPr lang="en-US" smtClean="0"/>
-              <a:t>6/17/2009</a:t>
+              <a:pPr/>
+              <a:t>6/18/2009</a:t>
             </a:fld>
             <a:endParaRPr lang="en-US"/>
           </a:p>
@@ -836,6 +1310,7 @@
           <a:p>
             <a:fld id="{2FEFC31F-3F11-4F2B-8959-CD794B24E703}" type="slidenum">
               <a:rPr lang="en-US" smtClean="0"/>
+              <a:pPr/>
               <a:t>‹#›</a:t>
             </a:fld>
             <a:endParaRPr lang="en-US"/>
@@ -1035,7 +1510,8 @@
           <a:p>
             <a:fld id="{3C76A9AA-E87B-41F6-AA4B-53DBD0092D5B}" type="datetimeFigureOut">
               <a:rPr lang="en-US" smtClean="0"/>
-              <a:t>6/17/2009</a:t>
+              <a:pPr/>
+              <a:t>6/18/2009</a:t>
             </a:fld>
             <a:endParaRPr lang="en-US"/>
           </a:p>
@@ -1077,6 +1553,7 @@
           <a:p>
             <a:fld id="{2FEFC31F-3F11-4F2B-8959-CD794B24E703}" type="slidenum">
               <a:rPr lang="en-US" smtClean="0"/>
+              <a:pPr/>
               <a:t>‹#›</a:t>
             </a:fld>
             <a:endParaRPr lang="en-US"/>
@@ -1318,7 +1795,8 @@
           <a:p>
             <a:fld id="{3C76A9AA-E87B-41F6-AA4B-53DBD0092D5B}" type="datetimeFigureOut">
               <a:rPr lang="en-US" smtClean="0"/>
-              <a:t>6/17/2009</a:t>
+              <a:pPr/>
+              <a:t>6/18/2009</a:t>
             </a:fld>
             <a:endParaRPr lang="en-US"/>
           </a:p>
@@ -1360,6 +1838,7 @@
           <a:p>
             <a:fld id="{2FEFC31F-3F11-4F2B-8959-CD794B24E703}" type="slidenum">
               <a:rPr lang="en-US" smtClean="0"/>
+              <a:pPr/>
               <a:t>‹#›</a:t>
             </a:fld>
             <a:endParaRPr lang="en-US"/>
@@ -1735,7 +2214,8 @@
           <a:p>
             <a:fld id="{3C76A9AA-E87B-41F6-AA4B-53DBD0092D5B}" type="datetimeFigureOut">
               <a:rPr lang="en-US" smtClean="0"/>
-              <a:t>6/17/2009</a:t>
+              <a:pPr/>
+              <a:t>6/18/2009</a:t>
             </a:fld>
             <a:endParaRPr lang="en-US"/>
           </a:p>
@@ -1777,6 +2257,7 @@
           <a:p>
             <a:fld id="{2FEFC31F-3F11-4F2B-8959-CD794B24E703}" type="slidenum">
               <a:rPr lang="en-US" smtClean="0"/>
+              <a:pPr/>
               <a:t>‹#›</a:t>
             </a:fld>
             <a:endParaRPr lang="en-US"/>
@@ -1848,7 +2329,8 @@
           <a:p>
             <a:fld id="{3C76A9AA-E87B-41F6-AA4B-53DBD0092D5B}" type="datetimeFigureOut">
               <a:rPr lang="en-US" smtClean="0"/>
-              <a:t>6/17/2009</a:t>
+              <a:pPr/>
+              <a:t>6/18/2009</a:t>
             </a:fld>
             <a:endParaRPr lang="en-US"/>
           </a:p>
@@ -1890,6 +2372,7 @@
           <a:p>
             <a:fld id="{2FEFC31F-3F11-4F2B-8959-CD794B24E703}" type="slidenum">
               <a:rPr lang="en-US" smtClean="0"/>
+              <a:pPr/>
               <a:t>‹#›</a:t>
             </a:fld>
             <a:endParaRPr lang="en-US"/>
@@ -1938,7 +2421,8 @@
           <a:p>
             <a:fld id="{3C76A9AA-E87B-41F6-AA4B-53DBD0092D5B}" type="datetimeFigureOut">
               <a:rPr lang="en-US" smtClean="0"/>
-              <a:t>6/17/2009</a:t>
+              <a:pPr/>
+              <a:t>6/18/2009</a:t>
             </a:fld>
             <a:endParaRPr lang="en-US"/>
           </a:p>
@@ -1980,6 +2464,7 @@
           <a:p>
             <a:fld id="{2FEFC31F-3F11-4F2B-8959-CD794B24E703}" type="slidenum">
               <a:rPr lang="en-US" smtClean="0"/>
+              <a:pPr/>
               <a:t>‹#›</a:t>
             </a:fld>
             <a:endParaRPr lang="en-US"/>
@@ -2210,7 +2695,8 @@
           <a:p>
             <a:fld id="{3C76A9AA-E87B-41F6-AA4B-53DBD0092D5B}" type="datetimeFigureOut">
               <a:rPr lang="en-US" smtClean="0"/>
-              <a:t>6/17/2009</a:t>
+              <a:pPr/>
+              <a:t>6/18/2009</a:t>
             </a:fld>
             <a:endParaRPr lang="en-US"/>
           </a:p>
@@ -2252,6 +2738,7 @@
           <a:p>
             <a:fld id="{2FEFC31F-3F11-4F2B-8959-CD794B24E703}" type="slidenum">
               <a:rPr lang="en-US" smtClean="0"/>
+              <a:pPr/>
               <a:t>‹#›</a:t>
             </a:fld>
             <a:endParaRPr lang="en-US"/>
@@ -2458,7 +2945,8 @@
           <a:p>
             <a:fld id="{3C76A9AA-E87B-41F6-AA4B-53DBD0092D5B}" type="datetimeFigureOut">
               <a:rPr lang="en-US" smtClean="0"/>
-              <a:t>6/17/2009</a:t>
+              <a:pPr/>
+              <a:t>6/18/2009</a:t>
             </a:fld>
             <a:endParaRPr lang="en-US"/>
           </a:p>
@@ -2500,6 +2988,7 @@
           <a:p>
             <a:fld id="{2FEFC31F-3F11-4F2B-8959-CD794B24E703}" type="slidenum">
               <a:rPr lang="en-US" smtClean="0"/>
+              <a:pPr/>
               <a:t>‹#›</a:t>
             </a:fld>
             <a:endParaRPr lang="en-US"/>
@@ -2666,7 +3155,8 @@
           <a:p>
             <a:fld id="{3C76A9AA-E87B-41F6-AA4B-53DBD0092D5B}" type="datetimeFigureOut">
               <a:rPr lang="en-US" smtClean="0"/>
-              <a:t>6/17/2009</a:t>
+              <a:pPr/>
+              <a:t>6/18/2009</a:t>
             </a:fld>
             <a:endParaRPr lang="en-US"/>
           </a:p>
@@ -2744,6 +3234,7 @@
           <a:p>
             <a:fld id="{2FEFC31F-3F11-4F2B-8959-CD794B24E703}" type="slidenum">
               <a:rPr lang="en-US" smtClean="0"/>
+              <a:pPr/>
               <a:t>‹#›</a:t>
             </a:fld>
             <a:endParaRPr lang="en-US"/>
@@ -3036,6 +3527,4789 @@
           <a:chExt cx="0" cy="0"/>
         </a:xfrm>
       </p:grpSpPr>
+      <p:graphicFrame>
+        <p:nvGraphicFramePr>
+          <p:cNvPr id="7" name="Table 6"/>
+          <p:cNvGraphicFramePr>
+            <a:graphicFrameLocks noGrp="1"/>
+          </p:cNvGraphicFramePr>
+          <p:nvPr/>
+        </p:nvGraphicFramePr>
+        <p:xfrm>
+          <a:off x="381000" y="1524000"/>
+          <a:ext cx="6324598" cy="4079240"/>
+        </p:xfrm>
+        <a:graphic>
+          <a:graphicData uri="http://schemas.openxmlformats.org/drawingml/2006/table">
+            <a:tbl>
+              <a:tblPr firstRow="1" bandRow="1">
+                <a:tableStyleId>{5C22544A-7EE6-4342-B048-85BDC9FD1C3A}</a:tableStyleId>
+              </a:tblPr>
+              <a:tblGrid>
+                <a:gridCol w="357034"/>
+                <a:gridCol w="1928965"/>
+                <a:gridCol w="2514600"/>
+                <a:gridCol w="1523999"/>
+              </a:tblGrid>
+              <a:tr h="370840">
+                <a:tc>
+                  <a:txBody>
+                    <a:bodyPr/>
+                    <a:lstStyle/>
+                    <a:p>
+                      <a:pPr algn="ctr"/>
+                      <a:r>
+                        <a:rPr lang="en-US" dirty="0" smtClean="0"/>
+                        <a:t>#</a:t>
+                      </a:r>
+                      <a:endParaRPr lang="en-US" dirty="0"/>
+                    </a:p>
+                  </a:txBody>
+                  <a:tcPr/>
+                </a:tc>
+                <a:tc>
+                  <a:txBody>
+                    <a:bodyPr/>
+                    <a:lstStyle/>
+                    <a:p>
+                      <a:pPr algn="ctr"/>
+                      <a:r>
+                        <a:rPr lang="en-US" dirty="0" smtClean="0"/>
+                        <a:t>XML Element</a:t>
+                      </a:r>
+                      <a:endParaRPr lang="en-US" dirty="0"/>
+                    </a:p>
+                  </a:txBody>
+                  <a:tcPr/>
+                </a:tc>
+                <a:tc>
+                  <a:txBody>
+                    <a:bodyPr/>
+                    <a:lstStyle/>
+                    <a:p>
+                      <a:pPr algn="ctr"/>
+                      <a:r>
+                        <a:rPr lang="en-US" dirty="0" smtClean="0"/>
+                        <a:t>Operation</a:t>
+                      </a:r>
+                      <a:endParaRPr lang="en-US" dirty="0"/>
+                    </a:p>
+                  </a:txBody>
+                  <a:tcPr/>
+                </a:tc>
+                <a:tc>
+                  <a:txBody>
+                    <a:bodyPr/>
+                    <a:lstStyle/>
+                    <a:p>
+                      <a:pPr algn="ctr"/>
+                      <a:r>
+                        <a:rPr lang="en-US" dirty="0" smtClean="0"/>
+                        <a:t>Context Size</a:t>
+                      </a:r>
+                      <a:endParaRPr lang="en-US" dirty="0"/>
+                    </a:p>
+                  </a:txBody>
+                  <a:tcPr/>
+                </a:tc>
+              </a:tr>
+              <a:tr h="370840">
+                <a:tc>
+                  <a:txBody>
+                    <a:bodyPr/>
+                    <a:lstStyle/>
+                    <a:p>
+                      <a:pPr algn="ctr"/>
+                      <a:r>
+                        <a:rPr lang="en-US" dirty="0" smtClean="0"/>
+                        <a:t>1</a:t>
+                      </a:r>
+                      <a:endParaRPr lang="en-US" dirty="0"/>
+                    </a:p>
+                  </a:txBody>
+                  <a:tcPr anchor="ctr"/>
+                </a:tc>
+                <a:tc>
+                  <a:txBody>
+                    <a:bodyPr/>
+                    <a:lstStyle/>
+                    <a:p>
+                      <a:pPr marL="0" marR="0" indent="0" algn="l" defTabSz="914400" rtl="0" eaLnBrk="1" fontAlgn="auto" latinLnBrk="0" hangingPunct="1">
+                        <a:lnSpc>
+                          <a:spcPct val="100000"/>
+                        </a:lnSpc>
+                        <a:spcBef>
+                          <a:spcPts val="0"/>
+                        </a:spcBef>
+                        <a:spcAft>
+                          <a:spcPts val="0"/>
+                        </a:spcAft>
+                        <a:buClrTx/>
+                        <a:buSzTx/>
+                        <a:buFontTx/>
+                        <a:buNone/>
+                        <a:tabLst/>
+                        <a:defRPr/>
+                      </a:pPr>
+                      <a:r>
+                        <a:rPr lang="en-US" dirty="0" smtClean="0">
+                          <a:latin typeface="Calibri" pitchFamily="34" charset="0"/>
+                          <a:cs typeface="Courier New" pitchFamily="49" charset="0"/>
+                        </a:rPr>
+                        <a:t>&lt;Template&gt;</a:t>
+                      </a:r>
+                    </a:p>
+                  </a:txBody>
+                  <a:tcPr anchor="ctr"/>
+                </a:tc>
+                <a:tc>
+                  <a:txBody>
+                    <a:bodyPr/>
+                    <a:lstStyle/>
+                    <a:p>
+                      <a:r>
+                        <a:rPr lang="en-US" dirty="0" smtClean="0"/>
+                        <a:t>Template::Enter</a:t>
+                      </a:r>
+                      <a:endParaRPr lang="en-US" dirty="0"/>
+                    </a:p>
+                  </a:txBody>
+                  <a:tcPr anchor="ctr"/>
+                </a:tc>
+                <a:tc>
+                  <a:txBody>
+                    <a:bodyPr/>
+                    <a:lstStyle/>
+                    <a:p>
+                      <a:endParaRPr lang="en-US" dirty="0"/>
+                    </a:p>
+                  </a:txBody>
+                  <a:tcPr anchor="ctr"/>
+                </a:tc>
+              </a:tr>
+              <a:tr h="370840">
+                <a:tc>
+                  <a:txBody>
+                    <a:bodyPr/>
+                    <a:lstStyle/>
+                    <a:p>
+                      <a:pPr algn="ctr"/>
+                      <a:r>
+                        <a:rPr lang="en-US" dirty="0" smtClean="0"/>
+                        <a:t>2</a:t>
+                      </a:r>
+                      <a:endParaRPr lang="en-US" dirty="0"/>
+                    </a:p>
+                  </a:txBody>
+                  <a:tcPr anchor="ctr"/>
+                </a:tc>
+                <a:tc>
+                  <a:txBody>
+                    <a:bodyPr/>
+                    <a:lstStyle/>
+                    <a:p>
+                      <a:r>
+                        <a:rPr lang="en-US" dirty="0" smtClean="0">
+                          <a:latin typeface="Calibri" pitchFamily="34" charset="0"/>
+                          <a:cs typeface="Courier New" pitchFamily="49" charset="0"/>
+                        </a:rPr>
+                        <a:t>    &lt;Child1&gt;</a:t>
+                      </a:r>
+                      <a:endParaRPr lang="en-US" dirty="0"/>
+                    </a:p>
+                  </a:txBody>
+                  <a:tcPr anchor="ctr"/>
+                </a:tc>
+                <a:tc>
+                  <a:txBody>
+                    <a:bodyPr/>
+                    <a:lstStyle/>
+                    <a:p>
+                      <a:r>
+                        <a:rPr lang="en-US" dirty="0" smtClean="0"/>
+                        <a:t>    Child1: :Enter</a:t>
+                      </a:r>
+                      <a:endParaRPr lang="en-US" dirty="0"/>
+                    </a:p>
+                  </a:txBody>
+                  <a:tcPr anchor="ctr"/>
+                </a:tc>
+                <a:tc>
+                  <a:txBody>
+                    <a:bodyPr/>
+                    <a:lstStyle/>
+                    <a:p>
+                      <a:endParaRPr lang="en-US" dirty="0"/>
+                    </a:p>
+                  </a:txBody>
+                  <a:tcPr anchor="ctr"/>
+                </a:tc>
+              </a:tr>
+              <a:tr h="370840">
+                <a:tc rowSpan="2">
+                  <a:txBody>
+                    <a:bodyPr/>
+                    <a:lstStyle/>
+                    <a:p>
+                      <a:pPr algn="ctr"/>
+                      <a:r>
+                        <a:rPr lang="en-US" dirty="0" smtClean="0"/>
+                        <a:t>3</a:t>
+                      </a:r>
+                      <a:endParaRPr lang="en-US" dirty="0"/>
+                    </a:p>
+                  </a:txBody>
+                  <a:tcPr anchor="ctr"/>
+                </a:tc>
+                <a:tc rowSpan="2">
+                  <a:txBody>
+                    <a:bodyPr/>
+                    <a:lstStyle/>
+                    <a:p>
+                      <a:r>
+                        <a:rPr lang="en-US" dirty="0" smtClean="0">
+                          <a:latin typeface="Calibri" pitchFamily="34" charset="0"/>
+                          <a:cs typeface="Courier New" pitchFamily="49" charset="0"/>
+                        </a:rPr>
+                        <a:t>     &lt;GrandChild1/&gt;</a:t>
+                      </a:r>
+                      <a:endParaRPr lang="en-US" dirty="0"/>
+                    </a:p>
+                  </a:txBody>
+                  <a:tcPr anchor="ctr"/>
+                </a:tc>
+                <a:tc>
+                  <a:txBody>
+                    <a:bodyPr/>
+                    <a:lstStyle/>
+                    <a:p>
+                      <a:r>
+                        <a:rPr lang="en-US" dirty="0" smtClean="0"/>
+                        <a:t>        </a:t>
+                      </a:r>
+                      <a:r>
+                        <a:rPr lang="en-US" dirty="0" smtClean="0">
+                          <a:latin typeface="Calibri" pitchFamily="34" charset="0"/>
+                          <a:cs typeface="Courier New" pitchFamily="49" charset="0"/>
+                        </a:rPr>
+                        <a:t>GrandChild1:: Enter</a:t>
+                      </a:r>
+                      <a:endParaRPr lang="en-US" dirty="0"/>
+                    </a:p>
+                  </a:txBody>
+                  <a:tcPr anchor="ctr"/>
+                </a:tc>
+                <a:tc>
+                  <a:txBody>
+                    <a:bodyPr/>
+                    <a:lstStyle/>
+                    <a:p>
+                      <a:endParaRPr lang="en-US" dirty="0"/>
+                    </a:p>
+                  </a:txBody>
+                  <a:tcPr anchor="ctr"/>
+                </a:tc>
+              </a:tr>
+              <a:tr h="370840">
+                <a:tc vMerge="1">
+                  <a:txBody>
+                    <a:bodyPr/>
+                    <a:lstStyle/>
+                    <a:p>
+                      <a:pPr algn="ctr"/>
+                      <a:endParaRPr lang="en-US" dirty="0"/>
+                    </a:p>
+                  </a:txBody>
+                  <a:tcPr/>
+                </a:tc>
+                <a:tc vMerge="1">
+                  <a:txBody>
+                    <a:bodyPr/>
+                    <a:lstStyle/>
+                    <a:p>
+                      <a:endParaRPr lang="en-US" dirty="0"/>
+                    </a:p>
+                  </a:txBody>
+                  <a:tcPr/>
+                </a:tc>
+                <a:tc>
+                  <a:txBody>
+                    <a:bodyPr/>
+                    <a:lstStyle/>
+                    <a:p>
+                      <a:r>
+                        <a:rPr lang="en-US" dirty="0" smtClean="0"/>
+                        <a:t>        </a:t>
+                      </a:r>
+                      <a:r>
+                        <a:rPr lang="en-US" dirty="0" smtClean="0">
+                          <a:latin typeface="Calibri" pitchFamily="34" charset="0"/>
+                          <a:cs typeface="Courier New" pitchFamily="49" charset="0"/>
+                        </a:rPr>
+                        <a:t>GrandChild1:: Leave</a:t>
+                      </a:r>
+                      <a:endParaRPr lang="en-US" dirty="0"/>
+                    </a:p>
+                  </a:txBody>
+                  <a:tcPr anchor="ctr"/>
+                </a:tc>
+                <a:tc>
+                  <a:txBody>
+                    <a:bodyPr/>
+                    <a:lstStyle/>
+                    <a:p>
+                      <a:endParaRPr lang="en-US" dirty="0"/>
+                    </a:p>
+                  </a:txBody>
+                  <a:tcPr anchor="ctr"/>
+                </a:tc>
+              </a:tr>
+              <a:tr h="370840">
+                <a:tc>
+                  <a:txBody>
+                    <a:bodyPr/>
+                    <a:lstStyle/>
+                    <a:p>
+                      <a:pPr algn="ctr"/>
+                      <a:r>
+                        <a:rPr lang="en-US" dirty="0" smtClean="0"/>
+                        <a:t>4</a:t>
+                      </a:r>
+                      <a:endParaRPr lang="en-US" dirty="0"/>
+                    </a:p>
+                  </a:txBody>
+                  <a:tcPr anchor="ctr"/>
+                </a:tc>
+                <a:tc>
+                  <a:txBody>
+                    <a:bodyPr/>
+                    <a:lstStyle/>
+                    <a:p>
+                      <a:r>
+                        <a:rPr lang="en-US" dirty="0" smtClean="0">
+                          <a:latin typeface="Calibri" pitchFamily="34" charset="0"/>
+                          <a:cs typeface="Courier New" pitchFamily="49" charset="0"/>
+                        </a:rPr>
+                        <a:t>    &lt;/Child1&gt;</a:t>
+                      </a:r>
+                      <a:endParaRPr lang="en-US" dirty="0"/>
+                    </a:p>
+                  </a:txBody>
+                  <a:tcPr anchor="ctr"/>
+                </a:tc>
+                <a:tc>
+                  <a:txBody>
+                    <a:bodyPr/>
+                    <a:lstStyle/>
+                    <a:p>
+                      <a:r>
+                        <a:rPr lang="en-US" dirty="0" smtClean="0"/>
+                        <a:t>    Child1: :Leave</a:t>
+                      </a:r>
+                      <a:endParaRPr lang="en-US" dirty="0"/>
+                    </a:p>
+                  </a:txBody>
+                  <a:tcPr anchor="ctr"/>
+                </a:tc>
+                <a:tc>
+                  <a:txBody>
+                    <a:bodyPr/>
+                    <a:lstStyle/>
+                    <a:p>
+                      <a:endParaRPr lang="en-US" dirty="0"/>
+                    </a:p>
+                  </a:txBody>
+                  <a:tcPr anchor="ctr"/>
+                </a:tc>
+              </a:tr>
+              <a:tr h="370840">
+                <a:tc>
+                  <a:txBody>
+                    <a:bodyPr/>
+                    <a:lstStyle/>
+                    <a:p>
+                      <a:pPr algn="ctr"/>
+                      <a:r>
+                        <a:rPr lang="en-US" dirty="0" smtClean="0"/>
+                        <a:t>5</a:t>
+                      </a:r>
+                      <a:endParaRPr lang="en-US" dirty="0"/>
+                    </a:p>
+                  </a:txBody>
+                  <a:tcPr anchor="ctr"/>
+                </a:tc>
+                <a:tc>
+                  <a:txBody>
+                    <a:bodyPr/>
+                    <a:lstStyle/>
+                    <a:p>
+                      <a:r>
+                        <a:rPr lang="en-US" baseline="0" dirty="0" smtClean="0">
+                          <a:latin typeface="Calibri" pitchFamily="34" charset="0"/>
+                          <a:cs typeface="Courier New" pitchFamily="49" charset="0"/>
+                        </a:rPr>
+                        <a:t>    </a:t>
+                      </a:r>
+                      <a:r>
+                        <a:rPr lang="en-US" dirty="0" smtClean="0">
+                          <a:latin typeface="Calibri" pitchFamily="34" charset="0"/>
+                          <a:cs typeface="Courier New" pitchFamily="49" charset="0"/>
+                        </a:rPr>
+                        <a:t>&lt;Child2&gt;</a:t>
+                      </a:r>
+                      <a:endParaRPr lang="en-US" dirty="0"/>
+                    </a:p>
+                  </a:txBody>
+                  <a:tcPr anchor="ctr"/>
+                </a:tc>
+                <a:tc>
+                  <a:txBody>
+                    <a:bodyPr/>
+                    <a:lstStyle/>
+                    <a:p>
+                      <a:r>
+                        <a:rPr lang="en-US" dirty="0" smtClean="0"/>
+                        <a:t>    Child2::Enter</a:t>
+                      </a:r>
+                      <a:endParaRPr lang="en-US" dirty="0"/>
+                    </a:p>
+                  </a:txBody>
+                  <a:tcPr anchor="ctr"/>
+                </a:tc>
+                <a:tc>
+                  <a:txBody>
+                    <a:bodyPr/>
+                    <a:lstStyle/>
+                    <a:p>
+                      <a:endParaRPr lang="en-US" dirty="0"/>
+                    </a:p>
+                  </a:txBody>
+                  <a:tcPr anchor="ctr"/>
+                </a:tc>
+              </a:tr>
+              <a:tr h="370840">
+                <a:tc rowSpan="2">
+                  <a:txBody>
+                    <a:bodyPr/>
+                    <a:lstStyle/>
+                    <a:p>
+                      <a:pPr algn="ctr"/>
+                      <a:r>
+                        <a:rPr lang="en-US" dirty="0" smtClean="0"/>
+                        <a:t>6</a:t>
+                      </a:r>
+                      <a:endParaRPr lang="en-US" dirty="0"/>
+                    </a:p>
+                  </a:txBody>
+                  <a:tcPr anchor="ctr"/>
+                </a:tc>
+                <a:tc rowSpan="2">
+                  <a:txBody>
+                    <a:bodyPr/>
+                    <a:lstStyle/>
+                    <a:p>
+                      <a:r>
+                        <a:rPr lang="en-US" dirty="0" smtClean="0">
+                          <a:latin typeface="Calibri" pitchFamily="34" charset="0"/>
+                          <a:cs typeface="Courier New" pitchFamily="49" charset="0"/>
+                        </a:rPr>
+                        <a:t>        &lt;GrandChild2/&gt;</a:t>
+                      </a:r>
+                      <a:endParaRPr lang="en-US" dirty="0"/>
+                    </a:p>
+                  </a:txBody>
+                  <a:tcPr anchor="ctr"/>
+                </a:tc>
+                <a:tc>
+                  <a:txBody>
+                    <a:bodyPr/>
+                    <a:lstStyle/>
+                    <a:p>
+                      <a:r>
+                        <a:rPr lang="en-US" dirty="0" smtClean="0"/>
+                        <a:t>        GrandChild2::Enter</a:t>
+                      </a:r>
+                      <a:endParaRPr lang="en-US" dirty="0"/>
+                    </a:p>
+                  </a:txBody>
+                  <a:tcPr anchor="ctr"/>
+                </a:tc>
+                <a:tc>
+                  <a:txBody>
+                    <a:bodyPr/>
+                    <a:lstStyle/>
+                    <a:p>
+                      <a:endParaRPr lang="en-US" dirty="0"/>
+                    </a:p>
+                  </a:txBody>
+                  <a:tcPr anchor="ctr"/>
+                </a:tc>
+              </a:tr>
+              <a:tr h="370840">
+                <a:tc vMerge="1">
+                  <a:txBody>
+                    <a:bodyPr/>
+                    <a:lstStyle/>
+                    <a:p>
+                      <a:pPr algn="ctr"/>
+                      <a:endParaRPr lang="en-US" dirty="0"/>
+                    </a:p>
+                  </a:txBody>
+                  <a:tcPr anchor="ctr"/>
+                </a:tc>
+                <a:tc vMerge="1">
+                  <a:txBody>
+                    <a:bodyPr/>
+                    <a:lstStyle/>
+                    <a:p>
+                      <a:endParaRPr lang="en-US" dirty="0"/>
+                    </a:p>
+                  </a:txBody>
+                  <a:tcPr anchor="ctr"/>
+                </a:tc>
+                <a:tc>
+                  <a:txBody>
+                    <a:bodyPr/>
+                    <a:lstStyle/>
+                    <a:p>
+                      <a:r>
+                        <a:rPr lang="en-US" dirty="0" smtClean="0"/>
+                        <a:t>        GrandChild2::Leave</a:t>
+                      </a:r>
+                      <a:endParaRPr lang="en-US" dirty="0"/>
+                    </a:p>
+                  </a:txBody>
+                  <a:tcPr anchor="ctr"/>
+                </a:tc>
+                <a:tc>
+                  <a:txBody>
+                    <a:bodyPr/>
+                    <a:lstStyle/>
+                    <a:p>
+                      <a:endParaRPr lang="en-US" dirty="0"/>
+                    </a:p>
+                  </a:txBody>
+                  <a:tcPr anchor="ctr"/>
+                </a:tc>
+              </a:tr>
+              <a:tr h="370840">
+                <a:tc>
+                  <a:txBody>
+                    <a:bodyPr/>
+                    <a:lstStyle/>
+                    <a:p>
+                      <a:pPr algn="ctr"/>
+                      <a:r>
+                        <a:rPr lang="en-US" dirty="0" smtClean="0"/>
+                        <a:t>7</a:t>
+                      </a:r>
+                      <a:endParaRPr lang="en-US" dirty="0"/>
+                    </a:p>
+                  </a:txBody>
+                  <a:tcPr anchor="ctr"/>
+                </a:tc>
+                <a:tc>
+                  <a:txBody>
+                    <a:bodyPr/>
+                    <a:lstStyle/>
+                    <a:p>
+                      <a:r>
+                        <a:rPr lang="en-US" dirty="0" smtClean="0">
+                          <a:latin typeface="Calibri" pitchFamily="34" charset="0"/>
+                          <a:cs typeface="Courier New" pitchFamily="49" charset="0"/>
+                        </a:rPr>
+                        <a:t>    &lt;/Child2&gt;</a:t>
+                      </a:r>
+                      <a:endParaRPr lang="en-US" dirty="0"/>
+                    </a:p>
+                  </a:txBody>
+                  <a:tcPr anchor="ctr"/>
+                </a:tc>
+                <a:tc>
+                  <a:txBody>
+                    <a:bodyPr/>
+                    <a:lstStyle/>
+                    <a:p>
+                      <a:r>
+                        <a:rPr lang="en-US" dirty="0" smtClean="0"/>
+                        <a:t>    Child2::Leave</a:t>
+                      </a:r>
+                      <a:endParaRPr lang="en-US" dirty="0"/>
+                    </a:p>
+                  </a:txBody>
+                  <a:tcPr anchor="ctr"/>
+                </a:tc>
+                <a:tc>
+                  <a:txBody>
+                    <a:bodyPr/>
+                    <a:lstStyle/>
+                    <a:p>
+                      <a:endParaRPr lang="en-US" dirty="0"/>
+                    </a:p>
+                  </a:txBody>
+                  <a:tcPr anchor="ctr"/>
+                </a:tc>
+              </a:tr>
+              <a:tr h="370840">
+                <a:tc>
+                  <a:txBody>
+                    <a:bodyPr/>
+                    <a:lstStyle/>
+                    <a:p>
+                      <a:pPr algn="ctr"/>
+                      <a:r>
+                        <a:rPr lang="en-US" dirty="0" smtClean="0"/>
+                        <a:t>8</a:t>
+                      </a:r>
+                      <a:endParaRPr lang="en-US" dirty="0"/>
+                    </a:p>
+                  </a:txBody>
+                  <a:tcPr anchor="ctr"/>
+                </a:tc>
+                <a:tc>
+                  <a:txBody>
+                    <a:bodyPr/>
+                    <a:lstStyle/>
+                    <a:p>
+                      <a:pPr marL="0" marR="0" indent="0" algn="l" defTabSz="914400" rtl="0" eaLnBrk="1" fontAlgn="auto" latinLnBrk="0" hangingPunct="1">
+                        <a:lnSpc>
+                          <a:spcPct val="100000"/>
+                        </a:lnSpc>
+                        <a:spcBef>
+                          <a:spcPts val="0"/>
+                        </a:spcBef>
+                        <a:spcAft>
+                          <a:spcPts val="0"/>
+                        </a:spcAft>
+                        <a:buClrTx/>
+                        <a:buSzTx/>
+                        <a:buFontTx/>
+                        <a:buNone/>
+                        <a:tabLst/>
+                        <a:defRPr/>
+                      </a:pPr>
+                      <a:r>
+                        <a:rPr lang="en-US" dirty="0" smtClean="0">
+                          <a:latin typeface="Calibri" pitchFamily="34" charset="0"/>
+                          <a:cs typeface="Courier New" pitchFamily="49" charset="0"/>
+                        </a:rPr>
+                        <a:t>&lt;/Template&gt;</a:t>
+                      </a:r>
+                    </a:p>
+                  </a:txBody>
+                  <a:tcPr anchor="ctr"/>
+                </a:tc>
+                <a:tc>
+                  <a:txBody>
+                    <a:bodyPr/>
+                    <a:lstStyle/>
+                    <a:p>
+                      <a:r>
+                        <a:rPr lang="en-US" dirty="0" smtClean="0"/>
+                        <a:t>Template:: Leave</a:t>
+                      </a:r>
+                      <a:endParaRPr lang="en-US" dirty="0"/>
+                    </a:p>
+                  </a:txBody>
+                  <a:tcPr anchor="ctr"/>
+                </a:tc>
+                <a:tc>
+                  <a:txBody>
+                    <a:bodyPr/>
+                    <a:lstStyle/>
+                    <a:p>
+                      <a:endParaRPr lang="en-US" dirty="0"/>
+                    </a:p>
+                  </a:txBody>
+                  <a:tcPr anchor="ctr"/>
+                </a:tc>
+              </a:tr>
+            </a:tbl>
+          </a:graphicData>
+        </a:graphic>
+      </p:graphicFrame>
+      <p:sp>
+        <p:nvSpPr>
+          <p:cNvPr id="33" name="Rectangle 32"/>
+          <p:cNvSpPr/>
+          <p:nvPr/>
+        </p:nvSpPr>
+        <p:spPr>
+          <a:xfrm>
+            <a:off x="5486400" y="1905000"/>
+            <a:ext cx="304800" cy="304800"/>
+          </a:xfrm>
+          <a:prstGeom prst="rect">
+            <a:avLst/>
+          </a:prstGeom>
+        </p:spPr>
+        <p:style>
+          <a:lnRef idx="0">
+            <a:schemeClr val="accent1"/>
+          </a:lnRef>
+          <a:fillRef idx="3">
+            <a:schemeClr val="accent1"/>
+          </a:fillRef>
+          <a:effectRef idx="3">
+            <a:schemeClr val="accent1"/>
+          </a:effectRef>
+          <a:fontRef idx="minor">
+            <a:schemeClr val="lt1"/>
+          </a:fontRef>
+        </p:style>
+        <p:txBody>
+          <a:bodyPr anchor="ctr"/>
+          <a:lstStyle/>
+          <a:p>
+            <a:pPr algn="ctr" fontAlgn="auto">
+              <a:spcBef>
+                <a:spcPts val="0"/>
+              </a:spcBef>
+              <a:spcAft>
+                <a:spcPts val="0"/>
+              </a:spcAft>
+              <a:defRPr/>
+            </a:pPr>
+            <a:endParaRPr lang="en-US" dirty="0"/>
+          </a:p>
+        </p:txBody>
+      </p:sp>
+      <p:sp>
+        <p:nvSpPr>
+          <p:cNvPr id="44" name="Rectangle 43"/>
+          <p:cNvSpPr/>
+          <p:nvPr/>
+        </p:nvSpPr>
+        <p:spPr>
+          <a:xfrm>
+            <a:off x="5486400" y="2286000"/>
+            <a:ext cx="304800" cy="304800"/>
+          </a:xfrm>
+          <a:prstGeom prst="rect">
+            <a:avLst/>
+          </a:prstGeom>
+        </p:spPr>
+        <p:style>
+          <a:lnRef idx="0">
+            <a:schemeClr val="accent1"/>
+          </a:lnRef>
+          <a:fillRef idx="3">
+            <a:schemeClr val="accent1"/>
+          </a:fillRef>
+          <a:effectRef idx="3">
+            <a:schemeClr val="accent1"/>
+          </a:effectRef>
+          <a:fontRef idx="minor">
+            <a:schemeClr val="lt1"/>
+          </a:fontRef>
+        </p:style>
+        <p:txBody>
+          <a:bodyPr anchor="ctr"/>
+          <a:lstStyle/>
+          <a:p>
+            <a:pPr algn="ctr" fontAlgn="auto">
+              <a:spcBef>
+                <a:spcPts val="0"/>
+              </a:spcBef>
+              <a:spcAft>
+                <a:spcPts val="0"/>
+              </a:spcAft>
+              <a:defRPr/>
+            </a:pPr>
+            <a:endParaRPr lang="en-US" dirty="0"/>
+          </a:p>
+        </p:txBody>
+      </p:sp>
+      <p:sp>
+        <p:nvSpPr>
+          <p:cNvPr id="45" name="Rectangle 44"/>
+          <p:cNvSpPr/>
+          <p:nvPr/>
+        </p:nvSpPr>
+        <p:spPr>
+          <a:xfrm>
+            <a:off x="5791200" y="2286000"/>
+            <a:ext cx="304800" cy="304800"/>
+          </a:xfrm>
+          <a:prstGeom prst="rect">
+            <a:avLst/>
+          </a:prstGeom>
+        </p:spPr>
+        <p:style>
+          <a:lnRef idx="0">
+            <a:schemeClr val="accent1"/>
+          </a:lnRef>
+          <a:fillRef idx="3">
+            <a:schemeClr val="accent1"/>
+          </a:fillRef>
+          <a:effectRef idx="3">
+            <a:schemeClr val="accent1"/>
+          </a:effectRef>
+          <a:fontRef idx="minor">
+            <a:schemeClr val="lt1"/>
+          </a:fontRef>
+        </p:style>
+        <p:txBody>
+          <a:bodyPr anchor="ctr"/>
+          <a:lstStyle/>
+          <a:p>
+            <a:pPr algn="ctr" fontAlgn="auto">
+              <a:spcBef>
+                <a:spcPts val="0"/>
+              </a:spcBef>
+              <a:spcAft>
+                <a:spcPts val="0"/>
+              </a:spcAft>
+              <a:defRPr/>
+            </a:pPr>
+            <a:endParaRPr lang="en-US" dirty="0"/>
+          </a:p>
+        </p:txBody>
+      </p:sp>
+      <p:sp>
+        <p:nvSpPr>
+          <p:cNvPr id="47" name="Rectangle 46"/>
+          <p:cNvSpPr/>
+          <p:nvPr/>
+        </p:nvSpPr>
+        <p:spPr>
+          <a:xfrm>
+            <a:off x="5486400" y="2667000"/>
+            <a:ext cx="304800" cy="304800"/>
+          </a:xfrm>
+          <a:prstGeom prst="rect">
+            <a:avLst/>
+          </a:prstGeom>
+        </p:spPr>
+        <p:style>
+          <a:lnRef idx="0">
+            <a:schemeClr val="accent1"/>
+          </a:lnRef>
+          <a:fillRef idx="3">
+            <a:schemeClr val="accent1"/>
+          </a:fillRef>
+          <a:effectRef idx="3">
+            <a:schemeClr val="accent1"/>
+          </a:effectRef>
+          <a:fontRef idx="minor">
+            <a:schemeClr val="lt1"/>
+          </a:fontRef>
+        </p:style>
+        <p:txBody>
+          <a:bodyPr anchor="ctr"/>
+          <a:lstStyle/>
+          <a:p>
+            <a:pPr algn="ctr" fontAlgn="auto">
+              <a:spcBef>
+                <a:spcPts val="0"/>
+              </a:spcBef>
+              <a:spcAft>
+                <a:spcPts val="0"/>
+              </a:spcAft>
+              <a:defRPr/>
+            </a:pPr>
+            <a:endParaRPr lang="en-US" dirty="0"/>
+          </a:p>
+        </p:txBody>
+      </p:sp>
+      <p:sp>
+        <p:nvSpPr>
+          <p:cNvPr id="48" name="Rectangle 47"/>
+          <p:cNvSpPr/>
+          <p:nvPr/>
+        </p:nvSpPr>
+        <p:spPr>
+          <a:xfrm>
+            <a:off x="5791200" y="2667000"/>
+            <a:ext cx="304800" cy="304800"/>
+          </a:xfrm>
+          <a:prstGeom prst="rect">
+            <a:avLst/>
+          </a:prstGeom>
+        </p:spPr>
+        <p:style>
+          <a:lnRef idx="0">
+            <a:schemeClr val="accent1"/>
+          </a:lnRef>
+          <a:fillRef idx="3">
+            <a:schemeClr val="accent1"/>
+          </a:fillRef>
+          <a:effectRef idx="3">
+            <a:schemeClr val="accent1"/>
+          </a:effectRef>
+          <a:fontRef idx="minor">
+            <a:schemeClr val="lt1"/>
+          </a:fontRef>
+        </p:style>
+        <p:txBody>
+          <a:bodyPr anchor="ctr"/>
+          <a:lstStyle/>
+          <a:p>
+            <a:pPr algn="ctr" fontAlgn="auto">
+              <a:spcBef>
+                <a:spcPts val="0"/>
+              </a:spcBef>
+              <a:spcAft>
+                <a:spcPts val="0"/>
+              </a:spcAft>
+              <a:defRPr/>
+            </a:pPr>
+            <a:endParaRPr lang="en-US" dirty="0"/>
+          </a:p>
+        </p:txBody>
+      </p:sp>
+      <p:sp>
+        <p:nvSpPr>
+          <p:cNvPr id="49" name="Rectangle 48"/>
+          <p:cNvSpPr/>
+          <p:nvPr/>
+        </p:nvSpPr>
+        <p:spPr>
+          <a:xfrm>
+            <a:off x="6096000" y="2667000"/>
+            <a:ext cx="304800" cy="304800"/>
+          </a:xfrm>
+          <a:prstGeom prst="rect">
+            <a:avLst/>
+          </a:prstGeom>
+        </p:spPr>
+        <p:style>
+          <a:lnRef idx="0">
+            <a:schemeClr val="accent1"/>
+          </a:lnRef>
+          <a:fillRef idx="3">
+            <a:schemeClr val="accent1"/>
+          </a:fillRef>
+          <a:effectRef idx="3">
+            <a:schemeClr val="accent1"/>
+          </a:effectRef>
+          <a:fontRef idx="minor">
+            <a:schemeClr val="lt1"/>
+          </a:fontRef>
+        </p:style>
+        <p:txBody>
+          <a:bodyPr anchor="ctr"/>
+          <a:lstStyle/>
+          <a:p>
+            <a:pPr algn="ctr" fontAlgn="auto">
+              <a:spcBef>
+                <a:spcPts val="0"/>
+              </a:spcBef>
+              <a:spcAft>
+                <a:spcPts val="0"/>
+              </a:spcAft>
+              <a:defRPr/>
+            </a:pPr>
+            <a:endParaRPr lang="en-US" dirty="0"/>
+          </a:p>
+        </p:txBody>
+      </p:sp>
+      <p:sp>
+        <p:nvSpPr>
+          <p:cNvPr id="50" name="Rectangle 49"/>
+          <p:cNvSpPr/>
+          <p:nvPr/>
+        </p:nvSpPr>
+        <p:spPr>
+          <a:xfrm>
+            <a:off x="5486400" y="3048000"/>
+            <a:ext cx="304800" cy="304800"/>
+          </a:xfrm>
+          <a:prstGeom prst="rect">
+            <a:avLst/>
+          </a:prstGeom>
+        </p:spPr>
+        <p:style>
+          <a:lnRef idx="0">
+            <a:schemeClr val="accent1"/>
+          </a:lnRef>
+          <a:fillRef idx="3">
+            <a:schemeClr val="accent1"/>
+          </a:fillRef>
+          <a:effectRef idx="3">
+            <a:schemeClr val="accent1"/>
+          </a:effectRef>
+          <a:fontRef idx="minor">
+            <a:schemeClr val="lt1"/>
+          </a:fontRef>
+        </p:style>
+        <p:txBody>
+          <a:bodyPr anchor="ctr"/>
+          <a:lstStyle/>
+          <a:p>
+            <a:pPr algn="ctr" fontAlgn="auto">
+              <a:spcBef>
+                <a:spcPts val="0"/>
+              </a:spcBef>
+              <a:spcAft>
+                <a:spcPts val="0"/>
+              </a:spcAft>
+              <a:defRPr/>
+            </a:pPr>
+            <a:endParaRPr lang="en-US" dirty="0"/>
+          </a:p>
+        </p:txBody>
+      </p:sp>
+      <p:sp>
+        <p:nvSpPr>
+          <p:cNvPr id="51" name="Rectangle 50"/>
+          <p:cNvSpPr/>
+          <p:nvPr/>
+        </p:nvSpPr>
+        <p:spPr>
+          <a:xfrm>
+            <a:off x="5791200" y="3048000"/>
+            <a:ext cx="304800" cy="304800"/>
+          </a:xfrm>
+          <a:prstGeom prst="rect">
+            <a:avLst/>
+          </a:prstGeom>
+        </p:spPr>
+        <p:style>
+          <a:lnRef idx="0">
+            <a:schemeClr val="accent1"/>
+          </a:lnRef>
+          <a:fillRef idx="3">
+            <a:schemeClr val="accent1"/>
+          </a:fillRef>
+          <a:effectRef idx="3">
+            <a:schemeClr val="accent1"/>
+          </a:effectRef>
+          <a:fontRef idx="minor">
+            <a:schemeClr val="lt1"/>
+          </a:fontRef>
+        </p:style>
+        <p:txBody>
+          <a:bodyPr anchor="ctr"/>
+          <a:lstStyle/>
+          <a:p>
+            <a:pPr algn="ctr" fontAlgn="auto">
+              <a:spcBef>
+                <a:spcPts val="0"/>
+              </a:spcBef>
+              <a:spcAft>
+                <a:spcPts val="0"/>
+              </a:spcAft>
+              <a:defRPr/>
+            </a:pPr>
+            <a:endParaRPr lang="en-US" dirty="0"/>
+          </a:p>
+        </p:txBody>
+      </p:sp>
+      <p:sp>
+        <p:nvSpPr>
+          <p:cNvPr id="53" name="Rectangle 52"/>
+          <p:cNvSpPr/>
+          <p:nvPr/>
+        </p:nvSpPr>
+        <p:spPr>
+          <a:xfrm>
+            <a:off x="5486400" y="3429000"/>
+            <a:ext cx="304800" cy="304800"/>
+          </a:xfrm>
+          <a:prstGeom prst="rect">
+            <a:avLst/>
+          </a:prstGeom>
+        </p:spPr>
+        <p:style>
+          <a:lnRef idx="0">
+            <a:schemeClr val="accent1"/>
+          </a:lnRef>
+          <a:fillRef idx="3">
+            <a:schemeClr val="accent1"/>
+          </a:fillRef>
+          <a:effectRef idx="3">
+            <a:schemeClr val="accent1"/>
+          </a:effectRef>
+          <a:fontRef idx="minor">
+            <a:schemeClr val="lt1"/>
+          </a:fontRef>
+        </p:style>
+        <p:txBody>
+          <a:bodyPr anchor="ctr"/>
+          <a:lstStyle/>
+          <a:p>
+            <a:pPr algn="ctr" fontAlgn="auto">
+              <a:spcBef>
+                <a:spcPts val="0"/>
+              </a:spcBef>
+              <a:spcAft>
+                <a:spcPts val="0"/>
+              </a:spcAft>
+              <a:defRPr/>
+            </a:pPr>
+            <a:endParaRPr lang="en-US" dirty="0"/>
+          </a:p>
+        </p:txBody>
+      </p:sp>
+      <p:sp>
+        <p:nvSpPr>
+          <p:cNvPr id="56" name="Rectangle 55"/>
+          <p:cNvSpPr/>
+          <p:nvPr/>
+        </p:nvSpPr>
+        <p:spPr>
+          <a:xfrm>
+            <a:off x="5486400" y="3810000"/>
+            <a:ext cx="304800" cy="304800"/>
+          </a:xfrm>
+          <a:prstGeom prst="rect">
+            <a:avLst/>
+          </a:prstGeom>
+        </p:spPr>
+        <p:style>
+          <a:lnRef idx="0">
+            <a:schemeClr val="accent1"/>
+          </a:lnRef>
+          <a:fillRef idx="3">
+            <a:schemeClr val="accent1"/>
+          </a:fillRef>
+          <a:effectRef idx="3">
+            <a:schemeClr val="accent1"/>
+          </a:effectRef>
+          <a:fontRef idx="minor">
+            <a:schemeClr val="lt1"/>
+          </a:fontRef>
+        </p:style>
+        <p:txBody>
+          <a:bodyPr anchor="ctr"/>
+          <a:lstStyle/>
+          <a:p>
+            <a:pPr algn="ctr" fontAlgn="auto">
+              <a:spcBef>
+                <a:spcPts val="0"/>
+              </a:spcBef>
+              <a:spcAft>
+                <a:spcPts val="0"/>
+              </a:spcAft>
+              <a:defRPr/>
+            </a:pPr>
+            <a:endParaRPr lang="en-US" dirty="0"/>
+          </a:p>
+        </p:txBody>
+      </p:sp>
+      <p:sp>
+        <p:nvSpPr>
+          <p:cNvPr id="57" name="Rectangle 56"/>
+          <p:cNvSpPr/>
+          <p:nvPr/>
+        </p:nvSpPr>
+        <p:spPr>
+          <a:xfrm>
+            <a:off x="5791200" y="3810000"/>
+            <a:ext cx="304800" cy="304800"/>
+          </a:xfrm>
+          <a:prstGeom prst="rect">
+            <a:avLst/>
+          </a:prstGeom>
+        </p:spPr>
+        <p:style>
+          <a:lnRef idx="0">
+            <a:schemeClr val="accent1"/>
+          </a:lnRef>
+          <a:fillRef idx="3">
+            <a:schemeClr val="accent1"/>
+          </a:fillRef>
+          <a:effectRef idx="3">
+            <a:schemeClr val="accent1"/>
+          </a:effectRef>
+          <a:fontRef idx="minor">
+            <a:schemeClr val="lt1"/>
+          </a:fontRef>
+        </p:style>
+        <p:txBody>
+          <a:bodyPr anchor="ctr"/>
+          <a:lstStyle/>
+          <a:p>
+            <a:pPr algn="ctr" fontAlgn="auto">
+              <a:spcBef>
+                <a:spcPts val="0"/>
+              </a:spcBef>
+              <a:spcAft>
+                <a:spcPts val="0"/>
+              </a:spcAft>
+              <a:defRPr/>
+            </a:pPr>
+            <a:endParaRPr lang="en-US" dirty="0"/>
+          </a:p>
+        </p:txBody>
+      </p:sp>
+      <p:sp>
+        <p:nvSpPr>
+          <p:cNvPr id="59" name="Rectangle 58"/>
+          <p:cNvSpPr/>
+          <p:nvPr/>
+        </p:nvSpPr>
+        <p:spPr>
+          <a:xfrm>
+            <a:off x="5486400" y="4191000"/>
+            <a:ext cx="304800" cy="304800"/>
+          </a:xfrm>
+          <a:prstGeom prst="rect">
+            <a:avLst/>
+          </a:prstGeom>
+        </p:spPr>
+        <p:style>
+          <a:lnRef idx="0">
+            <a:schemeClr val="accent1"/>
+          </a:lnRef>
+          <a:fillRef idx="3">
+            <a:schemeClr val="accent1"/>
+          </a:fillRef>
+          <a:effectRef idx="3">
+            <a:schemeClr val="accent1"/>
+          </a:effectRef>
+          <a:fontRef idx="minor">
+            <a:schemeClr val="lt1"/>
+          </a:fontRef>
+        </p:style>
+        <p:txBody>
+          <a:bodyPr anchor="ctr"/>
+          <a:lstStyle/>
+          <a:p>
+            <a:pPr algn="ctr" fontAlgn="auto">
+              <a:spcBef>
+                <a:spcPts val="0"/>
+              </a:spcBef>
+              <a:spcAft>
+                <a:spcPts val="0"/>
+              </a:spcAft>
+              <a:defRPr/>
+            </a:pPr>
+            <a:endParaRPr lang="en-US" dirty="0"/>
+          </a:p>
+        </p:txBody>
+      </p:sp>
+      <p:sp>
+        <p:nvSpPr>
+          <p:cNvPr id="60" name="Rectangle 59"/>
+          <p:cNvSpPr/>
+          <p:nvPr/>
+        </p:nvSpPr>
+        <p:spPr>
+          <a:xfrm>
+            <a:off x="5791200" y="4191000"/>
+            <a:ext cx="304800" cy="304800"/>
+          </a:xfrm>
+          <a:prstGeom prst="rect">
+            <a:avLst/>
+          </a:prstGeom>
+        </p:spPr>
+        <p:style>
+          <a:lnRef idx="0">
+            <a:schemeClr val="accent1"/>
+          </a:lnRef>
+          <a:fillRef idx="3">
+            <a:schemeClr val="accent1"/>
+          </a:fillRef>
+          <a:effectRef idx="3">
+            <a:schemeClr val="accent1"/>
+          </a:effectRef>
+          <a:fontRef idx="minor">
+            <a:schemeClr val="lt1"/>
+          </a:fontRef>
+        </p:style>
+        <p:txBody>
+          <a:bodyPr anchor="ctr"/>
+          <a:lstStyle/>
+          <a:p>
+            <a:pPr algn="ctr" fontAlgn="auto">
+              <a:spcBef>
+                <a:spcPts val="0"/>
+              </a:spcBef>
+              <a:spcAft>
+                <a:spcPts val="0"/>
+              </a:spcAft>
+              <a:defRPr/>
+            </a:pPr>
+            <a:endParaRPr lang="en-US" dirty="0"/>
+          </a:p>
+        </p:txBody>
+      </p:sp>
+      <p:sp>
+        <p:nvSpPr>
+          <p:cNvPr id="61" name="Rectangle 60"/>
+          <p:cNvSpPr/>
+          <p:nvPr/>
+        </p:nvSpPr>
+        <p:spPr>
+          <a:xfrm>
+            <a:off x="6096000" y="4191000"/>
+            <a:ext cx="304800" cy="304800"/>
+          </a:xfrm>
+          <a:prstGeom prst="rect">
+            <a:avLst/>
+          </a:prstGeom>
+        </p:spPr>
+        <p:style>
+          <a:lnRef idx="0">
+            <a:schemeClr val="accent1"/>
+          </a:lnRef>
+          <a:fillRef idx="3">
+            <a:schemeClr val="accent1"/>
+          </a:fillRef>
+          <a:effectRef idx="3">
+            <a:schemeClr val="accent1"/>
+          </a:effectRef>
+          <a:fontRef idx="minor">
+            <a:schemeClr val="lt1"/>
+          </a:fontRef>
+        </p:style>
+        <p:txBody>
+          <a:bodyPr anchor="ctr"/>
+          <a:lstStyle/>
+          <a:p>
+            <a:pPr algn="ctr" fontAlgn="auto">
+              <a:spcBef>
+                <a:spcPts val="0"/>
+              </a:spcBef>
+              <a:spcAft>
+                <a:spcPts val="0"/>
+              </a:spcAft>
+              <a:defRPr/>
+            </a:pPr>
+            <a:endParaRPr lang="en-US" dirty="0"/>
+          </a:p>
+        </p:txBody>
+      </p:sp>
+      <p:sp>
+        <p:nvSpPr>
+          <p:cNvPr id="62" name="Rectangle 61"/>
+          <p:cNvSpPr/>
+          <p:nvPr/>
+        </p:nvSpPr>
+        <p:spPr>
+          <a:xfrm>
+            <a:off x="5486400" y="4572000"/>
+            <a:ext cx="304800" cy="304800"/>
+          </a:xfrm>
+          <a:prstGeom prst="rect">
+            <a:avLst/>
+          </a:prstGeom>
+        </p:spPr>
+        <p:style>
+          <a:lnRef idx="0">
+            <a:schemeClr val="accent1"/>
+          </a:lnRef>
+          <a:fillRef idx="3">
+            <a:schemeClr val="accent1"/>
+          </a:fillRef>
+          <a:effectRef idx="3">
+            <a:schemeClr val="accent1"/>
+          </a:effectRef>
+          <a:fontRef idx="minor">
+            <a:schemeClr val="lt1"/>
+          </a:fontRef>
+        </p:style>
+        <p:txBody>
+          <a:bodyPr anchor="ctr"/>
+          <a:lstStyle/>
+          <a:p>
+            <a:pPr algn="ctr" fontAlgn="auto">
+              <a:spcBef>
+                <a:spcPts val="0"/>
+              </a:spcBef>
+              <a:spcAft>
+                <a:spcPts val="0"/>
+              </a:spcAft>
+              <a:defRPr/>
+            </a:pPr>
+            <a:endParaRPr lang="en-US" dirty="0"/>
+          </a:p>
+        </p:txBody>
+      </p:sp>
+      <p:sp>
+        <p:nvSpPr>
+          <p:cNvPr id="63" name="Rectangle 62"/>
+          <p:cNvSpPr/>
+          <p:nvPr/>
+        </p:nvSpPr>
+        <p:spPr>
+          <a:xfrm>
+            <a:off x="5791200" y="4572000"/>
+            <a:ext cx="304800" cy="304800"/>
+          </a:xfrm>
+          <a:prstGeom prst="rect">
+            <a:avLst/>
+          </a:prstGeom>
+        </p:spPr>
+        <p:style>
+          <a:lnRef idx="0">
+            <a:schemeClr val="accent1"/>
+          </a:lnRef>
+          <a:fillRef idx="3">
+            <a:schemeClr val="accent1"/>
+          </a:fillRef>
+          <a:effectRef idx="3">
+            <a:schemeClr val="accent1"/>
+          </a:effectRef>
+          <a:fontRef idx="minor">
+            <a:schemeClr val="lt1"/>
+          </a:fontRef>
+        </p:style>
+        <p:txBody>
+          <a:bodyPr anchor="ctr"/>
+          <a:lstStyle/>
+          <a:p>
+            <a:pPr algn="ctr" fontAlgn="auto">
+              <a:spcBef>
+                <a:spcPts val="0"/>
+              </a:spcBef>
+              <a:spcAft>
+                <a:spcPts val="0"/>
+              </a:spcAft>
+              <a:defRPr/>
+            </a:pPr>
+            <a:endParaRPr lang="en-US" dirty="0"/>
+          </a:p>
+        </p:txBody>
+      </p:sp>
+      <p:sp>
+        <p:nvSpPr>
+          <p:cNvPr id="65" name="Rectangle 64"/>
+          <p:cNvSpPr/>
+          <p:nvPr/>
+        </p:nvSpPr>
+        <p:spPr>
+          <a:xfrm>
+            <a:off x="5486400" y="4953000"/>
+            <a:ext cx="304800" cy="304800"/>
+          </a:xfrm>
+          <a:prstGeom prst="rect">
+            <a:avLst/>
+          </a:prstGeom>
+        </p:spPr>
+        <p:style>
+          <a:lnRef idx="0">
+            <a:schemeClr val="accent1"/>
+          </a:lnRef>
+          <a:fillRef idx="3">
+            <a:schemeClr val="accent1"/>
+          </a:fillRef>
+          <a:effectRef idx="3">
+            <a:schemeClr val="accent1"/>
+          </a:effectRef>
+          <a:fontRef idx="minor">
+            <a:schemeClr val="lt1"/>
+          </a:fontRef>
+        </p:style>
+        <p:txBody>
+          <a:bodyPr anchor="ctr"/>
+          <a:lstStyle/>
+          <a:p>
+            <a:pPr algn="ctr" fontAlgn="auto">
+              <a:spcBef>
+                <a:spcPts val="0"/>
+              </a:spcBef>
+              <a:spcAft>
+                <a:spcPts val="0"/>
+              </a:spcAft>
+              <a:defRPr/>
+            </a:pPr>
+            <a:endParaRPr lang="en-US" dirty="0"/>
+          </a:p>
+        </p:txBody>
+      </p:sp>
+    </p:spTree>
+  </p:cSld>
+  <p:clrMapOvr>
+    <a:masterClrMapping/>
+  </p:clrMapOvr>
+</p:sld>
+</file>
+
+<file path=ppt/slides/slide2.xml><?xml version="1.0" encoding="utf-8"?>
+<p:sld xmlns:a="http://schemas.openxmlformats.org/drawingml/2006/main" xmlns:r="http://schemas.openxmlformats.org/officeDocument/2006/relationships" xmlns:p="http://schemas.openxmlformats.org/presentationml/2006/main">
+  <p:cSld>
+    <p:spTree>
+      <p:nvGrpSpPr>
+        <p:cNvPr id="1" name=""/>
+        <p:cNvGrpSpPr/>
+        <p:nvPr/>
+      </p:nvGrpSpPr>
+      <p:grpSpPr>
+        <a:xfrm>
+          <a:off x="0" y="0"/>
+          <a:ext cx="0" cy="0"/>
+          <a:chOff x="0" y="0"/>
+          <a:chExt cx="0" cy="0"/>
+        </a:xfrm>
+      </p:grpSpPr>
+      <p:sp>
+        <p:nvSpPr>
+          <p:cNvPr id="3" name="Rectangle 2"/>
+          <p:cNvSpPr/>
+          <p:nvPr/>
+        </p:nvSpPr>
+        <p:spPr>
+          <a:xfrm>
+            <a:off x="838200" y="1371600"/>
+            <a:ext cx="4267200" cy="685800"/>
+          </a:xfrm>
+          <a:prstGeom prst="rect">
+            <a:avLst/>
+          </a:prstGeom>
+        </p:spPr>
+        <p:style>
+          <a:lnRef idx="0">
+            <a:schemeClr val="accent4"/>
+          </a:lnRef>
+          <a:fillRef idx="3">
+            <a:schemeClr val="accent4"/>
+          </a:fillRef>
+          <a:effectRef idx="3">
+            <a:schemeClr val="accent4"/>
+          </a:effectRef>
+          <a:fontRef idx="minor">
+            <a:schemeClr val="lt1"/>
+          </a:fontRef>
+        </p:style>
+        <p:txBody>
+          <a:bodyPr anchor="ctr"/>
+          <a:lstStyle/>
+          <a:p>
+            <a:pPr algn="ctr" fontAlgn="auto">
+              <a:spcBef>
+                <a:spcPts val="0"/>
+              </a:spcBef>
+              <a:spcAft>
+                <a:spcPts val="0"/>
+              </a:spcAft>
+              <a:defRPr/>
+            </a:pPr>
+            <a:r>
+              <a:rPr lang="en-US" dirty="0"/>
+              <a:t>JavaScript Context</a:t>
+            </a:r>
+          </a:p>
+          <a:p>
+            <a:pPr algn="ctr" fontAlgn="auto">
+              <a:spcBef>
+                <a:spcPts val="0"/>
+              </a:spcBef>
+              <a:spcAft>
+                <a:spcPts val="0"/>
+              </a:spcAft>
+              <a:defRPr/>
+            </a:pPr>
+            <a:r>
+              <a:rPr lang="en-US" dirty="0"/>
+              <a:t>(Unique, shared)</a:t>
+            </a:r>
+          </a:p>
+        </p:txBody>
+      </p:sp>
+      <p:sp>
+        <p:nvSpPr>
+          <p:cNvPr id="4" name="Rectangle 3"/>
+          <p:cNvSpPr/>
+          <p:nvPr/>
+        </p:nvSpPr>
+        <p:spPr>
+          <a:xfrm>
+            <a:off x="838200" y="381000"/>
+            <a:ext cx="1219200" cy="762000"/>
+          </a:xfrm>
+          <a:prstGeom prst="rect">
+            <a:avLst/>
+          </a:prstGeom>
+        </p:spPr>
+        <p:style>
+          <a:lnRef idx="0">
+            <a:schemeClr val="accent3"/>
+          </a:lnRef>
+          <a:fillRef idx="3">
+            <a:schemeClr val="accent3"/>
+          </a:fillRef>
+          <a:effectRef idx="3">
+            <a:schemeClr val="accent3"/>
+          </a:effectRef>
+          <a:fontRef idx="minor">
+            <a:schemeClr val="lt1"/>
+          </a:fontRef>
+        </p:style>
+        <p:txBody>
+          <a:bodyPr anchor="ctr"/>
+          <a:lstStyle/>
+          <a:p>
+            <a:pPr algn="ctr" fontAlgn="auto">
+              <a:spcBef>
+                <a:spcPts val="0"/>
+              </a:spcBef>
+              <a:spcAft>
+                <a:spcPts val="0"/>
+              </a:spcAft>
+              <a:defRPr/>
+            </a:pPr>
+            <a:r>
+              <a:rPr lang="en-US" dirty="0"/>
+              <a:t>Definitions</a:t>
+            </a:r>
+          </a:p>
+        </p:txBody>
+      </p:sp>
+      <p:sp>
+        <p:nvSpPr>
+          <p:cNvPr id="5" name="Rectangle 4"/>
+          <p:cNvSpPr/>
+          <p:nvPr/>
+        </p:nvSpPr>
+        <p:spPr>
+          <a:xfrm>
+            <a:off x="2286000" y="381000"/>
+            <a:ext cx="1219200" cy="762000"/>
+          </a:xfrm>
+          <a:prstGeom prst="rect">
+            <a:avLst/>
+          </a:prstGeom>
+        </p:spPr>
+        <p:style>
+          <a:lnRef idx="0">
+            <a:schemeClr val="accent2"/>
+          </a:lnRef>
+          <a:fillRef idx="3">
+            <a:schemeClr val="accent2"/>
+          </a:fillRef>
+          <a:effectRef idx="3">
+            <a:schemeClr val="accent2"/>
+          </a:effectRef>
+          <a:fontRef idx="minor">
+            <a:schemeClr val="lt1"/>
+          </a:fontRef>
+        </p:style>
+        <p:txBody>
+          <a:bodyPr anchor="ctr"/>
+          <a:lstStyle/>
+          <a:p>
+            <a:pPr algn="ctr" fontAlgn="auto">
+              <a:spcBef>
+                <a:spcPts val="0"/>
+              </a:spcBef>
+              <a:spcAft>
+                <a:spcPts val="0"/>
+              </a:spcAft>
+              <a:defRPr/>
+            </a:pPr>
+            <a:r>
+              <a:rPr lang="en-US" dirty="0"/>
+              <a:t>Models</a:t>
+            </a:r>
+          </a:p>
+        </p:txBody>
+      </p:sp>
+      <p:sp>
+        <p:nvSpPr>
+          <p:cNvPr id="7" name="Rectangle 6"/>
+          <p:cNvSpPr/>
+          <p:nvPr/>
+        </p:nvSpPr>
+        <p:spPr>
+          <a:xfrm>
+            <a:off x="914400" y="457200"/>
+            <a:ext cx="1219200" cy="762000"/>
+          </a:xfrm>
+          <a:prstGeom prst="rect">
+            <a:avLst/>
+          </a:prstGeom>
+        </p:spPr>
+        <p:style>
+          <a:lnRef idx="0">
+            <a:schemeClr val="accent3"/>
+          </a:lnRef>
+          <a:fillRef idx="3">
+            <a:schemeClr val="accent3"/>
+          </a:fillRef>
+          <a:effectRef idx="3">
+            <a:schemeClr val="accent3"/>
+          </a:effectRef>
+          <a:fontRef idx="minor">
+            <a:schemeClr val="lt1"/>
+          </a:fontRef>
+        </p:style>
+        <p:txBody>
+          <a:bodyPr anchor="ctr"/>
+          <a:lstStyle/>
+          <a:p>
+            <a:pPr algn="ctr" fontAlgn="auto">
+              <a:spcBef>
+                <a:spcPts val="0"/>
+              </a:spcBef>
+              <a:spcAft>
+                <a:spcPts val="0"/>
+              </a:spcAft>
+              <a:defRPr/>
+            </a:pPr>
+            <a:r>
+              <a:rPr lang="en-US" dirty="0"/>
+              <a:t>Definitions</a:t>
+            </a:r>
+          </a:p>
+        </p:txBody>
+      </p:sp>
+      <p:sp>
+        <p:nvSpPr>
+          <p:cNvPr id="8" name="Rectangle 7"/>
+          <p:cNvSpPr/>
+          <p:nvPr/>
+        </p:nvSpPr>
+        <p:spPr>
+          <a:xfrm>
+            <a:off x="990600" y="533400"/>
+            <a:ext cx="1219200" cy="762000"/>
+          </a:xfrm>
+          <a:prstGeom prst="rect">
+            <a:avLst/>
+          </a:prstGeom>
+        </p:spPr>
+        <p:style>
+          <a:lnRef idx="0">
+            <a:schemeClr val="accent3"/>
+          </a:lnRef>
+          <a:fillRef idx="3">
+            <a:schemeClr val="accent3"/>
+          </a:fillRef>
+          <a:effectRef idx="3">
+            <a:schemeClr val="accent3"/>
+          </a:effectRef>
+          <a:fontRef idx="minor">
+            <a:schemeClr val="lt1"/>
+          </a:fontRef>
+        </p:style>
+        <p:txBody>
+          <a:bodyPr anchor="ctr"/>
+          <a:lstStyle/>
+          <a:p>
+            <a:pPr algn="ctr" fontAlgn="auto">
+              <a:spcBef>
+                <a:spcPts val="0"/>
+              </a:spcBef>
+              <a:spcAft>
+                <a:spcPts val="0"/>
+              </a:spcAft>
+              <a:defRPr/>
+            </a:pPr>
+            <a:r>
+              <a:rPr lang="en-US" dirty="0"/>
+              <a:t>Definitions</a:t>
+            </a:r>
+          </a:p>
+          <a:p>
+            <a:pPr algn="ctr" fontAlgn="auto">
+              <a:spcBef>
+                <a:spcPts val="0"/>
+              </a:spcBef>
+              <a:spcAft>
+                <a:spcPts val="0"/>
+              </a:spcAft>
+              <a:defRPr/>
+            </a:pPr>
+            <a:r>
+              <a:rPr lang="en-US" sz="1400" dirty="0"/>
+              <a:t>(N, inherited)</a:t>
+            </a:r>
+          </a:p>
+        </p:txBody>
+      </p:sp>
+      <p:sp>
+        <p:nvSpPr>
+          <p:cNvPr id="9" name="Rectangle 8"/>
+          <p:cNvSpPr/>
+          <p:nvPr/>
+        </p:nvSpPr>
+        <p:spPr>
+          <a:xfrm>
+            <a:off x="2362200" y="457200"/>
+            <a:ext cx="1219200" cy="762000"/>
+          </a:xfrm>
+          <a:prstGeom prst="rect">
+            <a:avLst/>
+          </a:prstGeom>
+        </p:spPr>
+        <p:style>
+          <a:lnRef idx="0">
+            <a:schemeClr val="accent2"/>
+          </a:lnRef>
+          <a:fillRef idx="3">
+            <a:schemeClr val="accent2"/>
+          </a:fillRef>
+          <a:effectRef idx="3">
+            <a:schemeClr val="accent2"/>
+          </a:effectRef>
+          <a:fontRef idx="minor">
+            <a:schemeClr val="lt1"/>
+          </a:fontRef>
+        </p:style>
+        <p:txBody>
+          <a:bodyPr anchor="ctr"/>
+          <a:lstStyle/>
+          <a:p>
+            <a:pPr algn="ctr" fontAlgn="auto">
+              <a:spcBef>
+                <a:spcPts val="0"/>
+              </a:spcBef>
+              <a:spcAft>
+                <a:spcPts val="0"/>
+              </a:spcAft>
+              <a:defRPr/>
+            </a:pPr>
+            <a:r>
+              <a:rPr lang="en-US" dirty="0"/>
+              <a:t>Models</a:t>
+            </a:r>
+          </a:p>
+        </p:txBody>
+      </p:sp>
+      <p:sp>
+        <p:nvSpPr>
+          <p:cNvPr id="10" name="Rectangle 9"/>
+          <p:cNvSpPr/>
+          <p:nvPr/>
+        </p:nvSpPr>
+        <p:spPr>
+          <a:xfrm>
+            <a:off x="2438400" y="533400"/>
+            <a:ext cx="1219200" cy="762000"/>
+          </a:xfrm>
+          <a:prstGeom prst="rect">
+            <a:avLst/>
+          </a:prstGeom>
+        </p:spPr>
+        <p:style>
+          <a:lnRef idx="0">
+            <a:schemeClr val="accent2"/>
+          </a:lnRef>
+          <a:fillRef idx="3">
+            <a:schemeClr val="accent2"/>
+          </a:fillRef>
+          <a:effectRef idx="3">
+            <a:schemeClr val="accent2"/>
+          </a:effectRef>
+          <a:fontRef idx="minor">
+            <a:schemeClr val="lt1"/>
+          </a:fontRef>
+        </p:style>
+        <p:txBody>
+          <a:bodyPr anchor="ctr"/>
+          <a:lstStyle/>
+          <a:p>
+            <a:pPr algn="ctr" fontAlgn="auto">
+              <a:spcBef>
+                <a:spcPts val="0"/>
+              </a:spcBef>
+              <a:spcAft>
+                <a:spcPts val="0"/>
+              </a:spcAft>
+              <a:defRPr/>
+            </a:pPr>
+            <a:r>
+              <a:rPr lang="en-US" dirty="0"/>
+              <a:t>Models</a:t>
+            </a:r>
+          </a:p>
+          <a:p>
+            <a:pPr algn="ctr" fontAlgn="auto">
+              <a:spcBef>
+                <a:spcPts val="0"/>
+              </a:spcBef>
+              <a:spcAft>
+                <a:spcPts val="0"/>
+              </a:spcAft>
+              <a:defRPr/>
+            </a:pPr>
+            <a:r>
+              <a:rPr lang="en-US" sz="1400" dirty="0"/>
+              <a:t>(</a:t>
+            </a:r>
+            <a:r>
+              <a:rPr lang="en-US" sz="1400" dirty="0" err="1"/>
+              <a:t>N,inherited</a:t>
+            </a:r>
+            <a:r>
+              <a:rPr lang="en-US" sz="1400" dirty="0"/>
+              <a:t>)</a:t>
+            </a:r>
+          </a:p>
+        </p:txBody>
+      </p:sp>
+      <p:sp>
+        <p:nvSpPr>
+          <p:cNvPr id="11" name="Rectangle 10"/>
+          <p:cNvSpPr/>
+          <p:nvPr/>
+        </p:nvSpPr>
+        <p:spPr>
+          <a:xfrm>
+            <a:off x="3733800" y="381000"/>
+            <a:ext cx="1371600" cy="914400"/>
+          </a:xfrm>
+          <a:prstGeom prst="rect">
+            <a:avLst/>
+          </a:prstGeom>
+        </p:spPr>
+        <p:style>
+          <a:lnRef idx="0">
+            <a:schemeClr val="accent5"/>
+          </a:lnRef>
+          <a:fillRef idx="3">
+            <a:schemeClr val="accent5"/>
+          </a:fillRef>
+          <a:effectRef idx="3">
+            <a:schemeClr val="accent5"/>
+          </a:effectRef>
+          <a:fontRef idx="minor">
+            <a:schemeClr val="lt1"/>
+          </a:fontRef>
+        </p:style>
+        <p:txBody>
+          <a:bodyPr anchor="ctr"/>
+          <a:lstStyle/>
+          <a:p>
+            <a:pPr algn="ctr" fontAlgn="auto">
+              <a:spcBef>
+                <a:spcPts val="0"/>
+              </a:spcBef>
+              <a:spcAft>
+                <a:spcPts val="0"/>
+              </a:spcAft>
+              <a:defRPr/>
+            </a:pPr>
+            <a:r>
+              <a:rPr lang="en-US" dirty="0"/>
+              <a:t>Text Sink</a:t>
+            </a:r>
+          </a:p>
+          <a:p>
+            <a:pPr algn="ctr" fontAlgn="auto">
+              <a:spcBef>
+                <a:spcPts val="0"/>
+              </a:spcBef>
+              <a:spcAft>
+                <a:spcPts val="0"/>
+              </a:spcAft>
+              <a:defRPr/>
+            </a:pPr>
+            <a:r>
+              <a:rPr lang="en-US" sz="1400" dirty="0"/>
+              <a:t>(1, inherited)</a:t>
+            </a:r>
+          </a:p>
+        </p:txBody>
+      </p:sp>
+      <p:sp>
+        <p:nvSpPr>
+          <p:cNvPr id="12" name="Rectangle 11"/>
+          <p:cNvSpPr/>
+          <p:nvPr/>
+        </p:nvSpPr>
+        <p:spPr>
+          <a:xfrm>
+            <a:off x="685800" y="228600"/>
+            <a:ext cx="4572000" cy="2057400"/>
+          </a:xfrm>
+          <a:prstGeom prst="rect">
+            <a:avLst/>
+          </a:prstGeom>
+          <a:noFill/>
+        </p:spPr>
+        <p:style>
+          <a:lnRef idx="2">
+            <a:schemeClr val="accent1"/>
+          </a:lnRef>
+          <a:fillRef idx="1">
+            <a:schemeClr val="lt1"/>
+          </a:fillRef>
+          <a:effectRef idx="0">
+            <a:schemeClr val="accent1"/>
+          </a:effectRef>
+          <a:fontRef idx="minor">
+            <a:schemeClr val="dk1"/>
+          </a:fontRef>
+        </p:style>
+        <p:txBody>
+          <a:bodyPr anchor="ctr"/>
+          <a:lstStyle/>
+          <a:p>
+            <a:pPr algn="ctr" fontAlgn="auto">
+              <a:spcBef>
+                <a:spcPts val="0"/>
+              </a:spcBef>
+              <a:spcAft>
+                <a:spcPts val="0"/>
+              </a:spcAft>
+              <a:defRPr/>
+            </a:pPr>
+            <a:endParaRPr lang="en-US"/>
+          </a:p>
+        </p:txBody>
+      </p:sp>
+      <p:sp>
+        <p:nvSpPr>
+          <p:cNvPr id="3099" name="TextBox 13"/>
+          <p:cNvSpPr txBox="1">
+            <a:spLocks noChangeArrowheads="1"/>
+          </p:cNvSpPr>
+          <p:nvPr/>
+        </p:nvSpPr>
+        <p:spPr bwMode="auto">
+          <a:xfrm>
+            <a:off x="685800" y="2373313"/>
+            <a:ext cx="4572000" cy="369887"/>
+          </a:xfrm>
+          <a:prstGeom prst="rect">
+            <a:avLst/>
+          </a:prstGeom>
+          <a:noFill/>
+          <a:ln w="9525">
+            <a:noFill/>
+            <a:miter lim="800000"/>
+            <a:headEnd/>
+            <a:tailEnd/>
+          </a:ln>
+        </p:spPr>
+        <p:txBody>
+          <a:bodyPr>
+            <a:spAutoFit/>
+          </a:bodyPr>
+          <a:lstStyle/>
+          <a:p>
+            <a:pPr algn="ctr"/>
+            <a:r>
+              <a:rPr lang="en-US">
+                <a:latin typeface="Calibri" pitchFamily="34" charset="0"/>
+              </a:rPr>
+              <a:t>Context Elements</a:t>
+            </a:r>
+          </a:p>
+        </p:txBody>
+      </p:sp>
+      <p:sp>
+        <p:nvSpPr>
+          <p:cNvPr id="16" name="TextBox 15"/>
+          <p:cNvSpPr txBox="1"/>
+          <p:nvPr/>
+        </p:nvSpPr>
+        <p:spPr>
+          <a:xfrm>
+            <a:off x="2362200" y="4191000"/>
+            <a:ext cx="4117975" cy="1016000"/>
+          </a:xfrm>
+          <a:prstGeom prst="rect">
+            <a:avLst/>
+          </a:prstGeom>
+        </p:spPr>
+        <p:style>
+          <a:lnRef idx="1">
+            <a:schemeClr val="accent1"/>
+          </a:lnRef>
+          <a:fillRef idx="3">
+            <a:schemeClr val="accent1"/>
+          </a:fillRef>
+          <a:effectRef idx="2">
+            <a:schemeClr val="accent1"/>
+          </a:effectRef>
+          <a:fontRef idx="minor">
+            <a:schemeClr val="lt1"/>
+          </a:fontRef>
+        </p:style>
+        <p:txBody>
+          <a:bodyPr wrap="none">
+            <a:spAutoFit/>
+          </a:bodyPr>
+          <a:lstStyle/>
+          <a:p>
+            <a:pPr fontAlgn="auto">
+              <a:spcBef>
+                <a:spcPts val="0"/>
+              </a:spcBef>
+              <a:spcAft>
+                <a:spcPts val="0"/>
+              </a:spcAft>
+              <a:defRPr/>
+            </a:pPr>
+            <a:r>
+              <a:rPr lang="en-US" sz="6000" b="1" dirty="0">
+                <a:latin typeface="Constantia" pitchFamily="18" charset="0"/>
+              </a:rPr>
+              <a:t>&lt;</a:t>
+            </a:r>
+            <a:r>
+              <a:rPr lang="en-US" sz="6000" b="1" dirty="0" err="1">
+                <a:latin typeface="Constantia" pitchFamily="18" charset="0"/>
+              </a:rPr>
+              <a:t>JSeance</a:t>
+            </a:r>
+            <a:r>
+              <a:rPr lang="en-US" sz="6000" b="1" dirty="0">
+                <a:latin typeface="Constantia" pitchFamily="18" charset="0"/>
+              </a:rPr>
+              <a:t>/&gt;</a:t>
+            </a:r>
+          </a:p>
+        </p:txBody>
+      </p:sp>
+    </p:spTree>
+  </p:cSld>
+  <p:clrMapOvr>
+    <a:masterClrMapping/>
+  </p:clrMapOvr>
+</p:sld>
+</file>
+
+<file path=ppt/slides/slide3.xml><?xml version="1.0" encoding="utf-8"?>
+<p:sld xmlns:a="http://schemas.openxmlformats.org/drawingml/2006/main" xmlns:r="http://schemas.openxmlformats.org/officeDocument/2006/relationships" xmlns:p="http://schemas.openxmlformats.org/presentationml/2006/main">
+  <p:cSld>
+    <p:spTree>
+      <p:nvGrpSpPr>
+        <p:cNvPr id="1" name=""/>
+        <p:cNvGrpSpPr/>
+        <p:nvPr/>
+      </p:nvGrpSpPr>
+      <p:grpSpPr>
+        <a:xfrm>
+          <a:off x="0" y="0"/>
+          <a:ext cx="0" cy="0"/>
+          <a:chOff x="0" y="0"/>
+          <a:chExt cx="0" cy="0"/>
+        </a:xfrm>
+      </p:grpSpPr>
+      <p:sp>
+        <p:nvSpPr>
+          <p:cNvPr id="45" name="Flowchart: Alternate Process 44"/>
+          <p:cNvSpPr/>
+          <p:nvPr/>
+        </p:nvSpPr>
+        <p:spPr>
+          <a:xfrm>
+            <a:off x="5410200" y="1447800"/>
+            <a:ext cx="1752600" cy="1905000"/>
+          </a:xfrm>
+          <a:prstGeom prst="flowChartAlternateProcess">
+            <a:avLst/>
+          </a:prstGeom>
+          <a:noFill/>
+        </p:spPr>
+        <p:style>
+          <a:lnRef idx="2">
+            <a:schemeClr val="accent1"/>
+          </a:lnRef>
+          <a:fillRef idx="1">
+            <a:schemeClr val="lt1"/>
+          </a:fillRef>
+          <a:effectRef idx="0">
+            <a:schemeClr val="accent1"/>
+          </a:effectRef>
+          <a:fontRef idx="minor">
+            <a:schemeClr val="dk1"/>
+          </a:fontRef>
+        </p:style>
+        <p:txBody>
+          <a:bodyPr anchor="ctr"/>
+          <a:lstStyle/>
+          <a:p>
+            <a:pPr algn="ctr">
+              <a:defRPr/>
+            </a:pPr>
+            <a:endParaRPr lang="en-US"/>
+          </a:p>
+        </p:txBody>
+      </p:sp>
+      <p:sp>
+        <p:nvSpPr>
+          <p:cNvPr id="44" name="Flowchart: Alternate Process 43"/>
+          <p:cNvSpPr/>
+          <p:nvPr/>
+        </p:nvSpPr>
+        <p:spPr>
+          <a:xfrm>
+            <a:off x="3352800" y="1447800"/>
+            <a:ext cx="1828800" cy="1905000"/>
+          </a:xfrm>
+          <a:prstGeom prst="flowChartAlternateProcess">
+            <a:avLst/>
+          </a:prstGeom>
+          <a:noFill/>
+        </p:spPr>
+        <p:style>
+          <a:lnRef idx="2">
+            <a:schemeClr val="accent1"/>
+          </a:lnRef>
+          <a:fillRef idx="1">
+            <a:schemeClr val="lt1"/>
+          </a:fillRef>
+          <a:effectRef idx="0">
+            <a:schemeClr val="accent1"/>
+          </a:effectRef>
+          <a:fontRef idx="minor">
+            <a:schemeClr val="dk1"/>
+          </a:fontRef>
+        </p:style>
+        <p:txBody>
+          <a:bodyPr anchor="ctr"/>
+          <a:lstStyle/>
+          <a:p>
+            <a:pPr algn="ctr">
+              <a:defRPr/>
+            </a:pPr>
+            <a:endParaRPr lang="en-US"/>
+          </a:p>
+        </p:txBody>
+      </p:sp>
+      <p:sp>
+        <p:nvSpPr>
+          <p:cNvPr id="42" name="Flowchart: Alternate Process 41"/>
+          <p:cNvSpPr/>
+          <p:nvPr/>
+        </p:nvSpPr>
+        <p:spPr>
+          <a:xfrm>
+            <a:off x="1371600" y="1447800"/>
+            <a:ext cx="1752600" cy="1905000"/>
+          </a:xfrm>
+          <a:prstGeom prst="flowChartAlternateProcess">
+            <a:avLst/>
+          </a:prstGeom>
+          <a:noFill/>
+        </p:spPr>
+        <p:style>
+          <a:lnRef idx="2">
+            <a:schemeClr val="accent1"/>
+          </a:lnRef>
+          <a:fillRef idx="1">
+            <a:schemeClr val="lt1"/>
+          </a:fillRef>
+          <a:effectRef idx="0">
+            <a:schemeClr val="accent1"/>
+          </a:effectRef>
+          <a:fontRef idx="minor">
+            <a:schemeClr val="dk1"/>
+          </a:fontRef>
+        </p:style>
+        <p:txBody>
+          <a:bodyPr anchor="ctr"/>
+          <a:lstStyle/>
+          <a:p>
+            <a:pPr algn="ctr">
+              <a:defRPr/>
+            </a:pPr>
+            <a:endParaRPr lang="en-US"/>
+          </a:p>
+        </p:txBody>
+      </p:sp>
+      <p:sp>
+        <p:nvSpPr>
+          <p:cNvPr id="3" name="TextBox 2"/>
+          <p:cNvSpPr txBox="1"/>
+          <p:nvPr/>
+        </p:nvSpPr>
+        <p:spPr>
+          <a:xfrm>
+            <a:off x="1447800" y="1600200"/>
+            <a:ext cx="1371600" cy="533400"/>
+          </a:xfrm>
+          <a:prstGeom prst="rect">
+            <a:avLst/>
+          </a:prstGeom>
+        </p:spPr>
+        <p:style>
+          <a:lnRef idx="1">
+            <a:schemeClr val="accent2"/>
+          </a:lnRef>
+          <a:fillRef idx="3">
+            <a:schemeClr val="accent2"/>
+          </a:fillRef>
+          <a:effectRef idx="2">
+            <a:schemeClr val="accent2"/>
+          </a:effectRef>
+          <a:fontRef idx="minor">
+            <a:schemeClr val="lt1"/>
+          </a:fontRef>
+        </p:style>
+        <p:txBody>
+          <a:bodyPr anchor="ctr"/>
+          <a:lstStyle/>
+          <a:p>
+            <a:pPr algn="ctr">
+              <a:defRPr/>
+            </a:pPr>
+            <a:r>
+              <a:rPr lang="en-US" dirty="0">
+                <a:latin typeface="Arial Black" pitchFamily="34" charset="0"/>
+              </a:rPr>
+              <a:t>Model</a:t>
+            </a:r>
+          </a:p>
+        </p:txBody>
+      </p:sp>
+      <p:sp>
+        <p:nvSpPr>
+          <p:cNvPr id="9" name="TextBox 8"/>
+          <p:cNvSpPr txBox="1"/>
+          <p:nvPr/>
+        </p:nvSpPr>
+        <p:spPr>
+          <a:xfrm>
+            <a:off x="1524000" y="1676400"/>
+            <a:ext cx="1371600" cy="533400"/>
+          </a:xfrm>
+          <a:prstGeom prst="rect">
+            <a:avLst/>
+          </a:prstGeom>
+        </p:spPr>
+        <p:style>
+          <a:lnRef idx="1">
+            <a:schemeClr val="accent2"/>
+          </a:lnRef>
+          <a:fillRef idx="3">
+            <a:schemeClr val="accent2"/>
+          </a:fillRef>
+          <a:effectRef idx="2">
+            <a:schemeClr val="accent2"/>
+          </a:effectRef>
+          <a:fontRef idx="minor">
+            <a:schemeClr val="lt1"/>
+          </a:fontRef>
+        </p:style>
+        <p:txBody>
+          <a:bodyPr anchor="ctr"/>
+          <a:lstStyle/>
+          <a:p>
+            <a:pPr algn="ctr">
+              <a:defRPr/>
+            </a:pPr>
+            <a:r>
+              <a:rPr lang="en-US" dirty="0">
+                <a:latin typeface="Arial Black" pitchFamily="34" charset="0"/>
+              </a:rPr>
+              <a:t>Model</a:t>
+            </a:r>
+          </a:p>
+        </p:txBody>
+      </p:sp>
+      <p:sp>
+        <p:nvSpPr>
+          <p:cNvPr id="12" name="TextBox 11"/>
+          <p:cNvSpPr txBox="1"/>
+          <p:nvPr/>
+        </p:nvSpPr>
+        <p:spPr>
+          <a:xfrm>
+            <a:off x="1600200" y="1752600"/>
+            <a:ext cx="1371600" cy="533400"/>
+          </a:xfrm>
+          <a:prstGeom prst="rect">
+            <a:avLst/>
+          </a:prstGeom>
+        </p:spPr>
+        <p:style>
+          <a:lnRef idx="1">
+            <a:schemeClr val="accent2"/>
+          </a:lnRef>
+          <a:fillRef idx="3">
+            <a:schemeClr val="accent2"/>
+          </a:fillRef>
+          <a:effectRef idx="2">
+            <a:schemeClr val="accent2"/>
+          </a:effectRef>
+          <a:fontRef idx="minor">
+            <a:schemeClr val="lt1"/>
+          </a:fontRef>
+        </p:style>
+        <p:txBody>
+          <a:bodyPr anchor="ctr"/>
+          <a:lstStyle/>
+          <a:p>
+            <a:pPr algn="ctr">
+              <a:defRPr/>
+            </a:pPr>
+            <a:r>
+              <a:rPr lang="en-US" dirty="0">
+                <a:latin typeface="Arial Black" pitchFamily="34" charset="0"/>
+              </a:rPr>
+              <a:t>Model</a:t>
+            </a:r>
+          </a:p>
+        </p:txBody>
+      </p:sp>
+      <p:sp>
+        <p:nvSpPr>
+          <p:cNvPr id="13" name="TextBox 12"/>
+          <p:cNvSpPr txBox="1"/>
+          <p:nvPr/>
+        </p:nvSpPr>
+        <p:spPr>
+          <a:xfrm>
+            <a:off x="2590800" y="2209800"/>
+            <a:ext cx="457200" cy="152400"/>
+          </a:xfrm>
+          <a:prstGeom prst="rect">
+            <a:avLst/>
+          </a:prstGeom>
+          <a:ln>
+            <a:solidFill>
+              <a:schemeClr val="tx1">
+                <a:lumMod val="50000"/>
+                <a:lumOff val="50000"/>
+              </a:schemeClr>
+            </a:solidFill>
+          </a:ln>
+        </p:spPr>
+        <p:style>
+          <a:lnRef idx="1">
+            <a:schemeClr val="dk1"/>
+          </a:lnRef>
+          <a:fillRef idx="2">
+            <a:schemeClr val="dk1"/>
+          </a:fillRef>
+          <a:effectRef idx="1">
+            <a:schemeClr val="dk1"/>
+          </a:effectRef>
+          <a:fontRef idx="minor">
+            <a:schemeClr val="dk1"/>
+          </a:fontRef>
+        </p:style>
+        <p:txBody>
+          <a:bodyPr lIns="0" tIns="0" rIns="0" bIns="0" anchor="ctr">
+            <a:spAutoFit/>
+          </a:bodyPr>
+          <a:lstStyle/>
+          <a:p>
+            <a:pPr algn="ctr">
+              <a:defRPr/>
+            </a:pPr>
+            <a:r>
+              <a:rPr lang="en-US" sz="1000" dirty="0"/>
+              <a:t>&lt;XML/&gt;</a:t>
+            </a:r>
+          </a:p>
+        </p:txBody>
+      </p:sp>
+      <p:sp>
+        <p:nvSpPr>
+          <p:cNvPr id="14" name="TextBox 13"/>
+          <p:cNvSpPr txBox="1"/>
+          <p:nvPr/>
+        </p:nvSpPr>
+        <p:spPr>
+          <a:xfrm>
+            <a:off x="1447800" y="2438400"/>
+            <a:ext cx="1524000" cy="685800"/>
+          </a:xfrm>
+          <a:prstGeom prst="rect">
+            <a:avLst/>
+          </a:prstGeom>
+        </p:spPr>
+        <p:style>
+          <a:lnRef idx="1">
+            <a:schemeClr val="accent4"/>
+          </a:lnRef>
+          <a:fillRef idx="3">
+            <a:schemeClr val="accent4"/>
+          </a:fillRef>
+          <a:effectRef idx="2">
+            <a:schemeClr val="accent4"/>
+          </a:effectRef>
+          <a:fontRef idx="minor">
+            <a:schemeClr val="lt1"/>
+          </a:fontRef>
+        </p:style>
+        <p:txBody>
+          <a:bodyPr lIns="0" tIns="0" rIns="0" bIns="0" anchor="ctr"/>
+          <a:lstStyle/>
+          <a:p>
+            <a:pPr algn="ctr" fontAlgn="auto">
+              <a:spcBef>
+                <a:spcPts val="0"/>
+              </a:spcBef>
+              <a:spcAft>
+                <a:spcPts val="0"/>
+              </a:spcAft>
+              <a:defRPr/>
+            </a:pPr>
+            <a:r>
+              <a:rPr lang="en-US" b="1" dirty="0">
+                <a:latin typeface="Arial Black" pitchFamily="34" charset="0"/>
+              </a:rPr>
+              <a:t>Template</a:t>
+            </a:r>
+          </a:p>
+        </p:txBody>
+      </p:sp>
+      <p:sp>
+        <p:nvSpPr>
+          <p:cNvPr id="15" name="TextBox 14"/>
+          <p:cNvSpPr txBox="1"/>
+          <p:nvPr/>
+        </p:nvSpPr>
+        <p:spPr>
+          <a:xfrm>
+            <a:off x="2133600" y="3048000"/>
+            <a:ext cx="914400" cy="153988"/>
+          </a:xfrm>
+          <a:prstGeom prst="rect">
+            <a:avLst/>
+          </a:prstGeom>
+          <a:ln>
+            <a:solidFill>
+              <a:schemeClr val="tx1">
+                <a:lumMod val="50000"/>
+                <a:lumOff val="50000"/>
+              </a:schemeClr>
+            </a:solidFill>
+          </a:ln>
+        </p:spPr>
+        <p:style>
+          <a:lnRef idx="1">
+            <a:schemeClr val="dk1"/>
+          </a:lnRef>
+          <a:fillRef idx="2">
+            <a:schemeClr val="dk1"/>
+          </a:fillRef>
+          <a:effectRef idx="1">
+            <a:schemeClr val="dk1"/>
+          </a:effectRef>
+          <a:fontRef idx="minor">
+            <a:schemeClr val="dk1"/>
+          </a:fontRef>
+        </p:style>
+        <p:txBody>
+          <a:bodyPr lIns="0" tIns="0" rIns="0" bIns="0" anchor="ctr">
+            <a:spAutoFit/>
+          </a:bodyPr>
+          <a:lstStyle/>
+          <a:p>
+            <a:pPr algn="ctr">
+              <a:defRPr/>
+            </a:pPr>
+            <a:r>
+              <a:rPr lang="en-US" sz="1000" dirty="0"/>
+              <a:t>&lt;</a:t>
+            </a:r>
+            <a:r>
+              <a:rPr lang="en-US" sz="1000" dirty="0" err="1"/>
+              <a:t>XML:JSeance</a:t>
+            </a:r>
+            <a:r>
+              <a:rPr lang="en-US" sz="1000" dirty="0"/>
+              <a:t>/&gt;</a:t>
+            </a:r>
+          </a:p>
+        </p:txBody>
+      </p:sp>
+      <p:sp>
+        <p:nvSpPr>
+          <p:cNvPr id="16" name="TextBox 15"/>
+          <p:cNvSpPr txBox="1"/>
+          <p:nvPr/>
+        </p:nvSpPr>
+        <p:spPr>
+          <a:xfrm>
+            <a:off x="3505200" y="1600200"/>
+            <a:ext cx="1524000" cy="1524000"/>
+          </a:xfrm>
+          <a:prstGeom prst="rect">
+            <a:avLst/>
+          </a:prstGeom>
+        </p:spPr>
+        <p:style>
+          <a:lnRef idx="1">
+            <a:schemeClr val="accent1"/>
+          </a:lnRef>
+          <a:fillRef idx="3">
+            <a:schemeClr val="accent1"/>
+          </a:fillRef>
+          <a:effectRef idx="2">
+            <a:schemeClr val="accent1"/>
+          </a:effectRef>
+          <a:fontRef idx="minor">
+            <a:schemeClr val="lt1"/>
+          </a:fontRef>
+        </p:style>
+        <p:txBody>
+          <a:bodyPr wrap="none" anchor="ctr"/>
+          <a:lstStyle/>
+          <a:p>
+            <a:pPr algn="ctr" fontAlgn="auto">
+              <a:spcBef>
+                <a:spcPts val="0"/>
+              </a:spcBef>
+              <a:spcAft>
+                <a:spcPts val="0"/>
+              </a:spcAft>
+              <a:defRPr/>
+            </a:pPr>
+            <a:r>
+              <a:rPr lang="en-US" sz="2200" b="1" dirty="0">
+                <a:latin typeface="Constantia" pitchFamily="18" charset="0"/>
+              </a:rPr>
+              <a:t>&lt;</a:t>
+            </a:r>
+            <a:r>
+              <a:rPr lang="en-US" sz="2200" b="1" dirty="0" err="1">
+                <a:latin typeface="Constantia" pitchFamily="18" charset="0"/>
+              </a:rPr>
+              <a:t>JSeance</a:t>
+            </a:r>
+            <a:r>
+              <a:rPr lang="en-US" sz="2200" b="1" dirty="0">
+                <a:latin typeface="Constantia" pitchFamily="18" charset="0"/>
+              </a:rPr>
+              <a:t>/&gt;</a:t>
+            </a:r>
+          </a:p>
+        </p:txBody>
+      </p:sp>
+      <p:sp>
+        <p:nvSpPr>
+          <p:cNvPr id="21" name="TextBox 20"/>
+          <p:cNvSpPr txBox="1"/>
+          <p:nvPr/>
+        </p:nvSpPr>
+        <p:spPr>
+          <a:xfrm>
+            <a:off x="4191000" y="3048000"/>
+            <a:ext cx="914400" cy="153988"/>
+          </a:xfrm>
+          <a:prstGeom prst="rect">
+            <a:avLst/>
+          </a:prstGeom>
+          <a:ln>
+            <a:solidFill>
+              <a:schemeClr val="tx1">
+                <a:lumMod val="50000"/>
+                <a:lumOff val="50000"/>
+              </a:schemeClr>
+            </a:solidFill>
+          </a:ln>
+        </p:spPr>
+        <p:style>
+          <a:lnRef idx="1">
+            <a:schemeClr val="dk1"/>
+          </a:lnRef>
+          <a:fillRef idx="2">
+            <a:schemeClr val="dk1"/>
+          </a:fillRef>
+          <a:effectRef idx="1">
+            <a:schemeClr val="dk1"/>
+          </a:effectRef>
+          <a:fontRef idx="minor">
+            <a:schemeClr val="dk1"/>
+          </a:fontRef>
+        </p:style>
+        <p:txBody>
+          <a:bodyPr lIns="0" tIns="0" rIns="0" bIns="0" anchor="ctr"/>
+          <a:lstStyle/>
+          <a:p>
+            <a:pPr algn="ctr">
+              <a:defRPr/>
+            </a:pPr>
+            <a:r>
+              <a:rPr lang="en-US" sz="1000" dirty="0"/>
+              <a:t>Java + JavaScript</a:t>
+            </a:r>
+          </a:p>
+        </p:txBody>
+      </p:sp>
+      <p:sp>
+        <p:nvSpPr>
+          <p:cNvPr id="23" name="Right Arrow 22"/>
+          <p:cNvSpPr/>
+          <p:nvPr/>
+        </p:nvSpPr>
+        <p:spPr>
+          <a:xfrm>
+            <a:off x="3048000" y="1981200"/>
+            <a:ext cx="381000" cy="304800"/>
+          </a:xfrm>
+          <a:prstGeom prst="rightArrow">
+            <a:avLst/>
+          </a:prstGeom>
+          <a:solidFill>
+            <a:srgbClr val="FFFF00"/>
+          </a:solidFill>
+          <a:ln w="19050"/>
+        </p:spPr>
+        <p:style>
+          <a:lnRef idx="2">
+            <a:schemeClr val="dk1"/>
+          </a:lnRef>
+          <a:fillRef idx="1">
+            <a:schemeClr val="lt1"/>
+          </a:fillRef>
+          <a:effectRef idx="0">
+            <a:schemeClr val="dk1"/>
+          </a:effectRef>
+          <a:fontRef idx="minor">
+            <a:schemeClr val="dk1"/>
+          </a:fontRef>
+        </p:style>
+        <p:txBody>
+          <a:bodyPr anchor="ctr"/>
+          <a:lstStyle/>
+          <a:p>
+            <a:pPr algn="ctr">
+              <a:defRPr/>
+            </a:pPr>
+            <a:endParaRPr lang="en-US"/>
+          </a:p>
+        </p:txBody>
+      </p:sp>
+      <p:sp>
+        <p:nvSpPr>
+          <p:cNvPr id="25" name="Right Arrow 24"/>
+          <p:cNvSpPr/>
+          <p:nvPr/>
+        </p:nvSpPr>
+        <p:spPr>
+          <a:xfrm>
+            <a:off x="3048000" y="2438400"/>
+            <a:ext cx="381000" cy="304800"/>
+          </a:xfrm>
+          <a:prstGeom prst="rightArrow">
+            <a:avLst/>
+          </a:prstGeom>
+          <a:solidFill>
+            <a:srgbClr val="FFFF00"/>
+          </a:solidFill>
+          <a:ln w="19050"/>
+        </p:spPr>
+        <p:style>
+          <a:lnRef idx="2">
+            <a:schemeClr val="dk1"/>
+          </a:lnRef>
+          <a:fillRef idx="1">
+            <a:schemeClr val="lt1"/>
+          </a:fillRef>
+          <a:effectRef idx="0">
+            <a:schemeClr val="dk1"/>
+          </a:effectRef>
+          <a:fontRef idx="minor">
+            <a:schemeClr val="dk1"/>
+          </a:fontRef>
+        </p:style>
+        <p:txBody>
+          <a:bodyPr anchor="ctr"/>
+          <a:lstStyle/>
+          <a:p>
+            <a:pPr algn="ctr">
+              <a:defRPr/>
+            </a:pPr>
+            <a:endParaRPr lang="en-US"/>
+          </a:p>
+        </p:txBody>
+      </p:sp>
+      <p:sp>
+        <p:nvSpPr>
+          <p:cNvPr id="28" name="Right Arrow 27"/>
+          <p:cNvSpPr/>
+          <p:nvPr/>
+        </p:nvSpPr>
+        <p:spPr>
+          <a:xfrm>
+            <a:off x="5105400" y="2209800"/>
+            <a:ext cx="381000" cy="304800"/>
+          </a:xfrm>
+          <a:prstGeom prst="rightArrow">
+            <a:avLst/>
+          </a:prstGeom>
+          <a:solidFill>
+            <a:srgbClr val="FFFF00"/>
+          </a:solidFill>
+          <a:ln w="19050"/>
+        </p:spPr>
+        <p:style>
+          <a:lnRef idx="2">
+            <a:schemeClr val="dk1"/>
+          </a:lnRef>
+          <a:fillRef idx="1">
+            <a:schemeClr val="lt1"/>
+          </a:fillRef>
+          <a:effectRef idx="0">
+            <a:schemeClr val="dk1"/>
+          </a:effectRef>
+          <a:fontRef idx="minor">
+            <a:schemeClr val="dk1"/>
+          </a:fontRef>
+        </p:style>
+        <p:txBody>
+          <a:bodyPr anchor="ctr"/>
+          <a:lstStyle/>
+          <a:p>
+            <a:pPr algn="ctr">
+              <a:defRPr/>
+            </a:pPr>
+            <a:endParaRPr lang="en-US"/>
+          </a:p>
+        </p:txBody>
+      </p:sp>
+      <p:grpSp>
+        <p:nvGrpSpPr>
+          <p:cNvPr id="2" name="Group 39"/>
+          <p:cNvGrpSpPr>
+            <a:grpSpLocks/>
+          </p:cNvGrpSpPr>
+          <p:nvPr/>
+        </p:nvGrpSpPr>
+        <p:grpSpPr bwMode="auto">
+          <a:xfrm>
+            <a:off x="5486400" y="1981200"/>
+            <a:ext cx="1524000" cy="685800"/>
+            <a:chOff x="5334000" y="3733800"/>
+            <a:chExt cx="1524000" cy="685800"/>
+          </a:xfrm>
+        </p:grpSpPr>
+        <p:sp>
+          <p:nvSpPr>
+            <p:cNvPr id="36" name="TextBox 35"/>
+            <p:cNvSpPr txBox="1"/>
+            <p:nvPr/>
+          </p:nvSpPr>
+          <p:spPr>
+            <a:xfrm>
+              <a:off x="5334000" y="3733800"/>
+              <a:ext cx="1371600" cy="533400"/>
+            </a:xfrm>
+            <a:prstGeom prst="rect">
+              <a:avLst/>
+            </a:prstGeom>
+          </p:spPr>
+          <p:style>
+            <a:lnRef idx="1">
+              <a:schemeClr val="accent3"/>
+            </a:lnRef>
+            <a:fillRef idx="3">
+              <a:schemeClr val="accent3"/>
+            </a:fillRef>
+            <a:effectRef idx="2">
+              <a:schemeClr val="accent3"/>
+            </a:effectRef>
+            <a:fontRef idx="minor">
+              <a:schemeClr val="lt1"/>
+            </a:fontRef>
+          </p:style>
+          <p:txBody>
+            <a:bodyPr anchor="ctr"/>
+            <a:lstStyle/>
+            <a:p>
+              <a:pPr algn="ctr">
+                <a:defRPr/>
+              </a:pPr>
+              <a:r>
+                <a:rPr lang="en-US" sz="3000" b="1" dirty="0">
+                  <a:latin typeface="Courier New" pitchFamily="49" charset="0"/>
+                  <a:cs typeface="Courier New" pitchFamily="49" charset="0"/>
+                </a:rPr>
+                <a:t>Code</a:t>
+              </a:r>
+            </a:p>
+          </p:txBody>
+        </p:sp>
+        <p:sp>
+          <p:nvSpPr>
+            <p:cNvPr id="38" name="TextBox 37"/>
+            <p:cNvSpPr txBox="1"/>
+            <p:nvPr/>
+          </p:nvSpPr>
+          <p:spPr>
+            <a:xfrm>
+              <a:off x="5410200" y="3810000"/>
+              <a:ext cx="1371600" cy="533400"/>
+            </a:xfrm>
+            <a:prstGeom prst="rect">
+              <a:avLst/>
+            </a:prstGeom>
+          </p:spPr>
+          <p:style>
+            <a:lnRef idx="1">
+              <a:schemeClr val="accent3"/>
+            </a:lnRef>
+            <a:fillRef idx="3">
+              <a:schemeClr val="accent3"/>
+            </a:fillRef>
+            <a:effectRef idx="2">
+              <a:schemeClr val="accent3"/>
+            </a:effectRef>
+            <a:fontRef idx="minor">
+              <a:schemeClr val="lt1"/>
+            </a:fontRef>
+          </p:style>
+          <p:txBody>
+            <a:bodyPr anchor="ctr"/>
+            <a:lstStyle/>
+            <a:p>
+              <a:pPr algn="ctr">
+                <a:defRPr/>
+              </a:pPr>
+              <a:r>
+                <a:rPr lang="en-US" sz="3000" b="1" dirty="0">
+                  <a:latin typeface="Courier New" pitchFamily="49" charset="0"/>
+                  <a:cs typeface="Courier New" pitchFamily="49" charset="0"/>
+                </a:rPr>
+                <a:t>Code</a:t>
+              </a:r>
+            </a:p>
+          </p:txBody>
+        </p:sp>
+        <p:sp>
+          <p:nvSpPr>
+            <p:cNvPr id="39" name="TextBox 38"/>
+            <p:cNvSpPr txBox="1"/>
+            <p:nvPr/>
+          </p:nvSpPr>
+          <p:spPr>
+            <a:xfrm>
+              <a:off x="5486400" y="3886200"/>
+              <a:ext cx="1371600" cy="533400"/>
+            </a:xfrm>
+            <a:prstGeom prst="rect">
+              <a:avLst/>
+            </a:prstGeom>
+          </p:spPr>
+          <p:style>
+            <a:lnRef idx="1">
+              <a:schemeClr val="accent3"/>
+            </a:lnRef>
+            <a:fillRef idx="3">
+              <a:schemeClr val="accent3"/>
+            </a:fillRef>
+            <a:effectRef idx="2">
+              <a:schemeClr val="accent3"/>
+            </a:effectRef>
+            <a:fontRef idx="minor">
+              <a:schemeClr val="lt1"/>
+            </a:fontRef>
+          </p:style>
+          <p:txBody>
+            <a:bodyPr anchor="ctr"/>
+            <a:lstStyle/>
+            <a:p>
+              <a:pPr algn="ctr">
+                <a:defRPr/>
+              </a:pPr>
+              <a:r>
+                <a:rPr lang="en-US" sz="3000" b="1" dirty="0">
+                  <a:latin typeface="Courier New" pitchFamily="49" charset="0"/>
+                  <a:cs typeface="Courier New" pitchFamily="49" charset="0"/>
+                </a:rPr>
+                <a:t>Code</a:t>
+              </a:r>
+            </a:p>
+          </p:txBody>
+        </p:sp>
+      </p:grpSp>
+      <p:sp>
+        <p:nvSpPr>
+          <p:cNvPr id="32" name="TextBox 31"/>
+          <p:cNvSpPr txBox="1"/>
+          <p:nvPr/>
+        </p:nvSpPr>
+        <p:spPr>
+          <a:xfrm>
+            <a:off x="6172200" y="2590800"/>
+            <a:ext cx="914400" cy="153988"/>
+          </a:xfrm>
+          <a:prstGeom prst="rect">
+            <a:avLst/>
+          </a:prstGeom>
+          <a:ln>
+            <a:solidFill>
+              <a:schemeClr val="tx1">
+                <a:lumMod val="50000"/>
+                <a:lumOff val="50000"/>
+              </a:schemeClr>
+            </a:solidFill>
+          </a:ln>
+        </p:spPr>
+        <p:style>
+          <a:lnRef idx="1">
+            <a:schemeClr val="dk1"/>
+          </a:lnRef>
+          <a:fillRef idx="2">
+            <a:schemeClr val="dk1"/>
+          </a:fillRef>
+          <a:effectRef idx="1">
+            <a:schemeClr val="dk1"/>
+          </a:effectRef>
+          <a:fontRef idx="minor">
+            <a:schemeClr val="dk1"/>
+          </a:fontRef>
+        </p:style>
+        <p:txBody>
+          <a:bodyPr lIns="0" tIns="0" rIns="0" bIns="0" anchor="ctr">
+            <a:spAutoFit/>
+          </a:bodyPr>
+          <a:lstStyle/>
+          <a:p>
+            <a:pPr algn="ctr">
+              <a:defRPr/>
+            </a:pPr>
+            <a:r>
+              <a:rPr lang="en-US" sz="1000" dirty="0"/>
+              <a:t>Any Text Format</a:t>
+            </a:r>
+          </a:p>
+        </p:txBody>
+      </p:sp>
+      <p:sp>
+        <p:nvSpPr>
+          <p:cNvPr id="4114" name="TextBox 45"/>
+          <p:cNvSpPr txBox="1">
+            <a:spLocks noChangeArrowheads="1"/>
+          </p:cNvSpPr>
+          <p:nvPr/>
+        </p:nvSpPr>
+        <p:spPr bwMode="auto">
+          <a:xfrm>
+            <a:off x="1371600" y="1066800"/>
+            <a:ext cx="1752600" cy="369888"/>
+          </a:xfrm>
+          <a:prstGeom prst="rect">
+            <a:avLst/>
+          </a:prstGeom>
+          <a:noFill/>
+          <a:ln w="9525">
+            <a:noFill/>
+            <a:miter lim="800000"/>
+            <a:headEnd/>
+            <a:tailEnd/>
+          </a:ln>
+        </p:spPr>
+        <p:txBody>
+          <a:bodyPr>
+            <a:spAutoFit/>
+          </a:bodyPr>
+          <a:lstStyle/>
+          <a:p>
+            <a:pPr algn="ctr"/>
+            <a:r>
+              <a:rPr lang="en-US">
+                <a:latin typeface="Calibri" pitchFamily="34" charset="0"/>
+              </a:rPr>
+              <a:t>Source</a:t>
+            </a:r>
+          </a:p>
+        </p:txBody>
+      </p:sp>
+      <p:sp>
+        <p:nvSpPr>
+          <p:cNvPr id="4115" name="TextBox 46"/>
+          <p:cNvSpPr txBox="1">
+            <a:spLocks noChangeArrowheads="1"/>
+          </p:cNvSpPr>
+          <p:nvPr/>
+        </p:nvSpPr>
+        <p:spPr bwMode="auto">
+          <a:xfrm>
+            <a:off x="3352800" y="1066800"/>
+            <a:ext cx="1752600" cy="369888"/>
+          </a:xfrm>
+          <a:prstGeom prst="rect">
+            <a:avLst/>
+          </a:prstGeom>
+          <a:noFill/>
+          <a:ln w="9525">
+            <a:noFill/>
+            <a:miter lim="800000"/>
+            <a:headEnd/>
+            <a:tailEnd/>
+          </a:ln>
+        </p:spPr>
+        <p:txBody>
+          <a:bodyPr>
+            <a:spAutoFit/>
+          </a:bodyPr>
+          <a:lstStyle/>
+          <a:p>
+            <a:pPr algn="ctr"/>
+            <a:r>
+              <a:rPr lang="en-US">
+                <a:latin typeface="Calibri" pitchFamily="34" charset="0"/>
+              </a:rPr>
+              <a:t>Engine</a:t>
+            </a:r>
+          </a:p>
+        </p:txBody>
+      </p:sp>
+      <p:sp>
+        <p:nvSpPr>
+          <p:cNvPr id="4116" name="TextBox 47"/>
+          <p:cNvSpPr txBox="1">
+            <a:spLocks noChangeArrowheads="1"/>
+          </p:cNvSpPr>
+          <p:nvPr/>
+        </p:nvSpPr>
+        <p:spPr bwMode="auto">
+          <a:xfrm>
+            <a:off x="5410200" y="1066800"/>
+            <a:ext cx="1752600" cy="369888"/>
+          </a:xfrm>
+          <a:prstGeom prst="rect">
+            <a:avLst/>
+          </a:prstGeom>
+          <a:noFill/>
+          <a:ln w="9525">
+            <a:noFill/>
+            <a:miter lim="800000"/>
+            <a:headEnd/>
+            <a:tailEnd/>
+          </a:ln>
+        </p:spPr>
+        <p:txBody>
+          <a:bodyPr>
+            <a:spAutoFit/>
+          </a:bodyPr>
+          <a:lstStyle/>
+          <a:p>
+            <a:pPr algn="ctr"/>
+            <a:r>
+              <a:rPr lang="en-US">
+                <a:latin typeface="Calibri" pitchFamily="34" charset="0"/>
+              </a:rPr>
+              <a:t>Output</a:t>
+            </a:r>
+          </a:p>
+        </p:txBody>
+      </p:sp>
+    </p:spTree>
+  </p:cSld>
+  <p:clrMapOvr>
+    <a:masterClrMapping/>
+  </p:clrMapOvr>
+</p:sld>
+</file>
+
+<file path=ppt/slides/slide4.xml><?xml version="1.0" encoding="utf-8"?>
+<p:sld xmlns:a="http://schemas.openxmlformats.org/drawingml/2006/main" xmlns:r="http://schemas.openxmlformats.org/officeDocument/2006/relationships" xmlns:p="http://schemas.openxmlformats.org/presentationml/2006/main">
+  <p:cSld>
+    <p:spTree>
+      <p:nvGrpSpPr>
+        <p:cNvPr id="1" name=""/>
+        <p:cNvGrpSpPr/>
+        <p:nvPr/>
+      </p:nvGrpSpPr>
+      <p:grpSpPr>
+        <a:xfrm>
+          <a:off x="0" y="0"/>
+          <a:ext cx="0" cy="0"/>
+          <a:chOff x="0" y="0"/>
+          <a:chExt cx="0" cy="0"/>
+        </a:xfrm>
+      </p:grpSpPr>
+      <p:sp>
+        <p:nvSpPr>
+          <p:cNvPr id="3" name="TextBox 2"/>
+          <p:cNvSpPr txBox="1"/>
+          <p:nvPr/>
+        </p:nvSpPr>
+        <p:spPr>
+          <a:xfrm>
+            <a:off x="1524000" y="1905000"/>
+            <a:ext cx="4724400" cy="2590800"/>
+          </a:xfrm>
+          <a:prstGeom prst="rect">
+            <a:avLst/>
+          </a:prstGeom>
+        </p:spPr>
+        <p:style>
+          <a:lnRef idx="2">
+            <a:schemeClr val="accent1"/>
+          </a:lnRef>
+          <a:fillRef idx="1">
+            <a:schemeClr val="lt1"/>
+          </a:fillRef>
+          <a:effectRef idx="0">
+            <a:schemeClr val="accent1"/>
+          </a:effectRef>
+          <a:fontRef idx="minor">
+            <a:schemeClr val="dk1"/>
+          </a:fontRef>
+        </p:style>
+        <p:txBody>
+          <a:bodyPr wrap="none"/>
+          <a:lstStyle/>
+          <a:p>
+            <a:pPr algn="ctr" fontAlgn="auto">
+              <a:spcBef>
+                <a:spcPts val="0"/>
+              </a:spcBef>
+              <a:spcAft>
+                <a:spcPts val="0"/>
+              </a:spcAft>
+              <a:defRPr/>
+            </a:pPr>
+            <a:r>
+              <a:rPr lang="en-US" sz="2200" b="1" dirty="0">
+                <a:latin typeface="Constantia" pitchFamily="18" charset="0"/>
+              </a:rPr>
+              <a:t>&lt;</a:t>
+            </a:r>
+            <a:r>
+              <a:rPr lang="en-US" sz="2200" b="1" dirty="0" err="1">
+                <a:latin typeface="Constantia" pitchFamily="18" charset="0"/>
+              </a:rPr>
+              <a:t>JSeance</a:t>
+            </a:r>
+            <a:r>
+              <a:rPr lang="en-US" sz="2200" b="1" dirty="0">
+                <a:latin typeface="Constantia" pitchFamily="18" charset="0"/>
+              </a:rPr>
+              <a:t>/&gt; Features</a:t>
+            </a:r>
+          </a:p>
+        </p:txBody>
+      </p:sp>
+      <p:sp>
+        <p:nvSpPr>
+          <p:cNvPr id="5" name="TextBox 4"/>
+          <p:cNvSpPr txBox="1"/>
+          <p:nvPr/>
+        </p:nvSpPr>
+        <p:spPr>
+          <a:xfrm rot="16200000">
+            <a:off x="4876800" y="3124200"/>
+            <a:ext cx="1981200" cy="457200"/>
+          </a:xfrm>
+          <a:prstGeom prst="rect">
+            <a:avLst/>
+          </a:prstGeom>
+        </p:spPr>
+        <p:style>
+          <a:lnRef idx="1">
+            <a:schemeClr val="accent2"/>
+          </a:lnRef>
+          <a:fillRef idx="3">
+            <a:schemeClr val="accent2"/>
+          </a:fillRef>
+          <a:effectRef idx="2">
+            <a:schemeClr val="accent2"/>
+          </a:effectRef>
+          <a:fontRef idx="minor">
+            <a:schemeClr val="lt1"/>
+          </a:fontRef>
+        </p:style>
+        <p:txBody>
+          <a:bodyPr anchor="ctr"/>
+          <a:lstStyle/>
+          <a:p>
+            <a:pPr algn="ctr" fontAlgn="auto">
+              <a:spcBef>
+                <a:spcPts val="0"/>
+              </a:spcBef>
+              <a:spcAft>
+                <a:spcPts val="0"/>
+              </a:spcAft>
+              <a:defRPr/>
+            </a:pPr>
+            <a:r>
+              <a:rPr lang="en-US" sz="1200" b="1" dirty="0">
+                <a:latin typeface="Constantia" pitchFamily="18" charset="0"/>
+              </a:rPr>
+              <a:t>JavaScript Engine (Rhino)</a:t>
+            </a:r>
+          </a:p>
+        </p:txBody>
+      </p:sp>
+      <p:sp>
+        <p:nvSpPr>
+          <p:cNvPr id="6" name="TextBox 5"/>
+          <p:cNvSpPr txBox="1"/>
+          <p:nvPr/>
+        </p:nvSpPr>
+        <p:spPr>
+          <a:xfrm rot="16200000">
+            <a:off x="838200" y="3124200"/>
+            <a:ext cx="1981200" cy="457200"/>
+          </a:xfrm>
+          <a:prstGeom prst="rect">
+            <a:avLst/>
+          </a:prstGeom>
+        </p:spPr>
+        <p:style>
+          <a:lnRef idx="1">
+            <a:schemeClr val="accent2"/>
+          </a:lnRef>
+          <a:fillRef idx="3">
+            <a:schemeClr val="accent2"/>
+          </a:fillRef>
+          <a:effectRef idx="2">
+            <a:schemeClr val="accent2"/>
+          </a:effectRef>
+          <a:fontRef idx="minor">
+            <a:schemeClr val="lt1"/>
+          </a:fontRef>
+        </p:style>
+        <p:txBody>
+          <a:bodyPr anchor="ctr"/>
+          <a:lstStyle/>
+          <a:p>
+            <a:pPr algn="ctr" fontAlgn="auto">
+              <a:spcBef>
+                <a:spcPts val="0"/>
+              </a:spcBef>
+              <a:spcAft>
+                <a:spcPts val="0"/>
+              </a:spcAft>
+              <a:defRPr/>
+            </a:pPr>
+            <a:r>
+              <a:rPr lang="en-US" sz="1200" b="1" dirty="0">
+                <a:latin typeface="Constantia" pitchFamily="18" charset="0"/>
+              </a:rPr>
+              <a:t>Context Sensitive State Management</a:t>
+            </a:r>
+          </a:p>
+        </p:txBody>
+      </p:sp>
+      <p:sp>
+        <p:nvSpPr>
+          <p:cNvPr id="7" name="TextBox 6"/>
+          <p:cNvSpPr txBox="1"/>
+          <p:nvPr/>
+        </p:nvSpPr>
+        <p:spPr>
+          <a:xfrm>
+            <a:off x="2133600" y="3048000"/>
+            <a:ext cx="1676400" cy="609600"/>
+          </a:xfrm>
+          <a:prstGeom prst="rect">
+            <a:avLst/>
+          </a:prstGeom>
+        </p:spPr>
+        <p:style>
+          <a:lnRef idx="1">
+            <a:schemeClr val="accent1"/>
+          </a:lnRef>
+          <a:fillRef idx="3">
+            <a:schemeClr val="accent1"/>
+          </a:fillRef>
+          <a:effectRef idx="2">
+            <a:schemeClr val="accent1"/>
+          </a:effectRef>
+          <a:fontRef idx="minor">
+            <a:schemeClr val="lt1"/>
+          </a:fontRef>
+        </p:style>
+        <p:txBody>
+          <a:bodyPr anchor="ctr"/>
+          <a:lstStyle/>
+          <a:p>
+            <a:pPr algn="ctr" fontAlgn="auto">
+              <a:spcBef>
+                <a:spcPts val="0"/>
+              </a:spcBef>
+              <a:spcAft>
+                <a:spcPts val="0"/>
+              </a:spcAft>
+              <a:defRPr/>
+            </a:pPr>
+            <a:r>
+              <a:rPr lang="en-US" sz="1200" b="1" dirty="0">
+                <a:latin typeface="Constantia" pitchFamily="18" charset="0"/>
+              </a:rPr>
+              <a:t>Multiple XML Input Models</a:t>
+            </a:r>
+          </a:p>
+        </p:txBody>
+      </p:sp>
+      <p:sp>
+        <p:nvSpPr>
+          <p:cNvPr id="8" name="TextBox 7"/>
+          <p:cNvSpPr txBox="1"/>
+          <p:nvPr/>
+        </p:nvSpPr>
+        <p:spPr>
+          <a:xfrm>
+            <a:off x="3886200" y="3048000"/>
+            <a:ext cx="1676400" cy="609600"/>
+          </a:xfrm>
+          <a:prstGeom prst="rect">
+            <a:avLst/>
+          </a:prstGeom>
+        </p:spPr>
+        <p:style>
+          <a:lnRef idx="1">
+            <a:schemeClr val="accent1"/>
+          </a:lnRef>
+          <a:fillRef idx="3">
+            <a:schemeClr val="accent1"/>
+          </a:fillRef>
+          <a:effectRef idx="2">
+            <a:schemeClr val="accent1"/>
+          </a:effectRef>
+          <a:fontRef idx="minor">
+            <a:schemeClr val="lt1"/>
+          </a:fontRef>
+        </p:style>
+        <p:txBody>
+          <a:bodyPr anchor="ctr"/>
+          <a:lstStyle/>
+          <a:p>
+            <a:pPr algn="ctr" fontAlgn="auto">
+              <a:spcBef>
+                <a:spcPts val="0"/>
+              </a:spcBef>
+              <a:spcAft>
+                <a:spcPts val="0"/>
+              </a:spcAft>
+              <a:defRPr/>
+            </a:pPr>
+            <a:r>
+              <a:rPr lang="en-US" sz="1200" b="1" dirty="0">
+                <a:latin typeface="Constantia" pitchFamily="18" charset="0"/>
+              </a:rPr>
+              <a:t>Multiple Output Files</a:t>
+            </a:r>
+          </a:p>
+        </p:txBody>
+      </p:sp>
+      <p:sp>
+        <p:nvSpPr>
+          <p:cNvPr id="9" name="TextBox 8"/>
+          <p:cNvSpPr txBox="1"/>
+          <p:nvPr/>
+        </p:nvSpPr>
+        <p:spPr>
+          <a:xfrm>
+            <a:off x="2133600" y="2362200"/>
+            <a:ext cx="1676400" cy="609600"/>
+          </a:xfrm>
+          <a:prstGeom prst="rect">
+            <a:avLst/>
+          </a:prstGeom>
+        </p:spPr>
+        <p:style>
+          <a:lnRef idx="1">
+            <a:schemeClr val="accent1"/>
+          </a:lnRef>
+          <a:fillRef idx="3">
+            <a:schemeClr val="accent1"/>
+          </a:fillRef>
+          <a:effectRef idx="2">
+            <a:schemeClr val="accent1"/>
+          </a:effectRef>
+          <a:fontRef idx="minor">
+            <a:schemeClr val="lt1"/>
+          </a:fontRef>
+        </p:style>
+        <p:txBody>
+          <a:bodyPr anchor="ctr"/>
+          <a:lstStyle/>
+          <a:p>
+            <a:pPr algn="ctr" fontAlgn="auto">
+              <a:spcBef>
+                <a:spcPts val="0"/>
+              </a:spcBef>
+              <a:spcAft>
+                <a:spcPts val="0"/>
+              </a:spcAft>
+              <a:defRPr/>
+            </a:pPr>
+            <a:r>
+              <a:rPr lang="en-US" sz="1200" b="1" dirty="0">
+                <a:latin typeface="Constantia" pitchFamily="18" charset="0"/>
+              </a:rPr>
+              <a:t>E4X Support and </a:t>
+            </a:r>
+            <a:r>
+              <a:rPr lang="en-US" sz="1200" b="1" dirty="0" err="1">
+                <a:latin typeface="Constantia" pitchFamily="18" charset="0"/>
+              </a:rPr>
+              <a:t>Iterators</a:t>
+            </a:r>
+            <a:endParaRPr lang="en-US" sz="1200" b="1" dirty="0">
+              <a:latin typeface="Constantia" pitchFamily="18" charset="0"/>
+            </a:endParaRPr>
+          </a:p>
+        </p:txBody>
+      </p:sp>
+      <p:sp>
+        <p:nvSpPr>
+          <p:cNvPr id="10" name="TextBox 9"/>
+          <p:cNvSpPr txBox="1"/>
+          <p:nvPr/>
+        </p:nvSpPr>
+        <p:spPr>
+          <a:xfrm>
+            <a:off x="2133600" y="3733800"/>
+            <a:ext cx="1676400" cy="609600"/>
+          </a:xfrm>
+          <a:prstGeom prst="rect">
+            <a:avLst/>
+          </a:prstGeom>
+        </p:spPr>
+        <p:style>
+          <a:lnRef idx="1">
+            <a:schemeClr val="accent1"/>
+          </a:lnRef>
+          <a:fillRef idx="3">
+            <a:schemeClr val="accent1"/>
+          </a:fillRef>
+          <a:effectRef idx="2">
+            <a:schemeClr val="accent1"/>
+          </a:effectRef>
+          <a:fontRef idx="minor">
+            <a:schemeClr val="lt1"/>
+          </a:fontRef>
+        </p:style>
+        <p:txBody>
+          <a:bodyPr anchor="ctr"/>
+          <a:lstStyle/>
+          <a:p>
+            <a:pPr algn="ctr" fontAlgn="auto">
+              <a:spcBef>
+                <a:spcPts val="0"/>
+              </a:spcBef>
+              <a:spcAft>
+                <a:spcPts val="0"/>
+              </a:spcAft>
+              <a:defRPr/>
+            </a:pPr>
+            <a:r>
+              <a:rPr lang="en-US" sz="1200" b="1" dirty="0">
+                <a:latin typeface="Constantia" pitchFamily="18" charset="0"/>
+              </a:rPr>
+              <a:t>Conditional Expressions</a:t>
+            </a:r>
+          </a:p>
+        </p:txBody>
+      </p:sp>
+      <p:sp>
+        <p:nvSpPr>
+          <p:cNvPr id="11" name="TextBox 10"/>
+          <p:cNvSpPr txBox="1"/>
+          <p:nvPr/>
+        </p:nvSpPr>
+        <p:spPr>
+          <a:xfrm>
+            <a:off x="3886200" y="2362200"/>
+            <a:ext cx="1676400" cy="609600"/>
+          </a:xfrm>
+          <a:prstGeom prst="rect">
+            <a:avLst/>
+          </a:prstGeom>
+        </p:spPr>
+        <p:style>
+          <a:lnRef idx="1">
+            <a:schemeClr val="accent1"/>
+          </a:lnRef>
+          <a:fillRef idx="3">
+            <a:schemeClr val="accent1"/>
+          </a:fillRef>
+          <a:effectRef idx="2">
+            <a:schemeClr val="accent1"/>
+          </a:effectRef>
+          <a:fontRef idx="minor">
+            <a:schemeClr val="lt1"/>
+          </a:fontRef>
+        </p:style>
+        <p:txBody>
+          <a:bodyPr anchor="ctr"/>
+          <a:lstStyle/>
+          <a:p>
+            <a:pPr algn="ctr" fontAlgn="auto">
+              <a:spcBef>
+                <a:spcPts val="0"/>
+              </a:spcBef>
+              <a:spcAft>
+                <a:spcPts val="0"/>
+              </a:spcAft>
+              <a:defRPr/>
+            </a:pPr>
+            <a:r>
+              <a:rPr lang="en-US" sz="1200" b="1" dirty="0">
+                <a:latin typeface="Constantia" pitchFamily="18" charset="0"/>
+              </a:rPr>
+              <a:t>External Includes with dependency validation</a:t>
+            </a:r>
+          </a:p>
+        </p:txBody>
+      </p:sp>
+      <p:sp>
+        <p:nvSpPr>
+          <p:cNvPr id="12" name="TextBox 11"/>
+          <p:cNvSpPr txBox="1"/>
+          <p:nvPr/>
+        </p:nvSpPr>
+        <p:spPr>
+          <a:xfrm>
+            <a:off x="3886200" y="3733800"/>
+            <a:ext cx="1676400" cy="609600"/>
+          </a:xfrm>
+          <a:prstGeom prst="rect">
+            <a:avLst/>
+          </a:prstGeom>
+        </p:spPr>
+        <p:style>
+          <a:lnRef idx="1">
+            <a:schemeClr val="accent1"/>
+          </a:lnRef>
+          <a:fillRef idx="3">
+            <a:schemeClr val="accent1"/>
+          </a:fillRef>
+          <a:effectRef idx="2">
+            <a:schemeClr val="accent1"/>
+          </a:effectRef>
+          <a:fontRef idx="minor">
+            <a:schemeClr val="lt1"/>
+          </a:fontRef>
+        </p:style>
+        <p:txBody>
+          <a:bodyPr anchor="ctr"/>
+          <a:lstStyle/>
+          <a:p>
+            <a:pPr algn="ctr" fontAlgn="auto">
+              <a:spcBef>
+                <a:spcPts val="0"/>
+              </a:spcBef>
+              <a:spcAft>
+                <a:spcPts val="0"/>
+              </a:spcAft>
+              <a:defRPr/>
+            </a:pPr>
+            <a:r>
+              <a:rPr lang="en-US" sz="1200" b="1" dirty="0">
+                <a:latin typeface="Constantia" pitchFamily="18" charset="0"/>
+              </a:rPr>
+              <a:t>Runtime Template Parameterization</a:t>
+            </a:r>
+          </a:p>
+        </p:txBody>
+      </p:sp>
+    </p:spTree>
+  </p:cSld>
+  <p:clrMapOvr>
+    <a:masterClrMapping/>
+  </p:clrMapOvr>
+</p:sld>
+</file>
+
+<file path=ppt/slides/slide5.xml><?xml version="1.0" encoding="utf-8"?>
+<p:sld xmlns:a="http://schemas.openxmlformats.org/drawingml/2006/main" xmlns:r="http://schemas.openxmlformats.org/officeDocument/2006/relationships" xmlns:p="http://schemas.openxmlformats.org/presentationml/2006/main">
+  <p:cSld>
+    <p:spTree>
+      <p:nvGrpSpPr>
+        <p:cNvPr id="1" name=""/>
+        <p:cNvGrpSpPr/>
+        <p:nvPr/>
+      </p:nvGrpSpPr>
+      <p:grpSpPr>
+        <a:xfrm>
+          <a:off x="0" y="0"/>
+          <a:ext cx="0" cy="0"/>
+          <a:chOff x="0" y="0"/>
+          <a:chExt cx="0" cy="0"/>
+        </a:xfrm>
+      </p:grpSpPr>
+      <p:sp>
+        <p:nvSpPr>
+          <p:cNvPr id="31" name="Rounded Rectangle 30"/>
+          <p:cNvSpPr/>
+          <p:nvPr/>
+        </p:nvSpPr>
+        <p:spPr>
+          <a:xfrm>
+            <a:off x="533400" y="1371600"/>
+            <a:ext cx="5181600" cy="3733800"/>
+          </a:xfrm>
+          <a:prstGeom prst="roundRect">
+            <a:avLst/>
+          </a:prstGeom>
+          <a:ln/>
+        </p:spPr>
+        <p:style>
+          <a:lnRef idx="2">
+            <a:schemeClr val="accent1"/>
+          </a:lnRef>
+          <a:fillRef idx="1">
+            <a:schemeClr val="lt1"/>
+          </a:fillRef>
+          <a:effectRef idx="0">
+            <a:schemeClr val="accent1"/>
+          </a:effectRef>
+          <a:fontRef idx="minor">
+            <a:schemeClr val="dk1"/>
+          </a:fontRef>
+        </p:style>
+        <p:txBody>
+          <a:bodyPr anchor="ctr"/>
+          <a:lstStyle/>
+          <a:p>
+            <a:pPr algn="ctr" fontAlgn="auto">
+              <a:spcBef>
+                <a:spcPts val="0"/>
+              </a:spcBef>
+              <a:spcAft>
+                <a:spcPts val="0"/>
+              </a:spcAft>
+              <a:defRPr/>
+            </a:pPr>
+            <a:endParaRPr lang="en-US"/>
+          </a:p>
+        </p:txBody>
+      </p:sp>
+      <p:sp>
+        <p:nvSpPr>
+          <p:cNvPr id="6" name="Rectangle 5"/>
+          <p:cNvSpPr/>
+          <p:nvPr/>
+        </p:nvSpPr>
+        <p:spPr>
+          <a:xfrm>
+            <a:off x="762000" y="3810000"/>
+            <a:ext cx="2057400" cy="381000"/>
+          </a:xfrm>
+          <a:prstGeom prst="rect">
+            <a:avLst/>
+          </a:prstGeom>
+        </p:spPr>
+        <p:style>
+          <a:lnRef idx="2">
+            <a:schemeClr val="accent4">
+              <a:shade val="50000"/>
+            </a:schemeClr>
+          </a:lnRef>
+          <a:fillRef idx="1">
+            <a:schemeClr val="accent4"/>
+          </a:fillRef>
+          <a:effectRef idx="0">
+            <a:schemeClr val="accent4"/>
+          </a:effectRef>
+          <a:fontRef idx="minor">
+            <a:schemeClr val="lt1"/>
+          </a:fontRef>
+        </p:style>
+        <p:txBody>
+          <a:bodyPr anchor="ctr"/>
+          <a:lstStyle/>
+          <a:p>
+            <a:pPr algn="ctr" fontAlgn="auto">
+              <a:spcBef>
+                <a:spcPts val="0"/>
+              </a:spcBef>
+              <a:spcAft>
+                <a:spcPts val="0"/>
+              </a:spcAft>
+              <a:defRPr/>
+            </a:pPr>
+            <a:r>
+              <a:rPr lang="en-US" sz="1600" dirty="0"/>
+              <a:t>Database Schema</a:t>
+            </a:r>
+          </a:p>
+        </p:txBody>
+      </p:sp>
+      <p:sp>
+        <p:nvSpPr>
+          <p:cNvPr id="7" name="Rectangle 6"/>
+          <p:cNvSpPr/>
+          <p:nvPr/>
+        </p:nvSpPr>
+        <p:spPr>
+          <a:xfrm>
+            <a:off x="762000" y="3429000"/>
+            <a:ext cx="2057400" cy="381000"/>
+          </a:xfrm>
+          <a:prstGeom prst="rect">
+            <a:avLst/>
+          </a:prstGeom>
+        </p:spPr>
+        <p:style>
+          <a:lnRef idx="2">
+            <a:schemeClr val="accent4">
+              <a:shade val="50000"/>
+            </a:schemeClr>
+          </a:lnRef>
+          <a:fillRef idx="1">
+            <a:schemeClr val="accent4"/>
+          </a:fillRef>
+          <a:effectRef idx="0">
+            <a:schemeClr val="accent4"/>
+          </a:effectRef>
+          <a:fontRef idx="minor">
+            <a:schemeClr val="lt1"/>
+          </a:fontRef>
+        </p:style>
+        <p:txBody>
+          <a:bodyPr anchor="ctr"/>
+          <a:lstStyle/>
+          <a:p>
+            <a:pPr algn="ctr" fontAlgn="auto">
+              <a:spcBef>
+                <a:spcPts val="0"/>
+              </a:spcBef>
+              <a:spcAft>
+                <a:spcPts val="0"/>
+              </a:spcAft>
+              <a:defRPr/>
+            </a:pPr>
+            <a:r>
+              <a:rPr lang="en-US" sz="1600" dirty="0"/>
+              <a:t>Stored Procedures</a:t>
+            </a:r>
+          </a:p>
+        </p:txBody>
+      </p:sp>
+      <p:sp>
+        <p:nvSpPr>
+          <p:cNvPr id="8" name="Rectangle 7"/>
+          <p:cNvSpPr/>
+          <p:nvPr/>
+        </p:nvSpPr>
+        <p:spPr>
+          <a:xfrm>
+            <a:off x="762000" y="2971800"/>
+            <a:ext cx="2057400" cy="381000"/>
+          </a:xfrm>
+          <a:prstGeom prst="rect">
+            <a:avLst/>
+          </a:prstGeom>
+        </p:spPr>
+        <p:style>
+          <a:lnRef idx="2">
+            <a:schemeClr val="accent1">
+              <a:shade val="50000"/>
+            </a:schemeClr>
+          </a:lnRef>
+          <a:fillRef idx="1">
+            <a:schemeClr val="accent1"/>
+          </a:fillRef>
+          <a:effectRef idx="0">
+            <a:schemeClr val="accent1"/>
+          </a:effectRef>
+          <a:fontRef idx="minor">
+            <a:schemeClr val="lt1"/>
+          </a:fontRef>
+        </p:style>
+        <p:txBody>
+          <a:bodyPr anchor="ctr"/>
+          <a:lstStyle/>
+          <a:p>
+            <a:pPr algn="ctr" fontAlgn="auto">
+              <a:spcBef>
+                <a:spcPts val="0"/>
+              </a:spcBef>
+              <a:spcAft>
+                <a:spcPts val="0"/>
+              </a:spcAft>
+              <a:defRPr/>
+            </a:pPr>
+            <a:r>
+              <a:rPr lang="en-US" sz="1600" dirty="0"/>
+              <a:t>Data Access API</a:t>
+            </a:r>
+          </a:p>
+        </p:txBody>
+      </p:sp>
+      <p:sp>
+        <p:nvSpPr>
+          <p:cNvPr id="9" name="Rectangle 8"/>
+          <p:cNvSpPr/>
+          <p:nvPr/>
+        </p:nvSpPr>
+        <p:spPr>
+          <a:xfrm>
+            <a:off x="762000" y="2590800"/>
+            <a:ext cx="2057400" cy="381000"/>
+          </a:xfrm>
+          <a:prstGeom prst="rect">
+            <a:avLst/>
+          </a:prstGeom>
+        </p:spPr>
+        <p:style>
+          <a:lnRef idx="2">
+            <a:schemeClr val="accent1">
+              <a:shade val="50000"/>
+            </a:schemeClr>
+          </a:lnRef>
+          <a:fillRef idx="1">
+            <a:schemeClr val="accent1"/>
+          </a:fillRef>
+          <a:effectRef idx="0">
+            <a:schemeClr val="accent1"/>
+          </a:effectRef>
+          <a:fontRef idx="minor">
+            <a:schemeClr val="lt1"/>
+          </a:fontRef>
+        </p:style>
+        <p:txBody>
+          <a:bodyPr anchor="ctr"/>
+          <a:lstStyle/>
+          <a:p>
+            <a:pPr algn="ctr" fontAlgn="auto">
+              <a:spcBef>
+                <a:spcPts val="0"/>
+              </a:spcBef>
+              <a:spcAft>
+                <a:spcPts val="0"/>
+              </a:spcAft>
+              <a:defRPr/>
+            </a:pPr>
+            <a:r>
+              <a:rPr lang="en-US" sz="1600" dirty="0"/>
+              <a:t>Business Logic</a:t>
+            </a:r>
+          </a:p>
+        </p:txBody>
+      </p:sp>
+      <p:sp>
+        <p:nvSpPr>
+          <p:cNvPr id="10" name="Rectangle 9"/>
+          <p:cNvSpPr/>
+          <p:nvPr/>
+        </p:nvSpPr>
+        <p:spPr>
+          <a:xfrm>
+            <a:off x="762000" y="2133600"/>
+            <a:ext cx="2057400" cy="381000"/>
+          </a:xfrm>
+          <a:prstGeom prst="rect">
+            <a:avLst/>
+          </a:prstGeom>
+        </p:spPr>
+        <p:style>
+          <a:lnRef idx="2">
+            <a:schemeClr val="accent6">
+              <a:shade val="50000"/>
+            </a:schemeClr>
+          </a:lnRef>
+          <a:fillRef idx="1">
+            <a:schemeClr val="accent6"/>
+          </a:fillRef>
+          <a:effectRef idx="0">
+            <a:schemeClr val="accent6"/>
+          </a:effectRef>
+          <a:fontRef idx="minor">
+            <a:schemeClr val="lt1"/>
+          </a:fontRef>
+        </p:style>
+        <p:txBody>
+          <a:bodyPr anchor="ctr"/>
+          <a:lstStyle/>
+          <a:p>
+            <a:pPr algn="ctr" fontAlgn="auto">
+              <a:spcBef>
+                <a:spcPts val="0"/>
+              </a:spcBef>
+              <a:spcAft>
+                <a:spcPts val="0"/>
+              </a:spcAft>
+              <a:defRPr/>
+            </a:pPr>
+            <a:r>
+              <a:rPr lang="en-US" sz="1600" dirty="0"/>
+              <a:t>User Interface</a:t>
+            </a:r>
+          </a:p>
+        </p:txBody>
+      </p:sp>
+      <p:sp>
+        <p:nvSpPr>
+          <p:cNvPr id="11" name="Rectangle 10"/>
+          <p:cNvSpPr/>
+          <p:nvPr/>
+        </p:nvSpPr>
+        <p:spPr>
+          <a:xfrm>
+            <a:off x="762000" y="1524000"/>
+            <a:ext cx="2057400" cy="457200"/>
+          </a:xfrm>
+          <a:prstGeom prst="rect">
+            <a:avLst/>
+          </a:prstGeom>
+          <a:noFill/>
+          <a:ln>
+            <a:noFill/>
+          </a:ln>
+        </p:spPr>
+        <p:style>
+          <a:lnRef idx="2">
+            <a:schemeClr val="dk1"/>
+          </a:lnRef>
+          <a:fillRef idx="1">
+            <a:schemeClr val="lt1"/>
+          </a:fillRef>
+          <a:effectRef idx="0">
+            <a:schemeClr val="dk1"/>
+          </a:effectRef>
+          <a:fontRef idx="minor">
+            <a:schemeClr val="dk1"/>
+          </a:fontRef>
+        </p:style>
+        <p:txBody>
+          <a:bodyPr anchor="ctr"/>
+          <a:lstStyle/>
+          <a:p>
+            <a:pPr algn="ctr" fontAlgn="auto">
+              <a:spcBef>
+                <a:spcPts val="0"/>
+              </a:spcBef>
+              <a:spcAft>
+                <a:spcPts val="0"/>
+              </a:spcAft>
+              <a:defRPr/>
+            </a:pPr>
+            <a:r>
+              <a:rPr lang="en-US" sz="1600" dirty="0"/>
+              <a:t>Example Application Layers</a:t>
+            </a:r>
+          </a:p>
+        </p:txBody>
+      </p:sp>
+      <p:sp>
+        <p:nvSpPr>
+          <p:cNvPr id="12" name="Rectangle 11"/>
+          <p:cNvSpPr/>
+          <p:nvPr/>
+        </p:nvSpPr>
+        <p:spPr>
+          <a:xfrm>
+            <a:off x="2971800" y="3886200"/>
+            <a:ext cx="1905000" cy="228600"/>
+          </a:xfrm>
+          <a:prstGeom prst="rect">
+            <a:avLst/>
+          </a:prstGeom>
+          <a:solidFill>
+            <a:schemeClr val="accent3"/>
+          </a:solidFill>
+          <a:ln>
+            <a:noFill/>
+          </a:ln>
+        </p:spPr>
+        <p:style>
+          <a:lnRef idx="2">
+            <a:schemeClr val="accent3"/>
+          </a:lnRef>
+          <a:fillRef idx="1">
+            <a:schemeClr val="lt1"/>
+          </a:fillRef>
+          <a:effectRef idx="0">
+            <a:schemeClr val="accent3"/>
+          </a:effectRef>
+          <a:fontRef idx="minor">
+            <a:schemeClr val="dk1"/>
+          </a:fontRef>
+        </p:style>
+        <p:txBody>
+          <a:bodyPr anchor="ctr"/>
+          <a:lstStyle/>
+          <a:p>
+            <a:pPr algn="ctr" fontAlgn="auto">
+              <a:spcBef>
+                <a:spcPts val="0"/>
+              </a:spcBef>
+              <a:spcAft>
+                <a:spcPts val="0"/>
+              </a:spcAft>
+              <a:defRPr/>
+            </a:pPr>
+            <a:endParaRPr lang="en-US" sz="1600" dirty="0"/>
+          </a:p>
+        </p:txBody>
+      </p:sp>
+      <p:sp>
+        <p:nvSpPr>
+          <p:cNvPr id="13" name="Rectangle 12"/>
+          <p:cNvSpPr/>
+          <p:nvPr/>
+        </p:nvSpPr>
+        <p:spPr>
+          <a:xfrm>
+            <a:off x="2971800" y="3505200"/>
+            <a:ext cx="1524000" cy="228600"/>
+          </a:xfrm>
+          <a:prstGeom prst="rect">
+            <a:avLst/>
+          </a:prstGeom>
+          <a:solidFill>
+            <a:schemeClr val="accent3"/>
+          </a:solidFill>
+          <a:ln>
+            <a:noFill/>
+          </a:ln>
+        </p:spPr>
+        <p:style>
+          <a:lnRef idx="2">
+            <a:schemeClr val="accent3"/>
+          </a:lnRef>
+          <a:fillRef idx="1">
+            <a:schemeClr val="lt1"/>
+          </a:fillRef>
+          <a:effectRef idx="0">
+            <a:schemeClr val="accent3"/>
+          </a:effectRef>
+          <a:fontRef idx="minor">
+            <a:schemeClr val="dk1"/>
+          </a:fontRef>
+        </p:style>
+        <p:txBody>
+          <a:bodyPr anchor="ctr"/>
+          <a:lstStyle/>
+          <a:p>
+            <a:pPr algn="ctr" fontAlgn="auto">
+              <a:spcBef>
+                <a:spcPts val="0"/>
+              </a:spcBef>
+              <a:spcAft>
+                <a:spcPts val="0"/>
+              </a:spcAft>
+              <a:defRPr/>
+            </a:pPr>
+            <a:endParaRPr lang="en-US" sz="1600" dirty="0"/>
+          </a:p>
+        </p:txBody>
+      </p:sp>
+      <p:sp>
+        <p:nvSpPr>
+          <p:cNvPr id="14" name="Rectangle 13"/>
+          <p:cNvSpPr/>
+          <p:nvPr/>
+        </p:nvSpPr>
+        <p:spPr>
+          <a:xfrm>
+            <a:off x="2971800" y="3048000"/>
+            <a:ext cx="2057400" cy="228600"/>
+          </a:xfrm>
+          <a:prstGeom prst="rect">
+            <a:avLst/>
+          </a:prstGeom>
+          <a:solidFill>
+            <a:schemeClr val="accent3"/>
+          </a:solidFill>
+          <a:ln>
+            <a:noFill/>
+          </a:ln>
+        </p:spPr>
+        <p:style>
+          <a:lnRef idx="2">
+            <a:schemeClr val="accent3"/>
+          </a:lnRef>
+          <a:fillRef idx="1">
+            <a:schemeClr val="lt1"/>
+          </a:fillRef>
+          <a:effectRef idx="0">
+            <a:schemeClr val="accent3"/>
+          </a:effectRef>
+          <a:fontRef idx="minor">
+            <a:schemeClr val="dk1"/>
+          </a:fontRef>
+        </p:style>
+        <p:txBody>
+          <a:bodyPr anchor="ctr"/>
+          <a:lstStyle/>
+          <a:p>
+            <a:pPr algn="ctr" fontAlgn="auto">
+              <a:spcBef>
+                <a:spcPts val="0"/>
+              </a:spcBef>
+              <a:spcAft>
+                <a:spcPts val="0"/>
+              </a:spcAft>
+              <a:defRPr/>
+            </a:pPr>
+            <a:endParaRPr lang="en-US" sz="1600" dirty="0"/>
+          </a:p>
+        </p:txBody>
+      </p:sp>
+      <p:sp>
+        <p:nvSpPr>
+          <p:cNvPr id="15" name="Rectangle 14"/>
+          <p:cNvSpPr/>
+          <p:nvPr/>
+        </p:nvSpPr>
+        <p:spPr>
+          <a:xfrm>
+            <a:off x="2971800" y="2667000"/>
+            <a:ext cx="533400" cy="228600"/>
+          </a:xfrm>
+          <a:prstGeom prst="rect">
+            <a:avLst/>
+          </a:prstGeom>
+          <a:solidFill>
+            <a:schemeClr val="accent3"/>
+          </a:solidFill>
+          <a:ln>
+            <a:noFill/>
+          </a:ln>
+        </p:spPr>
+        <p:style>
+          <a:lnRef idx="2">
+            <a:schemeClr val="accent3"/>
+          </a:lnRef>
+          <a:fillRef idx="1">
+            <a:schemeClr val="lt1"/>
+          </a:fillRef>
+          <a:effectRef idx="0">
+            <a:schemeClr val="accent3"/>
+          </a:effectRef>
+          <a:fontRef idx="minor">
+            <a:schemeClr val="dk1"/>
+          </a:fontRef>
+        </p:style>
+        <p:txBody>
+          <a:bodyPr anchor="ctr"/>
+          <a:lstStyle/>
+          <a:p>
+            <a:pPr algn="ctr" fontAlgn="auto">
+              <a:spcBef>
+                <a:spcPts val="0"/>
+              </a:spcBef>
+              <a:spcAft>
+                <a:spcPts val="0"/>
+              </a:spcAft>
+              <a:defRPr/>
+            </a:pPr>
+            <a:endParaRPr lang="en-US" sz="1600" dirty="0"/>
+          </a:p>
+        </p:txBody>
+      </p:sp>
+      <p:sp>
+        <p:nvSpPr>
+          <p:cNvPr id="16" name="Rectangle 15"/>
+          <p:cNvSpPr/>
+          <p:nvPr/>
+        </p:nvSpPr>
+        <p:spPr>
+          <a:xfrm>
+            <a:off x="2971800" y="2209800"/>
+            <a:ext cx="1143000" cy="228600"/>
+          </a:xfrm>
+          <a:prstGeom prst="rect">
+            <a:avLst/>
+          </a:prstGeom>
+          <a:solidFill>
+            <a:schemeClr val="accent3"/>
+          </a:solidFill>
+          <a:ln>
+            <a:noFill/>
+          </a:ln>
+        </p:spPr>
+        <p:style>
+          <a:lnRef idx="2">
+            <a:schemeClr val="accent3"/>
+          </a:lnRef>
+          <a:fillRef idx="1">
+            <a:schemeClr val="lt1"/>
+          </a:fillRef>
+          <a:effectRef idx="0">
+            <a:schemeClr val="accent3"/>
+          </a:effectRef>
+          <a:fontRef idx="minor">
+            <a:schemeClr val="dk1"/>
+          </a:fontRef>
+        </p:style>
+        <p:txBody>
+          <a:bodyPr anchor="ctr"/>
+          <a:lstStyle/>
+          <a:p>
+            <a:pPr algn="ctr" fontAlgn="auto">
+              <a:spcBef>
+                <a:spcPts val="0"/>
+              </a:spcBef>
+              <a:spcAft>
+                <a:spcPts val="0"/>
+              </a:spcAft>
+              <a:defRPr/>
+            </a:pPr>
+            <a:endParaRPr lang="en-US" sz="1600" dirty="0"/>
+          </a:p>
+        </p:txBody>
+      </p:sp>
+      <p:sp>
+        <p:nvSpPr>
+          <p:cNvPr id="17" name="Rectangle 16"/>
+          <p:cNvSpPr/>
+          <p:nvPr/>
+        </p:nvSpPr>
+        <p:spPr>
+          <a:xfrm>
+            <a:off x="2971800" y="1524000"/>
+            <a:ext cx="2057400" cy="457200"/>
+          </a:xfrm>
+          <a:prstGeom prst="rect">
+            <a:avLst/>
+          </a:prstGeom>
+          <a:noFill/>
+          <a:ln>
+            <a:noFill/>
+          </a:ln>
+        </p:spPr>
+        <p:style>
+          <a:lnRef idx="2">
+            <a:schemeClr val="dk1"/>
+          </a:lnRef>
+          <a:fillRef idx="1">
+            <a:schemeClr val="lt1"/>
+          </a:fillRef>
+          <a:effectRef idx="0">
+            <a:schemeClr val="dk1"/>
+          </a:effectRef>
+          <a:fontRef idx="minor">
+            <a:schemeClr val="dk1"/>
+          </a:fontRef>
+        </p:style>
+        <p:txBody>
+          <a:bodyPr anchor="ctr"/>
+          <a:lstStyle/>
+          <a:p>
+            <a:pPr algn="ctr" fontAlgn="auto">
+              <a:spcBef>
+                <a:spcPts val="0"/>
+              </a:spcBef>
+              <a:spcAft>
+                <a:spcPts val="0"/>
+              </a:spcAft>
+              <a:defRPr/>
+            </a:pPr>
+            <a:r>
+              <a:rPr lang="en-US" sz="1600" dirty="0"/>
+              <a:t>Code Generation Feasibility</a:t>
+            </a:r>
+          </a:p>
+        </p:txBody>
+      </p:sp>
+      <p:sp>
+        <p:nvSpPr>
+          <p:cNvPr id="19" name="Rectangle 18"/>
+          <p:cNvSpPr/>
+          <p:nvPr/>
+        </p:nvSpPr>
+        <p:spPr>
+          <a:xfrm>
+            <a:off x="4114800" y="2209800"/>
+            <a:ext cx="914400" cy="228600"/>
+          </a:xfrm>
+          <a:prstGeom prst="rect">
+            <a:avLst/>
+          </a:prstGeom>
+          <a:solidFill>
+            <a:schemeClr val="accent2"/>
+          </a:solidFill>
+          <a:ln>
+            <a:noFill/>
+          </a:ln>
+        </p:spPr>
+        <p:style>
+          <a:lnRef idx="2">
+            <a:schemeClr val="accent3"/>
+          </a:lnRef>
+          <a:fillRef idx="1">
+            <a:schemeClr val="lt1"/>
+          </a:fillRef>
+          <a:effectRef idx="0">
+            <a:schemeClr val="accent3"/>
+          </a:effectRef>
+          <a:fontRef idx="minor">
+            <a:schemeClr val="dk1"/>
+          </a:fontRef>
+        </p:style>
+        <p:txBody>
+          <a:bodyPr anchor="ctr"/>
+          <a:lstStyle/>
+          <a:p>
+            <a:pPr algn="ctr" fontAlgn="auto">
+              <a:spcBef>
+                <a:spcPts val="0"/>
+              </a:spcBef>
+              <a:spcAft>
+                <a:spcPts val="0"/>
+              </a:spcAft>
+              <a:defRPr/>
+            </a:pPr>
+            <a:endParaRPr lang="en-US" sz="1600" dirty="0"/>
+          </a:p>
+        </p:txBody>
+      </p:sp>
+      <p:sp>
+        <p:nvSpPr>
+          <p:cNvPr id="20" name="Rectangle 19"/>
+          <p:cNvSpPr/>
+          <p:nvPr/>
+        </p:nvSpPr>
+        <p:spPr>
+          <a:xfrm>
+            <a:off x="3505200" y="2667000"/>
+            <a:ext cx="1524000" cy="228600"/>
+          </a:xfrm>
+          <a:prstGeom prst="rect">
+            <a:avLst/>
+          </a:prstGeom>
+          <a:solidFill>
+            <a:schemeClr val="accent2"/>
+          </a:solidFill>
+          <a:ln>
+            <a:noFill/>
+          </a:ln>
+        </p:spPr>
+        <p:style>
+          <a:lnRef idx="2">
+            <a:schemeClr val="accent3"/>
+          </a:lnRef>
+          <a:fillRef idx="1">
+            <a:schemeClr val="lt1"/>
+          </a:fillRef>
+          <a:effectRef idx="0">
+            <a:schemeClr val="accent3"/>
+          </a:effectRef>
+          <a:fontRef idx="minor">
+            <a:schemeClr val="dk1"/>
+          </a:fontRef>
+        </p:style>
+        <p:txBody>
+          <a:bodyPr anchor="ctr"/>
+          <a:lstStyle/>
+          <a:p>
+            <a:pPr algn="ctr" fontAlgn="auto">
+              <a:spcBef>
+                <a:spcPts val="0"/>
+              </a:spcBef>
+              <a:spcAft>
+                <a:spcPts val="0"/>
+              </a:spcAft>
+              <a:defRPr/>
+            </a:pPr>
+            <a:endParaRPr lang="en-US" sz="1600" dirty="0"/>
+          </a:p>
+        </p:txBody>
+      </p:sp>
+      <p:sp>
+        <p:nvSpPr>
+          <p:cNvPr id="21" name="Rectangle 20"/>
+          <p:cNvSpPr/>
+          <p:nvPr/>
+        </p:nvSpPr>
+        <p:spPr>
+          <a:xfrm>
+            <a:off x="4495800" y="3505200"/>
+            <a:ext cx="533400" cy="228600"/>
+          </a:xfrm>
+          <a:prstGeom prst="rect">
+            <a:avLst/>
+          </a:prstGeom>
+          <a:solidFill>
+            <a:schemeClr val="accent2"/>
+          </a:solidFill>
+          <a:ln>
+            <a:noFill/>
+          </a:ln>
+        </p:spPr>
+        <p:style>
+          <a:lnRef idx="2">
+            <a:schemeClr val="accent3"/>
+          </a:lnRef>
+          <a:fillRef idx="1">
+            <a:schemeClr val="lt1"/>
+          </a:fillRef>
+          <a:effectRef idx="0">
+            <a:schemeClr val="accent3"/>
+          </a:effectRef>
+          <a:fontRef idx="minor">
+            <a:schemeClr val="dk1"/>
+          </a:fontRef>
+        </p:style>
+        <p:txBody>
+          <a:bodyPr anchor="ctr"/>
+          <a:lstStyle/>
+          <a:p>
+            <a:pPr algn="ctr" fontAlgn="auto">
+              <a:spcBef>
+                <a:spcPts val="0"/>
+              </a:spcBef>
+              <a:spcAft>
+                <a:spcPts val="0"/>
+              </a:spcAft>
+              <a:defRPr/>
+            </a:pPr>
+            <a:endParaRPr lang="en-US" sz="1600" dirty="0"/>
+          </a:p>
+        </p:txBody>
+      </p:sp>
+      <p:sp>
+        <p:nvSpPr>
+          <p:cNvPr id="22" name="Rectangle 21"/>
+          <p:cNvSpPr/>
+          <p:nvPr/>
+        </p:nvSpPr>
+        <p:spPr>
+          <a:xfrm>
+            <a:off x="4876800" y="3886200"/>
+            <a:ext cx="152400" cy="228600"/>
+          </a:xfrm>
+          <a:prstGeom prst="rect">
+            <a:avLst/>
+          </a:prstGeom>
+          <a:solidFill>
+            <a:schemeClr val="accent2"/>
+          </a:solidFill>
+          <a:ln>
+            <a:noFill/>
+          </a:ln>
+        </p:spPr>
+        <p:style>
+          <a:lnRef idx="2">
+            <a:schemeClr val="accent3"/>
+          </a:lnRef>
+          <a:fillRef idx="1">
+            <a:schemeClr val="lt1"/>
+          </a:fillRef>
+          <a:effectRef idx="0">
+            <a:schemeClr val="accent3"/>
+          </a:effectRef>
+          <a:fontRef idx="minor">
+            <a:schemeClr val="dk1"/>
+          </a:fontRef>
+        </p:style>
+        <p:txBody>
+          <a:bodyPr anchor="ctr"/>
+          <a:lstStyle/>
+          <a:p>
+            <a:pPr algn="ctr" fontAlgn="auto">
+              <a:spcBef>
+                <a:spcPts val="0"/>
+              </a:spcBef>
+              <a:spcAft>
+                <a:spcPts val="0"/>
+              </a:spcAft>
+              <a:defRPr/>
+            </a:pPr>
+            <a:endParaRPr lang="en-US" sz="1600" dirty="0"/>
+          </a:p>
+        </p:txBody>
+      </p:sp>
+      <p:sp>
+        <p:nvSpPr>
+          <p:cNvPr id="23" name="Rectangle 22"/>
+          <p:cNvSpPr/>
+          <p:nvPr/>
+        </p:nvSpPr>
+        <p:spPr>
+          <a:xfrm>
+            <a:off x="2971800" y="4343400"/>
+            <a:ext cx="228600" cy="228600"/>
+          </a:xfrm>
+          <a:prstGeom prst="rect">
+            <a:avLst/>
+          </a:prstGeom>
+          <a:solidFill>
+            <a:schemeClr val="accent3"/>
+          </a:solidFill>
+          <a:ln>
+            <a:noFill/>
+          </a:ln>
+        </p:spPr>
+        <p:style>
+          <a:lnRef idx="2">
+            <a:schemeClr val="accent3"/>
+          </a:lnRef>
+          <a:fillRef idx="1">
+            <a:schemeClr val="lt1"/>
+          </a:fillRef>
+          <a:effectRef idx="0">
+            <a:schemeClr val="accent3"/>
+          </a:effectRef>
+          <a:fontRef idx="minor">
+            <a:schemeClr val="dk1"/>
+          </a:fontRef>
+        </p:style>
+        <p:txBody>
+          <a:bodyPr anchor="ctr"/>
+          <a:lstStyle/>
+          <a:p>
+            <a:pPr algn="ctr" fontAlgn="auto">
+              <a:spcBef>
+                <a:spcPts val="0"/>
+              </a:spcBef>
+              <a:spcAft>
+                <a:spcPts val="0"/>
+              </a:spcAft>
+              <a:defRPr/>
+            </a:pPr>
+            <a:endParaRPr lang="en-US" sz="1600" dirty="0"/>
+          </a:p>
+        </p:txBody>
+      </p:sp>
+      <p:sp>
+        <p:nvSpPr>
+          <p:cNvPr id="24" name="Rectangle 23"/>
+          <p:cNvSpPr/>
+          <p:nvPr/>
+        </p:nvSpPr>
+        <p:spPr>
+          <a:xfrm>
+            <a:off x="2971800" y="4648200"/>
+            <a:ext cx="228600" cy="228600"/>
+          </a:xfrm>
+          <a:prstGeom prst="rect">
+            <a:avLst/>
+          </a:prstGeom>
+          <a:solidFill>
+            <a:schemeClr val="accent2"/>
+          </a:solidFill>
+          <a:ln>
+            <a:noFill/>
+          </a:ln>
+        </p:spPr>
+        <p:style>
+          <a:lnRef idx="2">
+            <a:schemeClr val="accent3"/>
+          </a:lnRef>
+          <a:fillRef idx="1">
+            <a:schemeClr val="lt1"/>
+          </a:fillRef>
+          <a:effectRef idx="0">
+            <a:schemeClr val="accent3"/>
+          </a:effectRef>
+          <a:fontRef idx="minor">
+            <a:schemeClr val="dk1"/>
+          </a:fontRef>
+        </p:style>
+        <p:txBody>
+          <a:bodyPr anchor="ctr"/>
+          <a:lstStyle/>
+          <a:p>
+            <a:pPr algn="ctr" fontAlgn="auto">
+              <a:spcBef>
+                <a:spcPts val="0"/>
+              </a:spcBef>
+              <a:spcAft>
+                <a:spcPts val="0"/>
+              </a:spcAft>
+              <a:defRPr/>
+            </a:pPr>
+            <a:endParaRPr lang="en-US" sz="1600" dirty="0"/>
+          </a:p>
+        </p:txBody>
+      </p:sp>
+      <p:sp>
+        <p:nvSpPr>
+          <p:cNvPr id="29" name="Rectangle 28"/>
+          <p:cNvSpPr/>
+          <p:nvPr/>
+        </p:nvSpPr>
+        <p:spPr>
+          <a:xfrm>
+            <a:off x="3200400" y="4343400"/>
+            <a:ext cx="2362200" cy="228600"/>
+          </a:xfrm>
+          <a:prstGeom prst="rect">
+            <a:avLst/>
+          </a:prstGeom>
+          <a:noFill/>
+          <a:ln>
+            <a:noFill/>
+          </a:ln>
+        </p:spPr>
+        <p:style>
+          <a:lnRef idx="2">
+            <a:schemeClr val="dk1"/>
+          </a:lnRef>
+          <a:fillRef idx="1">
+            <a:schemeClr val="lt1"/>
+          </a:fillRef>
+          <a:effectRef idx="0">
+            <a:schemeClr val="dk1"/>
+          </a:effectRef>
+          <a:fontRef idx="minor">
+            <a:schemeClr val="dk1"/>
+          </a:fontRef>
+        </p:style>
+        <p:txBody>
+          <a:bodyPr anchor="ctr"/>
+          <a:lstStyle/>
+          <a:p>
+            <a:pPr fontAlgn="auto">
+              <a:spcBef>
+                <a:spcPts val="0"/>
+              </a:spcBef>
+              <a:spcAft>
+                <a:spcPts val="0"/>
+              </a:spcAft>
+              <a:defRPr/>
+            </a:pPr>
+            <a:r>
+              <a:rPr lang="en-US" sz="1300" dirty="0"/>
+              <a:t>Auto-generation candidate</a:t>
+            </a:r>
+          </a:p>
+        </p:txBody>
+      </p:sp>
+      <p:sp>
+        <p:nvSpPr>
+          <p:cNvPr id="30" name="Rectangle 29"/>
+          <p:cNvSpPr/>
+          <p:nvPr/>
+        </p:nvSpPr>
+        <p:spPr>
+          <a:xfrm>
+            <a:off x="3200400" y="4648200"/>
+            <a:ext cx="2362200" cy="228600"/>
+          </a:xfrm>
+          <a:prstGeom prst="rect">
+            <a:avLst/>
+          </a:prstGeom>
+          <a:noFill/>
+          <a:ln>
+            <a:noFill/>
+          </a:ln>
+        </p:spPr>
+        <p:style>
+          <a:lnRef idx="2">
+            <a:schemeClr val="dk1"/>
+          </a:lnRef>
+          <a:fillRef idx="1">
+            <a:schemeClr val="lt1"/>
+          </a:fillRef>
+          <a:effectRef idx="0">
+            <a:schemeClr val="dk1"/>
+          </a:effectRef>
+          <a:fontRef idx="minor">
+            <a:schemeClr val="dk1"/>
+          </a:fontRef>
+        </p:style>
+        <p:txBody>
+          <a:bodyPr anchor="ctr"/>
+          <a:lstStyle/>
+          <a:p>
+            <a:pPr fontAlgn="auto">
+              <a:spcBef>
+                <a:spcPts val="0"/>
+              </a:spcBef>
+              <a:spcAft>
+                <a:spcPts val="0"/>
+              </a:spcAft>
+              <a:defRPr/>
+            </a:pPr>
+            <a:r>
+              <a:rPr lang="en-US" sz="1300" dirty="0"/>
+              <a:t>Code must be written manually</a:t>
+            </a:r>
+          </a:p>
+        </p:txBody>
+      </p:sp>
+    </p:spTree>
+  </p:cSld>
+  <p:clrMapOvr>
+    <a:masterClrMapping/>
+  </p:clrMapOvr>
+</p:sld>
+</file>
+
+<file path=ppt/slides/slide6.xml><?xml version="1.0" encoding="utf-8"?>
+<p:sld xmlns:a="http://schemas.openxmlformats.org/drawingml/2006/main" xmlns:r="http://schemas.openxmlformats.org/officeDocument/2006/relationships" xmlns:p="http://schemas.openxmlformats.org/presentationml/2006/main">
+  <p:cSld>
+    <p:spTree>
+      <p:nvGrpSpPr>
+        <p:cNvPr id="1" name=""/>
+        <p:cNvGrpSpPr/>
+        <p:nvPr/>
+      </p:nvGrpSpPr>
+      <p:grpSpPr>
+        <a:xfrm>
+          <a:off x="0" y="0"/>
+          <a:ext cx="0" cy="0"/>
+          <a:chOff x="0" y="0"/>
+          <a:chExt cx="0" cy="0"/>
+        </a:xfrm>
+      </p:grpSpPr>
       <p:sp>
         <p:nvSpPr>
           <p:cNvPr id="128" name="Rounded Rectangle 127"/>
@@ -3059,10 +8333,7 @@
                 <a:srgbClr val="FFFFCC"/>
               </a:gs>
               <a:gs pos="100000">
-                <a:schemeClr val="dk1">
-                  <a:tint val="15000"/>
-                  <a:satMod val="350000"/>
-                </a:schemeClr>
+                <a:schemeClr val="bg1"/>
               </a:gs>
             </a:gsLst>
           </a:gradFill>
@@ -3121,10 +8392,7 @@
                 <a:srgbClr val="FFFFCC"/>
               </a:gs>
               <a:gs pos="100000">
-                <a:schemeClr val="dk1">
-                  <a:tint val="15000"/>
-                  <a:satMod val="350000"/>
-                </a:schemeClr>
+                <a:schemeClr val="bg1"/>
               </a:gs>
             </a:gsLst>
           </a:gradFill>
@@ -3179,10 +8447,7 @@
                 <a:srgbClr val="FFFFCC"/>
               </a:gs>
               <a:gs pos="100000">
-                <a:schemeClr val="dk1">
-                  <a:tint val="15000"/>
-                  <a:satMod val="350000"/>
-                </a:schemeClr>
+                <a:schemeClr val="bg1"/>
               </a:gs>
             </a:gsLst>
           </a:gradFill>
@@ -3595,11 +8860,6 @@
               </a:rPr>
               <a:t>2</a:t>
             </a:r>
-            <a:endParaRPr lang="en-US" sz="1000" dirty="0">
-              <a:solidFill>
-                <a:schemeClr val="tx1"/>
-              </a:solidFill>
-            </a:endParaRPr>
           </a:p>
         </p:txBody>
       </p:sp>
@@ -3689,10 +8949,7 @@
                 <a:srgbClr val="FFFFCC"/>
               </a:gs>
               <a:gs pos="100000">
-                <a:schemeClr val="dk1">
-                  <a:tint val="15000"/>
-                  <a:satMod val="350000"/>
-                </a:schemeClr>
+                <a:schemeClr val="bg1"/>
               </a:gs>
             </a:gsLst>
           </a:gradFill>
@@ -3856,11 +9113,6 @@
               </a:rPr>
               <a:t>4</a:t>
             </a:r>
-            <a:endParaRPr lang="en-US" sz="1000" dirty="0">
-              <a:solidFill>
-                <a:schemeClr val="tx1"/>
-              </a:solidFill>
-            </a:endParaRPr>
           </a:p>
         </p:txBody>
       </p:sp>
@@ -3887,10 +9139,7 @@
                 <a:srgbClr val="FFFFCC"/>
               </a:gs>
               <a:gs pos="100000">
-                <a:schemeClr val="dk1">
-                  <a:tint val="15000"/>
-                  <a:satMod val="350000"/>
-                </a:schemeClr>
+                <a:schemeClr val="bg1"/>
               </a:gs>
             </a:gsLst>
           </a:gradFill>
@@ -3953,10 +9202,7 @@
                 <a:srgbClr val="FFFFCC"/>
               </a:gs>
               <a:gs pos="100000">
-                <a:schemeClr val="dk1">
-                  <a:tint val="15000"/>
-                  <a:satMod val="350000"/>
-                </a:schemeClr>
+                <a:schemeClr val="bg1"/>
               </a:gs>
             </a:gsLst>
           </a:gradFill>
@@ -4293,10 +9539,7 @@
                 <a:srgbClr val="FFFFCC"/>
               </a:gs>
               <a:gs pos="100000">
-                <a:schemeClr val="dk1">
-                  <a:tint val="15000"/>
-                  <a:satMod val="350000"/>
-                </a:schemeClr>
+                <a:schemeClr val="bg1"/>
               </a:gs>
             </a:gsLst>
           </a:gradFill>
@@ -4460,11 +9703,6 @@
               </a:rPr>
               <a:t>7</a:t>
             </a:r>
-            <a:endParaRPr lang="en-US" sz="1000" dirty="0">
-              <a:solidFill>
-                <a:schemeClr val="tx1"/>
-              </a:solidFill>
-            </a:endParaRPr>
           </a:p>
         </p:txBody>
       </p:sp>
@@ -5039,10 +10277,7 @@
                 <a:srgbClr val="FFFFCC"/>
               </a:gs>
               <a:gs pos="100000">
-                <a:schemeClr val="dk1">
-                  <a:tint val="15000"/>
-                  <a:satMod val="350000"/>
-                </a:schemeClr>
+                <a:schemeClr val="bg1"/>
               </a:gs>
             </a:gsLst>
           </a:gradFill>
@@ -5096,10 +10331,7 @@
                 <a:srgbClr val="FFFFCC"/>
               </a:gs>
               <a:gs pos="100000">
-                <a:schemeClr val="dk1">
-                  <a:tint val="15000"/>
-                  <a:satMod val="350000"/>
-                </a:schemeClr>
+                <a:schemeClr val="bg1"/>
               </a:gs>
             </a:gsLst>
           </a:gradFill>
@@ -5615,7 +10847,7 @@
 </p:sld>
 </file>
 
-<file path=ppt/slides/slide2.xml><?xml version="1.0" encoding="utf-8"?>
+<file path=ppt/slides/slide7.xml><?xml version="1.0" encoding="utf-8"?>
 <p:sld xmlns:a="http://schemas.openxmlformats.org/drawingml/2006/main" xmlns:r="http://schemas.openxmlformats.org/officeDocument/2006/relationships" xmlns:p="http://schemas.openxmlformats.org/presentationml/2006/main">
   <p:cSld>
     <p:spTree>
@@ -6472,4 +11704,287 @@
   <a:objectDefaults/>
   <a:extraClrSchemeLst/>
 </a:theme>
+</file>
+
+<file path=ppt/theme/theme2.xml><?xml version="1.0" encoding="utf-8"?>
+<a:theme xmlns:a="http://schemas.openxmlformats.org/drawingml/2006/main" name="Office Theme">
+  <a:themeElements>
+    <a:clrScheme name="Office">
+      <a:dk1>
+        <a:sysClr val="windowText" lastClr="000000"/>
+      </a:dk1>
+      <a:lt1>
+        <a:sysClr val="window" lastClr="FFFFFF"/>
+      </a:lt1>
+      <a:dk2>
+        <a:srgbClr val="1F497D"/>
+      </a:dk2>
+      <a:lt2>
+        <a:srgbClr val="EEECE1"/>
+      </a:lt2>
+      <a:accent1>
+        <a:srgbClr val="4F81BD"/>
+      </a:accent1>
+      <a:accent2>
+        <a:srgbClr val="C0504D"/>
+      </a:accent2>
+      <a:accent3>
+        <a:srgbClr val="9BBB59"/>
+      </a:accent3>
+      <a:accent4>
+        <a:srgbClr val="8064A2"/>
+      </a:accent4>
+      <a:accent5>
+        <a:srgbClr val="4BACC6"/>
+      </a:accent5>
+      <a:accent6>
+        <a:srgbClr val="F79646"/>
+      </a:accent6>
+      <a:hlink>
+        <a:srgbClr val="0000FF"/>
+      </a:hlink>
+      <a:folHlink>
+        <a:srgbClr val="800080"/>
+      </a:folHlink>
+    </a:clrScheme>
+    <a:fontScheme name="Office">
+      <a:majorFont>
+        <a:latin typeface="Calibri"/>
+        <a:ea typeface=""/>
+        <a:cs typeface=""/>
+        <a:font script="Jpan" typeface="ＭＳ Ｐゴシック"/>
+        <a:font script="Hang" typeface="맑은 고딕"/>
+        <a:font script="Hans" typeface="宋体"/>
+        <a:font script="Hant" typeface="新細明體"/>
+        <a:font script="Arab" typeface="Times New Roman"/>
+        <a:font script="Hebr" typeface="Times New Roman"/>
+        <a:font script="Thai" typeface="Angsana New"/>
+        <a:font script="Ethi" typeface="Nyala"/>
+        <a:font script="Beng" typeface="Vrinda"/>
+        <a:font script="Gujr" typeface="Shruti"/>
+        <a:font script="Khmr" typeface="MoolBoran"/>
+        <a:font script="Knda" typeface="Tunga"/>
+        <a:font script="Guru" typeface="Raavi"/>
+        <a:font script="Cans" typeface="Euphemia"/>
+        <a:font script="Cher" typeface="Plantagenet Cherokee"/>
+        <a:font script="Yiii" typeface="Microsoft Yi Baiti"/>
+        <a:font script="Tibt" typeface="Microsoft Himalaya"/>
+        <a:font script="Thaa" typeface="MV Boli"/>
+        <a:font script="Deva" typeface="Mangal"/>
+        <a:font script="Telu" typeface="Gautami"/>
+        <a:font script="Taml" typeface="Latha"/>
+        <a:font script="Syrc" typeface="Estrangelo Edessa"/>
+        <a:font script="Orya" typeface="Kalinga"/>
+        <a:font script="Mlym" typeface="Kartika"/>
+        <a:font script="Laoo" typeface="DokChampa"/>
+        <a:font script="Sinh" typeface="Iskoola Pota"/>
+        <a:font script="Mong" typeface="Mongolian Baiti"/>
+        <a:font script="Viet" typeface="Times New Roman"/>
+        <a:font script="Uigh" typeface="Microsoft Uighur"/>
+      </a:majorFont>
+      <a:minorFont>
+        <a:latin typeface="Calibri"/>
+        <a:ea typeface=""/>
+        <a:cs typeface=""/>
+        <a:font script="Jpan" typeface="ＭＳ Ｐゴシック"/>
+        <a:font script="Hang" typeface="맑은 고딕"/>
+        <a:font script="Hans" typeface="宋体"/>
+        <a:font script="Hant" typeface="新細明體"/>
+        <a:font script="Arab" typeface="Arial"/>
+        <a:font script="Hebr" typeface="Arial"/>
+        <a:font script="Thai" typeface="Cordia New"/>
+        <a:font script="Ethi" typeface="Nyala"/>
+        <a:font script="Beng" typeface="Vrinda"/>
+        <a:font script="Gujr" typeface="Shruti"/>
+        <a:font script="Khmr" typeface="DaunPenh"/>
+        <a:font script="Knda" typeface="Tunga"/>
+        <a:font script="Guru" typeface="Raavi"/>
+        <a:font script="Cans" typeface="Euphemia"/>
+        <a:font script="Cher" typeface="Plantagenet Cherokee"/>
+        <a:font script="Yiii" typeface="Microsoft Yi Baiti"/>
+        <a:font script="Tibt" typeface="Microsoft Himalaya"/>
+        <a:font script="Thaa" typeface="MV Boli"/>
+        <a:font script="Deva" typeface="Mangal"/>
+        <a:font script="Telu" typeface="Gautami"/>
+        <a:font script="Taml" typeface="Latha"/>
+        <a:font script="Syrc" typeface="Estrangelo Edessa"/>
+        <a:font script="Orya" typeface="Kalinga"/>
+        <a:font script="Mlym" typeface="Kartika"/>
+        <a:font script="Laoo" typeface="DokChampa"/>
+        <a:font script="Sinh" typeface="Iskoola Pota"/>
+        <a:font script="Mong" typeface="Mongolian Baiti"/>
+        <a:font script="Viet" typeface="Arial"/>
+        <a:font script="Uigh" typeface="Microsoft Uighur"/>
+      </a:minorFont>
+    </a:fontScheme>
+    <a:fmtScheme name="Office">
+      <a:fillStyleLst>
+        <a:solidFill>
+          <a:schemeClr val="phClr"/>
+        </a:solidFill>
+        <a:gradFill rotWithShape="1">
+          <a:gsLst>
+            <a:gs pos="0">
+              <a:schemeClr val="phClr">
+                <a:tint val="50000"/>
+                <a:satMod val="300000"/>
+              </a:schemeClr>
+            </a:gs>
+            <a:gs pos="35000">
+              <a:schemeClr val="phClr">
+                <a:tint val="37000"/>
+                <a:satMod val="300000"/>
+              </a:schemeClr>
+            </a:gs>
+            <a:gs pos="100000">
+              <a:schemeClr val="phClr">
+                <a:tint val="15000"/>
+                <a:satMod val="350000"/>
+              </a:schemeClr>
+            </a:gs>
+          </a:gsLst>
+          <a:lin ang="16200000" scaled="1"/>
+        </a:gradFill>
+        <a:gradFill rotWithShape="1">
+          <a:gsLst>
+            <a:gs pos="0">
+              <a:schemeClr val="phClr">
+                <a:shade val="51000"/>
+                <a:satMod val="130000"/>
+              </a:schemeClr>
+            </a:gs>
+            <a:gs pos="80000">
+              <a:schemeClr val="phClr">
+                <a:shade val="93000"/>
+                <a:satMod val="130000"/>
+              </a:schemeClr>
+            </a:gs>
+            <a:gs pos="100000">
+              <a:schemeClr val="phClr">
+                <a:shade val="94000"/>
+                <a:satMod val="135000"/>
+              </a:schemeClr>
+            </a:gs>
+          </a:gsLst>
+          <a:lin ang="16200000" scaled="0"/>
+        </a:gradFill>
+      </a:fillStyleLst>
+      <a:lnStyleLst>
+        <a:ln w="9525" cap="flat" cmpd="sng" algn="ctr">
+          <a:solidFill>
+            <a:schemeClr val="phClr">
+              <a:shade val="95000"/>
+              <a:satMod val="105000"/>
+            </a:schemeClr>
+          </a:solidFill>
+          <a:prstDash val="solid"/>
+        </a:ln>
+        <a:ln w="25400" cap="flat" cmpd="sng" algn="ctr">
+          <a:solidFill>
+            <a:schemeClr val="phClr"/>
+          </a:solidFill>
+          <a:prstDash val="solid"/>
+        </a:ln>
+        <a:ln w="38100" cap="flat" cmpd="sng" algn="ctr">
+          <a:solidFill>
+            <a:schemeClr val="phClr"/>
+          </a:solidFill>
+          <a:prstDash val="solid"/>
+        </a:ln>
+      </a:lnStyleLst>
+      <a:effectStyleLst>
+        <a:effectStyle>
+          <a:effectLst>
+            <a:outerShdw blurRad="40000" dist="20000" dir="5400000" rotWithShape="0">
+              <a:srgbClr val="000000">
+                <a:alpha val="38000"/>
+              </a:srgbClr>
+            </a:outerShdw>
+          </a:effectLst>
+        </a:effectStyle>
+        <a:effectStyle>
+          <a:effectLst>
+            <a:outerShdw blurRad="40000" dist="23000" dir="5400000" rotWithShape="0">
+              <a:srgbClr val="000000">
+                <a:alpha val="35000"/>
+              </a:srgbClr>
+            </a:outerShdw>
+          </a:effectLst>
+        </a:effectStyle>
+        <a:effectStyle>
+          <a:effectLst>
+            <a:outerShdw blurRad="40000" dist="23000" dir="5400000" rotWithShape="0">
+              <a:srgbClr val="000000">
+                <a:alpha val="35000"/>
+              </a:srgbClr>
+            </a:outerShdw>
+          </a:effectLst>
+          <a:scene3d>
+            <a:camera prst="orthographicFront">
+              <a:rot lat="0" lon="0" rev="0"/>
+            </a:camera>
+            <a:lightRig rig="threePt" dir="t">
+              <a:rot lat="0" lon="0" rev="1200000"/>
+            </a:lightRig>
+          </a:scene3d>
+          <a:sp3d>
+            <a:bevelT w="63500" h="25400"/>
+          </a:sp3d>
+        </a:effectStyle>
+      </a:effectStyleLst>
+      <a:bgFillStyleLst>
+        <a:solidFill>
+          <a:schemeClr val="phClr"/>
+        </a:solidFill>
+        <a:gradFill rotWithShape="1">
+          <a:gsLst>
+            <a:gs pos="0">
+              <a:schemeClr val="phClr">
+                <a:tint val="40000"/>
+                <a:satMod val="350000"/>
+              </a:schemeClr>
+            </a:gs>
+            <a:gs pos="40000">
+              <a:schemeClr val="phClr">
+                <a:tint val="45000"/>
+                <a:shade val="99000"/>
+                <a:satMod val="350000"/>
+              </a:schemeClr>
+            </a:gs>
+            <a:gs pos="100000">
+              <a:schemeClr val="phClr">
+                <a:shade val="20000"/>
+                <a:satMod val="255000"/>
+              </a:schemeClr>
+            </a:gs>
+          </a:gsLst>
+          <a:path path="circle">
+            <a:fillToRect l="50000" t="-80000" r="50000" b="180000"/>
+          </a:path>
+        </a:gradFill>
+        <a:gradFill rotWithShape="1">
+          <a:gsLst>
+            <a:gs pos="0">
+              <a:schemeClr val="phClr">
+                <a:tint val="80000"/>
+                <a:satMod val="300000"/>
+              </a:schemeClr>
+            </a:gs>
+            <a:gs pos="100000">
+              <a:schemeClr val="phClr">
+                <a:shade val="30000"/>
+                <a:satMod val="200000"/>
+              </a:schemeClr>
+            </a:gs>
+          </a:gsLst>
+          <a:path path="circle">
+            <a:fillToRect l="50000" t="50000" r="50000" b="50000"/>
+          </a:path>
+        </a:gradFill>
+      </a:bgFillStyleLst>
+    </a:fmtScheme>
+  </a:themeElements>
+  <a:objectDefaults/>
+  <a:extraClrSchemeLst/>
+</a:theme>
 </file>
--- a/wiki/images/source/ImageSource.pptx
+++ b/wiki/images/source/ImageSource.pptx
@@ -5,7 +5,7 @@
     <p:sldMasterId id="2147483648" r:id="rId1"/>
   </p:sldMasterIdLst>
   <p:notesMasterIdLst>
-    <p:notesMasterId r:id="rId9"/>
+    <p:notesMasterId r:id="rId10"/>
   </p:notesMasterIdLst>
   <p:sldIdLst>
     <p:sldId id="260" r:id="rId2"/>
@@ -15,6 +15,7 @@
     <p:sldId id="264" r:id="rId6"/>
     <p:sldId id="257" r:id="rId7"/>
     <p:sldId id="258" r:id="rId8"/>
+    <p:sldId id="265" r:id="rId9"/>
   </p:sldIdLst>
   <p:sldSz cx="9144000" cy="6858000" type="screen4x3"/>
   <p:notesSz cx="6858000" cy="9144000"/>
@@ -198,6 +199,7 @@
           <a:p>
             <a:fld id="{6FAE163B-780F-4FFC-BC46-4E3938EEB30F}" type="datetimeFigureOut">
               <a:rPr lang="en-US" smtClean="0"/>
+              <a:pPr/>
               <a:t>6/18/2009</a:t>
             </a:fld>
             <a:endParaRPr lang="en-US"/>
@@ -359,6 +361,7 @@
           <a:p>
             <a:fld id="{DE84353C-F79F-40A4-AA9E-DC079246FB85}" type="slidenum">
               <a:rPr lang="en-US" smtClean="0"/>
+              <a:pPr/>
               <a:t>‹#›</a:t>
             </a:fld>
             <a:endParaRPr lang="en-US"/>
@@ -6138,13 +6141,13 @@
               <a:defRPr/>
             </a:pPr>
             <a:r>
-              <a:rPr lang="en-US" sz="2200" b="1" dirty="0">
+              <a:rPr lang="en-US" sz="2200" b="1" dirty="0" smtClean="0">
                 <a:latin typeface="Constantia" pitchFamily="18" charset="0"/>
               </a:rPr>
               <a:t>&lt;</a:t>
             </a:r>
             <a:r>
-              <a:rPr lang="en-US" sz="2200" b="1" dirty="0" err="1">
+              <a:rPr lang="en-US" sz="2200" b="1" dirty="0" err="1" smtClean="0">
                 <a:latin typeface="Constantia" pitchFamily="18" charset="0"/>
               </a:rPr>
               <a:t>JSeance</a:t>
@@ -11412,6 +11415,2242 @@
           <a:p>
             <a:pPr algn="ctr"/>
             <a:endParaRPr lang="en-US"/>
+          </a:p>
+        </p:txBody>
+      </p:sp>
+    </p:spTree>
+  </p:cSld>
+  <p:clrMapOvr>
+    <a:masterClrMapping/>
+  </p:clrMapOvr>
+</p:sld>
+</file>
+
+<file path=ppt/slides/slide8.xml><?xml version="1.0" encoding="utf-8"?>
+<p:sld xmlns:a="http://schemas.openxmlformats.org/drawingml/2006/main" xmlns:r="http://schemas.openxmlformats.org/officeDocument/2006/relationships" xmlns:p="http://schemas.openxmlformats.org/presentationml/2006/main">
+  <p:cSld>
+    <p:spTree>
+      <p:nvGrpSpPr>
+        <p:cNvPr id="1" name=""/>
+        <p:cNvGrpSpPr/>
+        <p:nvPr/>
+      </p:nvGrpSpPr>
+      <p:grpSpPr>
+        <a:xfrm>
+          <a:off x="0" y="0"/>
+          <a:ext cx="0" cy="0"/>
+          <a:chOff x="0" y="0"/>
+          <a:chExt cx="0" cy="0"/>
+        </a:xfrm>
+      </p:grpSpPr>
+      <p:sp>
+        <p:nvSpPr>
+          <p:cNvPr id="2" name="Rectangle 1"/>
+          <p:cNvSpPr/>
+          <p:nvPr/>
+        </p:nvSpPr>
+        <p:spPr>
+          <a:xfrm>
+            <a:off x="2057400" y="0"/>
+            <a:ext cx="1676400" cy="2286000"/>
+          </a:xfrm>
+          <a:prstGeom prst="rect">
+            <a:avLst/>
+          </a:prstGeom>
+        </p:spPr>
+        <p:style>
+          <a:lnRef idx="0">
+            <a:schemeClr val="accent3"/>
+          </a:lnRef>
+          <a:fillRef idx="3">
+            <a:schemeClr val="accent3"/>
+          </a:fillRef>
+          <a:effectRef idx="3">
+            <a:schemeClr val="accent3"/>
+          </a:effectRef>
+          <a:fontRef idx="minor">
+            <a:schemeClr val="lt1"/>
+          </a:fontRef>
+        </p:style>
+        <p:txBody>
+          <a:bodyPr rtlCol="0" anchor="ctr"/>
+          <a:lstStyle/>
+          <a:p>
+            <a:pPr algn="ctr"/>
+            <a:r>
+              <a:rPr lang="en-US" sz="1200" dirty="0" smtClean="0"/>
+              <a:t>Model</a:t>
+            </a:r>
+            <a:endParaRPr lang="en-US" sz="1200" dirty="0"/>
+          </a:p>
+        </p:txBody>
+      </p:sp>
+      <p:graphicFrame>
+        <p:nvGraphicFramePr>
+          <p:cNvPr id="3" name="Table 2"/>
+          <p:cNvGraphicFramePr>
+            <a:graphicFrameLocks noGrp="1"/>
+          </p:cNvGraphicFramePr>
+          <p:nvPr/>
+        </p:nvGraphicFramePr>
+        <p:xfrm>
+          <a:off x="3809999" y="0"/>
+          <a:ext cx="3749042" cy="2255520"/>
+        </p:xfrm>
+        <a:graphic>
+          <a:graphicData uri="http://schemas.openxmlformats.org/drawingml/2006/table">
+            <a:tbl>
+              <a:tblPr firstRow="1" bandRow="1">
+                <a:tableStyleId>{7DF18680-E054-41AD-8BC1-D1AEF772440D}</a:tableStyleId>
+              </a:tblPr>
+              <a:tblGrid>
+                <a:gridCol w="844060"/>
+                <a:gridCol w="2904982"/>
+              </a:tblGrid>
+              <a:tr h="152565">
+                <a:tc>
+                  <a:txBody>
+                    <a:bodyPr/>
+                    <a:lstStyle/>
+                    <a:p>
+                      <a:pPr algn="ctr"/>
+                      <a:r>
+                        <a:rPr lang="en-US" sz="800" dirty="0" smtClean="0"/>
+                        <a:t>Attribute Name</a:t>
+                      </a:r>
+                      <a:endParaRPr lang="en-US" sz="800" dirty="0"/>
+                    </a:p>
+                  </a:txBody>
+                  <a:tcPr anchor="ctr"/>
+                </a:tc>
+                <a:tc>
+                  <a:txBody>
+                    <a:bodyPr/>
+                    <a:lstStyle/>
+                    <a:p>
+                      <a:pPr algn="ctr"/>
+                      <a:r>
+                        <a:rPr lang="en-US" sz="800" dirty="0" smtClean="0"/>
+                        <a:t>Description</a:t>
+                      </a:r>
+                      <a:endParaRPr lang="en-US" sz="800" dirty="0"/>
+                    </a:p>
+                  </a:txBody>
+                  <a:tcPr anchor="ctr"/>
+                </a:tc>
+              </a:tr>
+              <a:tr h="152565">
+                <a:tc>
+                  <a:txBody>
+                    <a:bodyPr/>
+                    <a:lstStyle/>
+                    <a:p>
+                      <a:pPr algn="l"/>
+                      <a:r>
+                        <a:rPr lang="en-US" sz="800" b="1" dirty="0" err="1" smtClean="0"/>
+                        <a:t>fileName</a:t>
+                      </a:r>
+                      <a:r>
+                        <a:rPr lang="en-US" sz="800" b="1" dirty="0" smtClean="0"/>
+                        <a:t> </a:t>
+                      </a:r>
+                      <a:endParaRPr lang="en-US" sz="800" b="1" dirty="0"/>
+                    </a:p>
+                  </a:txBody>
+                  <a:tcPr anchor="ctr"/>
+                </a:tc>
+                <a:tc>
+                  <a:txBody>
+                    <a:bodyPr/>
+                    <a:lstStyle/>
+                    <a:p>
+                      <a:pPr algn="l"/>
+                      <a:r>
+                        <a:rPr lang="en-US" sz="800" dirty="0" smtClean="0"/>
+                        <a:t>The filename of the model relative to the Models runtime directory </a:t>
+                      </a:r>
+                      <a:endParaRPr lang="en-US" sz="800" dirty="0"/>
+                    </a:p>
+                  </a:txBody>
+                  <a:tcPr anchor="ctr"/>
+                </a:tc>
+              </a:tr>
+              <a:tr h="326925">
+                <a:tc>
+                  <a:txBody>
+                    <a:bodyPr/>
+                    <a:lstStyle/>
+                    <a:p>
+                      <a:pPr algn="l"/>
+                      <a:r>
+                        <a:rPr lang="en-US" sz="800" i="1" dirty="0" smtClean="0"/>
+                        <a:t>name</a:t>
+                      </a:r>
+                      <a:endParaRPr lang="en-US" sz="800" i="1" dirty="0"/>
+                    </a:p>
+                  </a:txBody>
+                  <a:tcPr anchor="ctr"/>
+                </a:tc>
+                <a:tc>
+                  <a:txBody>
+                    <a:bodyPr/>
+                    <a:lstStyle/>
+                    <a:p>
+                      <a:pPr algn="l"/>
+                      <a:r>
+                        <a:rPr lang="en-US" sz="800" dirty="0" smtClean="0"/>
+                        <a:t>Name of the model if specific model references are needed, the last declared model becomes the current model in the context, make sure to define a model names if you are using multiple input models</a:t>
+                      </a:r>
+                      <a:endParaRPr lang="en-US" sz="800" dirty="0"/>
+                    </a:p>
+                  </a:txBody>
+                  <a:tcPr anchor="ctr"/>
+                </a:tc>
+              </a:tr>
+              <a:tr h="239745">
+                <a:tc>
+                  <a:txBody>
+                    <a:bodyPr/>
+                    <a:lstStyle/>
+                    <a:p>
+                      <a:pPr algn="l"/>
+                      <a:r>
+                        <a:rPr lang="en-US" sz="800" i="1" dirty="0" smtClean="0"/>
+                        <a:t>e4XPath</a:t>
+                      </a:r>
+                      <a:endParaRPr lang="en-US" sz="800" i="1" dirty="0"/>
+                    </a:p>
+                  </a:txBody>
+                  <a:tcPr anchor="ctr"/>
+                </a:tc>
+                <a:tc>
+                  <a:txBody>
+                    <a:bodyPr/>
+                    <a:lstStyle/>
+                    <a:p>
+                      <a:pPr algn="l"/>
+                      <a:r>
+                        <a:rPr lang="en-US" sz="800" dirty="0" smtClean="0"/>
+                        <a:t>The E4X Path of the </a:t>
+                      </a:r>
+                      <a:r>
+                        <a:rPr lang="en-US" sz="800" dirty="0" err="1" smtClean="0"/>
+                        <a:t>currentNode</a:t>
+                      </a:r>
+                      <a:r>
+                        <a:rPr lang="en-US" sz="800" dirty="0" smtClean="0"/>
+                        <a:t>, otherwise </a:t>
+                      </a:r>
+                      <a:r>
+                        <a:rPr lang="en-US" sz="800" dirty="0" err="1" smtClean="0"/>
+                        <a:t>rootNode</a:t>
+                      </a:r>
+                      <a:r>
+                        <a:rPr lang="en-US" sz="800" dirty="0" smtClean="0"/>
+                        <a:t> becomes the </a:t>
+                      </a:r>
+                      <a:r>
+                        <a:rPr lang="en-US" sz="800" dirty="0" err="1" smtClean="0"/>
+                        <a:t>currentNode</a:t>
+                      </a:r>
+                      <a:r>
+                        <a:rPr lang="en-US" sz="800" dirty="0" smtClean="0"/>
+                        <a:t> </a:t>
+                      </a:r>
+                      <a:endParaRPr lang="en-US" sz="800" dirty="0"/>
+                    </a:p>
+                  </a:txBody>
+                  <a:tcPr anchor="ctr"/>
+                </a:tc>
+              </a:tr>
+              <a:tr h="260054">
+                <a:tc>
+                  <a:txBody>
+                    <a:bodyPr/>
+                    <a:lstStyle/>
+                    <a:p>
+                      <a:pPr algn="l"/>
+                      <a:r>
+                        <a:rPr lang="en-US" sz="800" i="1" dirty="0" smtClean="0"/>
+                        <a:t>validate</a:t>
+                      </a:r>
+                      <a:endParaRPr lang="en-US" sz="800" i="1" dirty="0"/>
+                    </a:p>
+                  </a:txBody>
+                  <a:tcPr anchor="ctr"/>
+                </a:tc>
+                <a:tc>
+                  <a:txBody>
+                    <a:bodyPr/>
+                    <a:lstStyle/>
+                    <a:p>
+                      <a:pPr algn="l"/>
+                      <a:r>
+                        <a:rPr lang="en-US" sz="800" dirty="0" smtClean="0"/>
+                        <a:t>Indicates if the parser should validate the XML file against an XSD schema, either included in the XML file or specified in the </a:t>
+                      </a:r>
+                      <a:r>
+                        <a:rPr lang="en-US" sz="800" dirty="0" err="1" smtClean="0"/>
+                        <a:t>xsdFileName</a:t>
+                      </a:r>
+                      <a:r>
+                        <a:rPr lang="en-US" sz="800" dirty="0" smtClean="0"/>
+                        <a:t> parameter</a:t>
+                      </a:r>
+                      <a:endParaRPr lang="en-US" sz="800" dirty="0"/>
+                    </a:p>
+                  </a:txBody>
+                  <a:tcPr anchor="ctr"/>
+                </a:tc>
+              </a:tr>
+              <a:tr h="239745">
+                <a:tc>
+                  <a:txBody>
+                    <a:bodyPr/>
+                    <a:lstStyle/>
+                    <a:p>
+                      <a:pPr algn="l"/>
+                      <a:r>
+                        <a:rPr lang="en-US" sz="800" i="1" dirty="0" err="1" smtClean="0"/>
+                        <a:t>xsdFileName</a:t>
+                      </a:r>
+                      <a:endParaRPr lang="en-US" sz="800" i="1" dirty="0"/>
+                    </a:p>
+                  </a:txBody>
+                  <a:tcPr anchor="ctr"/>
+                </a:tc>
+                <a:tc>
+                  <a:txBody>
+                    <a:bodyPr/>
+                    <a:lstStyle/>
+                    <a:p>
+                      <a:pPr algn="l"/>
+                      <a:r>
+                        <a:rPr lang="en-US" sz="800" dirty="0" smtClean="0"/>
+                        <a:t>Indicates the name of the XSD file to use if validate is true, relative to the Models runtime directory </a:t>
+                      </a:r>
+                      <a:endParaRPr lang="en-US" sz="800" dirty="0"/>
+                    </a:p>
+                  </a:txBody>
+                  <a:tcPr anchor="ctr"/>
+                </a:tc>
+              </a:tr>
+            </a:tbl>
+          </a:graphicData>
+        </a:graphic>
+      </p:graphicFrame>
+      <p:sp>
+        <p:nvSpPr>
+          <p:cNvPr id="4" name="Rectangle 3"/>
+          <p:cNvSpPr/>
+          <p:nvPr/>
+        </p:nvSpPr>
+        <p:spPr>
+          <a:xfrm>
+            <a:off x="2057400" y="2362200"/>
+            <a:ext cx="1676400" cy="457200"/>
+          </a:xfrm>
+          <a:prstGeom prst="rect">
+            <a:avLst/>
+          </a:prstGeom>
+        </p:spPr>
+        <p:style>
+          <a:lnRef idx="0">
+            <a:schemeClr val="accent3"/>
+          </a:lnRef>
+          <a:fillRef idx="3">
+            <a:schemeClr val="accent3"/>
+          </a:fillRef>
+          <a:effectRef idx="3">
+            <a:schemeClr val="accent3"/>
+          </a:effectRef>
+          <a:fontRef idx="minor">
+            <a:schemeClr val="lt1"/>
+          </a:fontRef>
+        </p:style>
+        <p:txBody>
+          <a:bodyPr rtlCol="0" anchor="ctr"/>
+          <a:lstStyle/>
+          <a:p>
+            <a:pPr algn="ctr"/>
+            <a:r>
+              <a:rPr lang="en-US" sz="1200" dirty="0" smtClean="0"/>
+              <a:t>Text</a:t>
+            </a:r>
+            <a:endParaRPr lang="en-US" sz="1200" dirty="0"/>
+          </a:p>
+        </p:txBody>
+      </p:sp>
+      <p:sp>
+        <p:nvSpPr>
+          <p:cNvPr id="6" name="Rectangle 5"/>
+          <p:cNvSpPr/>
+          <p:nvPr/>
+        </p:nvSpPr>
+        <p:spPr>
+          <a:xfrm>
+            <a:off x="2057400" y="2895600"/>
+            <a:ext cx="1676400" cy="457200"/>
+          </a:xfrm>
+          <a:prstGeom prst="rect">
+            <a:avLst/>
+          </a:prstGeom>
+        </p:spPr>
+        <p:style>
+          <a:lnRef idx="0">
+            <a:schemeClr val="accent3"/>
+          </a:lnRef>
+          <a:fillRef idx="3">
+            <a:schemeClr val="accent3"/>
+          </a:fillRef>
+          <a:effectRef idx="3">
+            <a:schemeClr val="accent3"/>
+          </a:effectRef>
+          <a:fontRef idx="minor">
+            <a:schemeClr val="lt1"/>
+          </a:fontRef>
+        </p:style>
+        <p:txBody>
+          <a:bodyPr rtlCol="0" anchor="ctr"/>
+          <a:lstStyle/>
+          <a:p>
+            <a:pPr algn="ctr"/>
+            <a:r>
+              <a:rPr lang="en-US" sz="1200" dirty="0" err="1" smtClean="0"/>
+              <a:t>FileOutput</a:t>
+            </a:r>
+            <a:endParaRPr lang="en-US" sz="1200" dirty="0"/>
+          </a:p>
+        </p:txBody>
+      </p:sp>
+      <p:graphicFrame>
+        <p:nvGraphicFramePr>
+          <p:cNvPr id="7" name="Table 6"/>
+          <p:cNvGraphicFramePr>
+            <a:graphicFrameLocks noGrp="1"/>
+          </p:cNvGraphicFramePr>
+          <p:nvPr/>
+        </p:nvGraphicFramePr>
+        <p:xfrm>
+          <a:off x="3809999" y="2895600"/>
+          <a:ext cx="3749042" cy="426720"/>
+        </p:xfrm>
+        <a:graphic>
+          <a:graphicData uri="http://schemas.openxmlformats.org/drawingml/2006/table">
+            <a:tbl>
+              <a:tblPr firstRow="1" bandRow="1">
+                <a:tableStyleId>{7DF18680-E054-41AD-8BC1-D1AEF772440D}</a:tableStyleId>
+              </a:tblPr>
+              <a:tblGrid>
+                <a:gridCol w="844060"/>
+                <a:gridCol w="2904982"/>
+              </a:tblGrid>
+              <a:tr h="152400">
+                <a:tc>
+                  <a:txBody>
+                    <a:bodyPr/>
+                    <a:lstStyle/>
+                    <a:p>
+                      <a:pPr algn="ctr"/>
+                      <a:r>
+                        <a:rPr lang="en-US" sz="800" dirty="0" smtClean="0"/>
+                        <a:t>Attribute Name</a:t>
+                      </a:r>
+                      <a:endParaRPr lang="en-US" sz="800" dirty="0"/>
+                    </a:p>
+                  </a:txBody>
+                  <a:tcPr anchor="ctr"/>
+                </a:tc>
+                <a:tc>
+                  <a:txBody>
+                    <a:bodyPr/>
+                    <a:lstStyle/>
+                    <a:p>
+                      <a:pPr algn="ctr"/>
+                      <a:r>
+                        <a:rPr lang="en-US" sz="800" dirty="0" smtClean="0"/>
+                        <a:t>Description</a:t>
+                      </a:r>
+                      <a:endParaRPr lang="en-US" sz="800" dirty="0"/>
+                    </a:p>
+                  </a:txBody>
+                  <a:tcPr anchor="ctr"/>
+                </a:tc>
+              </a:tr>
+              <a:tr h="152400">
+                <a:tc>
+                  <a:txBody>
+                    <a:bodyPr/>
+                    <a:lstStyle/>
+                    <a:p>
+                      <a:pPr algn="l"/>
+                      <a:r>
+                        <a:rPr lang="en-US" sz="800" b="1" dirty="0" err="1" smtClean="0"/>
+                        <a:t>fileName</a:t>
+                      </a:r>
+                      <a:r>
+                        <a:rPr lang="en-US" sz="800" b="1" dirty="0" smtClean="0"/>
+                        <a:t> </a:t>
+                      </a:r>
+                      <a:endParaRPr lang="en-US" sz="800" b="1" dirty="0"/>
+                    </a:p>
+                  </a:txBody>
+                  <a:tcPr anchor="ctr"/>
+                </a:tc>
+                <a:tc>
+                  <a:txBody>
+                    <a:bodyPr/>
+                    <a:lstStyle/>
+                    <a:p>
+                      <a:pPr algn="l"/>
+                      <a:r>
+                        <a:rPr lang="en-US" sz="800" dirty="0" smtClean="0"/>
+                        <a:t>The filename to open, relative to the Target runtime directory</a:t>
+                      </a:r>
+                      <a:endParaRPr lang="en-US" sz="800" dirty="0"/>
+                    </a:p>
+                  </a:txBody>
+                  <a:tcPr anchor="ctr"/>
+                </a:tc>
+              </a:tr>
+            </a:tbl>
+          </a:graphicData>
+        </a:graphic>
+      </p:graphicFrame>
+      <p:sp>
+        <p:nvSpPr>
+          <p:cNvPr id="9" name="Rectangle 8"/>
+          <p:cNvSpPr/>
+          <p:nvPr/>
+        </p:nvSpPr>
+        <p:spPr>
+          <a:xfrm>
+            <a:off x="2057400" y="3429000"/>
+            <a:ext cx="914400" cy="1524000"/>
+          </a:xfrm>
+          <a:prstGeom prst="rect">
+            <a:avLst/>
+          </a:prstGeom>
+        </p:spPr>
+        <p:style>
+          <a:lnRef idx="0">
+            <a:schemeClr val="accent3"/>
+          </a:lnRef>
+          <a:fillRef idx="3">
+            <a:schemeClr val="accent3"/>
+          </a:fillRef>
+          <a:effectRef idx="3">
+            <a:schemeClr val="accent3"/>
+          </a:effectRef>
+          <a:fontRef idx="minor">
+            <a:schemeClr val="lt1"/>
+          </a:fontRef>
+        </p:style>
+        <p:txBody>
+          <a:bodyPr rtlCol="0" anchor="ctr"/>
+          <a:lstStyle/>
+          <a:p>
+            <a:pPr algn="ctr"/>
+            <a:r>
+              <a:rPr lang="en-US" sz="1200" dirty="0" smtClean="0"/>
+              <a:t>Conditional</a:t>
+            </a:r>
+            <a:endParaRPr lang="en-US" sz="1200" dirty="0"/>
+          </a:p>
+        </p:txBody>
+      </p:sp>
+      <p:sp>
+        <p:nvSpPr>
+          <p:cNvPr id="10" name="Rectangle 9"/>
+          <p:cNvSpPr/>
+          <p:nvPr/>
+        </p:nvSpPr>
+        <p:spPr>
+          <a:xfrm>
+            <a:off x="3048000" y="3429000"/>
+            <a:ext cx="685800" cy="457200"/>
+          </a:xfrm>
+          <a:prstGeom prst="rect">
+            <a:avLst/>
+          </a:prstGeom>
+        </p:spPr>
+        <p:style>
+          <a:lnRef idx="0">
+            <a:schemeClr val="accent6"/>
+          </a:lnRef>
+          <a:fillRef idx="3">
+            <a:schemeClr val="accent6"/>
+          </a:fillRef>
+          <a:effectRef idx="3">
+            <a:schemeClr val="accent6"/>
+          </a:effectRef>
+          <a:fontRef idx="minor">
+            <a:schemeClr val="lt1"/>
+          </a:fontRef>
+        </p:style>
+        <p:txBody>
+          <a:bodyPr rtlCol="0" anchor="ctr"/>
+          <a:lstStyle/>
+          <a:p>
+            <a:pPr algn="ctr"/>
+            <a:r>
+              <a:rPr lang="en-US" sz="1200" dirty="0" smtClean="0"/>
+              <a:t>If</a:t>
+            </a:r>
+            <a:endParaRPr lang="en-US" sz="1200" dirty="0"/>
+          </a:p>
+        </p:txBody>
+      </p:sp>
+      <p:sp>
+        <p:nvSpPr>
+          <p:cNvPr id="11" name="Rectangle 10"/>
+          <p:cNvSpPr/>
+          <p:nvPr/>
+        </p:nvSpPr>
+        <p:spPr>
+          <a:xfrm>
+            <a:off x="3048000" y="3962400"/>
+            <a:ext cx="685800" cy="457200"/>
+          </a:xfrm>
+          <a:prstGeom prst="rect">
+            <a:avLst/>
+          </a:prstGeom>
+        </p:spPr>
+        <p:style>
+          <a:lnRef idx="0">
+            <a:schemeClr val="accent6"/>
+          </a:lnRef>
+          <a:fillRef idx="3">
+            <a:schemeClr val="accent6"/>
+          </a:fillRef>
+          <a:effectRef idx="3">
+            <a:schemeClr val="accent6"/>
+          </a:effectRef>
+          <a:fontRef idx="minor">
+            <a:schemeClr val="lt1"/>
+          </a:fontRef>
+        </p:style>
+        <p:txBody>
+          <a:bodyPr rtlCol="0" anchor="ctr"/>
+          <a:lstStyle/>
+          <a:p>
+            <a:pPr algn="ctr"/>
+            <a:r>
+              <a:rPr lang="en-US" sz="1200" dirty="0" err="1" smtClean="0"/>
+              <a:t>ElseIf</a:t>
+            </a:r>
+            <a:endParaRPr lang="en-US" sz="1200" dirty="0"/>
+          </a:p>
+        </p:txBody>
+      </p:sp>
+      <p:sp>
+        <p:nvSpPr>
+          <p:cNvPr id="12" name="Rectangle 11"/>
+          <p:cNvSpPr/>
+          <p:nvPr/>
+        </p:nvSpPr>
+        <p:spPr>
+          <a:xfrm>
+            <a:off x="3048000" y="4495800"/>
+            <a:ext cx="685800" cy="457200"/>
+          </a:xfrm>
+          <a:prstGeom prst="rect">
+            <a:avLst/>
+          </a:prstGeom>
+        </p:spPr>
+        <p:style>
+          <a:lnRef idx="0">
+            <a:schemeClr val="accent6"/>
+          </a:lnRef>
+          <a:fillRef idx="3">
+            <a:schemeClr val="accent6"/>
+          </a:fillRef>
+          <a:effectRef idx="3">
+            <a:schemeClr val="accent6"/>
+          </a:effectRef>
+          <a:fontRef idx="minor">
+            <a:schemeClr val="lt1"/>
+          </a:fontRef>
+        </p:style>
+        <p:txBody>
+          <a:bodyPr rtlCol="0" anchor="ctr"/>
+          <a:lstStyle/>
+          <a:p>
+            <a:pPr algn="ctr"/>
+            <a:r>
+              <a:rPr lang="en-US" sz="1200" dirty="0" smtClean="0"/>
+              <a:t>Else</a:t>
+            </a:r>
+            <a:endParaRPr lang="en-US" sz="1200" dirty="0"/>
+          </a:p>
+        </p:txBody>
+      </p:sp>
+      <p:graphicFrame>
+        <p:nvGraphicFramePr>
+          <p:cNvPr id="13" name="Table 12"/>
+          <p:cNvGraphicFramePr>
+            <a:graphicFrameLocks noGrp="1"/>
+          </p:cNvGraphicFramePr>
+          <p:nvPr/>
+        </p:nvGraphicFramePr>
+        <p:xfrm>
+          <a:off x="3809999" y="3459480"/>
+          <a:ext cx="3749042" cy="426720"/>
+        </p:xfrm>
+        <a:graphic>
+          <a:graphicData uri="http://schemas.openxmlformats.org/drawingml/2006/table">
+            <a:tbl>
+              <a:tblPr firstRow="1" bandRow="1">
+                <a:tableStyleId>{7DF18680-E054-41AD-8BC1-D1AEF772440D}</a:tableStyleId>
+              </a:tblPr>
+              <a:tblGrid>
+                <a:gridCol w="844060"/>
+                <a:gridCol w="2904982"/>
+              </a:tblGrid>
+              <a:tr h="152400">
+                <a:tc>
+                  <a:txBody>
+                    <a:bodyPr/>
+                    <a:lstStyle/>
+                    <a:p>
+                      <a:pPr algn="ctr"/>
+                      <a:r>
+                        <a:rPr lang="en-US" sz="800" dirty="0" smtClean="0"/>
+                        <a:t>Attribute Name</a:t>
+                      </a:r>
+                      <a:endParaRPr lang="en-US" sz="800" dirty="0"/>
+                    </a:p>
+                  </a:txBody>
+                  <a:tcPr anchor="ctr"/>
+                </a:tc>
+                <a:tc>
+                  <a:txBody>
+                    <a:bodyPr/>
+                    <a:lstStyle/>
+                    <a:p>
+                      <a:pPr algn="ctr"/>
+                      <a:r>
+                        <a:rPr lang="en-US" sz="800" dirty="0" smtClean="0"/>
+                        <a:t>Description</a:t>
+                      </a:r>
+                      <a:endParaRPr lang="en-US" sz="800" dirty="0"/>
+                    </a:p>
+                  </a:txBody>
+                  <a:tcPr anchor="ctr"/>
+                </a:tc>
+              </a:tr>
+              <a:tr h="152400">
+                <a:tc>
+                  <a:txBody>
+                    <a:bodyPr/>
+                    <a:lstStyle/>
+                    <a:p>
+                      <a:pPr algn="l"/>
+                      <a:r>
+                        <a:rPr lang="en-US" sz="800" b="1" dirty="0" err="1" smtClean="0"/>
+                        <a:t>jsExpression</a:t>
+                      </a:r>
+                      <a:r>
+                        <a:rPr lang="en-US" sz="800" b="1" dirty="0" smtClean="0"/>
+                        <a:t> </a:t>
+                      </a:r>
+                      <a:endParaRPr lang="en-US" sz="800" b="1" dirty="0"/>
+                    </a:p>
+                  </a:txBody>
+                  <a:tcPr anchor="ctr"/>
+                </a:tc>
+                <a:tc>
+                  <a:txBody>
+                    <a:bodyPr/>
+                    <a:lstStyle/>
+                    <a:p>
+                      <a:pPr algn="l"/>
+                      <a:r>
+                        <a:rPr lang="en-US" sz="800" dirty="0" smtClean="0"/>
+                        <a:t>The JavaScript expression to evaluate</a:t>
+                      </a:r>
+                      <a:endParaRPr lang="en-US" sz="800" dirty="0"/>
+                    </a:p>
+                  </a:txBody>
+                  <a:tcPr anchor="ctr"/>
+                </a:tc>
+              </a:tr>
+            </a:tbl>
+          </a:graphicData>
+        </a:graphic>
+      </p:graphicFrame>
+      <p:graphicFrame>
+        <p:nvGraphicFramePr>
+          <p:cNvPr id="14" name="Table 13"/>
+          <p:cNvGraphicFramePr>
+            <a:graphicFrameLocks noGrp="1"/>
+          </p:cNvGraphicFramePr>
+          <p:nvPr/>
+        </p:nvGraphicFramePr>
+        <p:xfrm>
+          <a:off x="3809999" y="3992880"/>
+          <a:ext cx="3749042" cy="426720"/>
+        </p:xfrm>
+        <a:graphic>
+          <a:graphicData uri="http://schemas.openxmlformats.org/drawingml/2006/table">
+            <a:tbl>
+              <a:tblPr firstRow="1" bandRow="1">
+                <a:tableStyleId>{7DF18680-E054-41AD-8BC1-D1AEF772440D}</a:tableStyleId>
+              </a:tblPr>
+              <a:tblGrid>
+                <a:gridCol w="844060"/>
+                <a:gridCol w="2904982"/>
+              </a:tblGrid>
+              <a:tr h="152400">
+                <a:tc>
+                  <a:txBody>
+                    <a:bodyPr/>
+                    <a:lstStyle/>
+                    <a:p>
+                      <a:pPr algn="ctr"/>
+                      <a:r>
+                        <a:rPr lang="en-US" sz="800" dirty="0" smtClean="0"/>
+                        <a:t>Attribute Name</a:t>
+                      </a:r>
+                      <a:endParaRPr lang="en-US" sz="800" dirty="0"/>
+                    </a:p>
+                  </a:txBody>
+                  <a:tcPr anchor="ctr"/>
+                </a:tc>
+                <a:tc>
+                  <a:txBody>
+                    <a:bodyPr/>
+                    <a:lstStyle/>
+                    <a:p>
+                      <a:pPr algn="ctr"/>
+                      <a:r>
+                        <a:rPr lang="en-US" sz="800" dirty="0" smtClean="0"/>
+                        <a:t>Description</a:t>
+                      </a:r>
+                      <a:endParaRPr lang="en-US" sz="800" dirty="0"/>
+                    </a:p>
+                  </a:txBody>
+                  <a:tcPr anchor="ctr"/>
+                </a:tc>
+              </a:tr>
+              <a:tr h="152400">
+                <a:tc>
+                  <a:txBody>
+                    <a:bodyPr/>
+                    <a:lstStyle/>
+                    <a:p>
+                      <a:pPr algn="l"/>
+                      <a:r>
+                        <a:rPr lang="en-US" sz="800" b="1" dirty="0" err="1" smtClean="0"/>
+                        <a:t>jsExpression</a:t>
+                      </a:r>
+                      <a:r>
+                        <a:rPr lang="en-US" sz="800" b="1" dirty="0" smtClean="0"/>
+                        <a:t> </a:t>
+                      </a:r>
+                      <a:endParaRPr lang="en-US" sz="800" b="1" dirty="0"/>
+                    </a:p>
+                  </a:txBody>
+                  <a:tcPr anchor="ctr"/>
+                </a:tc>
+                <a:tc>
+                  <a:txBody>
+                    <a:bodyPr/>
+                    <a:lstStyle/>
+                    <a:p>
+                      <a:pPr algn="l"/>
+                      <a:r>
+                        <a:rPr lang="en-US" sz="800" dirty="0" smtClean="0"/>
+                        <a:t>The JavaScript expression to evaluate</a:t>
+                      </a:r>
+                      <a:endParaRPr lang="en-US" sz="800" dirty="0"/>
+                    </a:p>
+                  </a:txBody>
+                  <a:tcPr anchor="ctr"/>
+                </a:tc>
+              </a:tr>
+            </a:tbl>
+          </a:graphicData>
+        </a:graphic>
+      </p:graphicFrame>
+      <p:sp>
+        <p:nvSpPr>
+          <p:cNvPr id="15" name="Rectangle 14"/>
+          <p:cNvSpPr/>
+          <p:nvPr/>
+        </p:nvSpPr>
+        <p:spPr>
+          <a:xfrm>
+            <a:off x="2057400" y="5029200"/>
+            <a:ext cx="914400" cy="990600"/>
+          </a:xfrm>
+          <a:prstGeom prst="rect">
+            <a:avLst/>
+          </a:prstGeom>
+        </p:spPr>
+        <p:style>
+          <a:lnRef idx="0">
+            <a:schemeClr val="accent3"/>
+          </a:lnRef>
+          <a:fillRef idx="3">
+            <a:schemeClr val="accent3"/>
+          </a:fillRef>
+          <a:effectRef idx="3">
+            <a:schemeClr val="accent3"/>
+          </a:effectRef>
+          <a:fontRef idx="minor">
+            <a:schemeClr val="lt1"/>
+          </a:fontRef>
+        </p:style>
+        <p:txBody>
+          <a:bodyPr rtlCol="0" anchor="ctr"/>
+          <a:lstStyle/>
+          <a:p>
+            <a:pPr algn="ctr"/>
+            <a:r>
+              <a:rPr lang="en-US" sz="1200" dirty="0" smtClean="0"/>
+              <a:t>Switch</a:t>
+            </a:r>
+            <a:endParaRPr lang="en-US" sz="1200" dirty="0"/>
+          </a:p>
+        </p:txBody>
+      </p:sp>
+      <p:sp>
+        <p:nvSpPr>
+          <p:cNvPr id="16" name="Rectangle 15"/>
+          <p:cNvSpPr/>
+          <p:nvPr/>
+        </p:nvSpPr>
+        <p:spPr>
+          <a:xfrm>
+            <a:off x="3048000" y="5029200"/>
+            <a:ext cx="685800" cy="457200"/>
+          </a:xfrm>
+          <a:prstGeom prst="rect">
+            <a:avLst/>
+          </a:prstGeom>
+        </p:spPr>
+        <p:style>
+          <a:lnRef idx="0">
+            <a:schemeClr val="accent6"/>
+          </a:lnRef>
+          <a:fillRef idx="3">
+            <a:schemeClr val="accent6"/>
+          </a:fillRef>
+          <a:effectRef idx="3">
+            <a:schemeClr val="accent6"/>
+          </a:effectRef>
+          <a:fontRef idx="minor">
+            <a:schemeClr val="lt1"/>
+          </a:fontRef>
+        </p:style>
+        <p:txBody>
+          <a:bodyPr rtlCol="0" anchor="ctr"/>
+          <a:lstStyle/>
+          <a:p>
+            <a:pPr algn="ctr"/>
+            <a:r>
+              <a:rPr lang="en-US" sz="1200" dirty="0" smtClean="0"/>
+              <a:t>Case</a:t>
+            </a:r>
+            <a:endParaRPr lang="en-US" sz="1200" dirty="0"/>
+          </a:p>
+        </p:txBody>
+      </p:sp>
+      <p:sp>
+        <p:nvSpPr>
+          <p:cNvPr id="17" name="Rectangle 16"/>
+          <p:cNvSpPr/>
+          <p:nvPr/>
+        </p:nvSpPr>
+        <p:spPr>
+          <a:xfrm>
+            <a:off x="3048000" y="5562600"/>
+            <a:ext cx="685800" cy="457200"/>
+          </a:xfrm>
+          <a:prstGeom prst="rect">
+            <a:avLst/>
+          </a:prstGeom>
+        </p:spPr>
+        <p:style>
+          <a:lnRef idx="0">
+            <a:schemeClr val="accent6"/>
+          </a:lnRef>
+          <a:fillRef idx="3">
+            <a:schemeClr val="accent6"/>
+          </a:fillRef>
+          <a:effectRef idx="3">
+            <a:schemeClr val="accent6"/>
+          </a:effectRef>
+          <a:fontRef idx="minor">
+            <a:schemeClr val="lt1"/>
+          </a:fontRef>
+        </p:style>
+        <p:txBody>
+          <a:bodyPr rtlCol="0" anchor="ctr"/>
+          <a:lstStyle/>
+          <a:p>
+            <a:pPr algn="ctr"/>
+            <a:r>
+              <a:rPr lang="en-US" sz="1200" dirty="0" smtClean="0"/>
+              <a:t>Default</a:t>
+            </a:r>
+            <a:endParaRPr lang="en-US" sz="1200" dirty="0"/>
+          </a:p>
+        </p:txBody>
+      </p:sp>
+      <p:graphicFrame>
+        <p:nvGraphicFramePr>
+          <p:cNvPr id="18" name="Table 17"/>
+          <p:cNvGraphicFramePr>
+            <a:graphicFrameLocks noGrp="1"/>
+          </p:cNvGraphicFramePr>
+          <p:nvPr/>
+        </p:nvGraphicFramePr>
+        <p:xfrm>
+          <a:off x="3809999" y="5059680"/>
+          <a:ext cx="3749042" cy="426720"/>
+        </p:xfrm>
+        <a:graphic>
+          <a:graphicData uri="http://schemas.openxmlformats.org/drawingml/2006/table">
+            <a:tbl>
+              <a:tblPr firstRow="1" bandRow="1">
+                <a:tableStyleId>{7DF18680-E054-41AD-8BC1-D1AEF772440D}</a:tableStyleId>
+              </a:tblPr>
+              <a:tblGrid>
+                <a:gridCol w="844060"/>
+                <a:gridCol w="2904982"/>
+              </a:tblGrid>
+              <a:tr h="152400">
+                <a:tc>
+                  <a:txBody>
+                    <a:bodyPr/>
+                    <a:lstStyle/>
+                    <a:p>
+                      <a:pPr algn="ctr"/>
+                      <a:r>
+                        <a:rPr lang="en-US" sz="800" dirty="0" smtClean="0"/>
+                        <a:t>Attribute Name</a:t>
+                      </a:r>
+                      <a:endParaRPr lang="en-US" sz="800" dirty="0"/>
+                    </a:p>
+                  </a:txBody>
+                  <a:tcPr anchor="ctr"/>
+                </a:tc>
+                <a:tc>
+                  <a:txBody>
+                    <a:bodyPr/>
+                    <a:lstStyle/>
+                    <a:p>
+                      <a:pPr algn="ctr"/>
+                      <a:r>
+                        <a:rPr lang="en-US" sz="800" dirty="0" smtClean="0"/>
+                        <a:t>Description</a:t>
+                      </a:r>
+                      <a:endParaRPr lang="en-US" sz="800" dirty="0"/>
+                    </a:p>
+                  </a:txBody>
+                  <a:tcPr anchor="ctr"/>
+                </a:tc>
+              </a:tr>
+              <a:tr h="152400">
+                <a:tc>
+                  <a:txBody>
+                    <a:bodyPr/>
+                    <a:lstStyle/>
+                    <a:p>
+                      <a:pPr algn="l"/>
+                      <a:r>
+                        <a:rPr lang="en-US" sz="800" b="1" dirty="0" smtClean="0"/>
+                        <a:t>value </a:t>
+                      </a:r>
+                      <a:endParaRPr lang="en-US" sz="800" b="1" dirty="0"/>
+                    </a:p>
+                  </a:txBody>
+                  <a:tcPr anchor="ctr"/>
+                </a:tc>
+                <a:tc>
+                  <a:txBody>
+                    <a:bodyPr/>
+                    <a:lstStyle/>
+                    <a:p>
+                      <a:pPr algn="l"/>
+                      <a:r>
+                        <a:rPr lang="en-US" sz="800" dirty="0" smtClean="0"/>
+                        <a:t>The value to compare the parent node </a:t>
+                      </a:r>
+                      <a:r>
+                        <a:rPr lang="en-US" sz="800" dirty="0" err="1" smtClean="0"/>
+                        <a:t>jsExpression</a:t>
+                      </a:r>
+                      <a:r>
+                        <a:rPr lang="en-US" sz="800" dirty="0" smtClean="0"/>
+                        <a:t> result</a:t>
+                      </a:r>
+                      <a:endParaRPr lang="en-US" sz="800" dirty="0"/>
+                    </a:p>
+                  </a:txBody>
+                  <a:tcPr anchor="ctr"/>
+                </a:tc>
+              </a:tr>
+            </a:tbl>
+          </a:graphicData>
+        </a:graphic>
+      </p:graphicFrame>
+      <p:sp>
+        <p:nvSpPr>
+          <p:cNvPr id="19" name="Rectangle 18"/>
+          <p:cNvSpPr/>
+          <p:nvPr/>
+        </p:nvSpPr>
+        <p:spPr>
+          <a:xfrm>
+            <a:off x="2057400" y="6096000"/>
+            <a:ext cx="1676400" cy="457200"/>
+          </a:xfrm>
+          <a:prstGeom prst="rect">
+            <a:avLst/>
+          </a:prstGeom>
+        </p:spPr>
+        <p:style>
+          <a:lnRef idx="0">
+            <a:schemeClr val="accent3"/>
+          </a:lnRef>
+          <a:fillRef idx="3">
+            <a:schemeClr val="accent3"/>
+          </a:fillRef>
+          <a:effectRef idx="3">
+            <a:schemeClr val="accent3"/>
+          </a:effectRef>
+          <a:fontRef idx="minor">
+            <a:schemeClr val="lt1"/>
+          </a:fontRef>
+        </p:style>
+        <p:txBody>
+          <a:bodyPr rtlCol="0" anchor="ctr"/>
+          <a:lstStyle/>
+          <a:p>
+            <a:pPr algn="ctr"/>
+            <a:r>
+              <a:rPr lang="en-US" sz="1200" dirty="0" smtClean="0"/>
+              <a:t>Definition</a:t>
+            </a:r>
+            <a:endParaRPr lang="en-US" sz="1200" dirty="0"/>
+          </a:p>
+        </p:txBody>
+      </p:sp>
+      <p:graphicFrame>
+        <p:nvGraphicFramePr>
+          <p:cNvPr id="20" name="Table 19"/>
+          <p:cNvGraphicFramePr>
+            <a:graphicFrameLocks noGrp="1"/>
+          </p:cNvGraphicFramePr>
+          <p:nvPr/>
+        </p:nvGraphicFramePr>
+        <p:xfrm>
+          <a:off x="3809999" y="6126480"/>
+          <a:ext cx="3749042" cy="426720"/>
+        </p:xfrm>
+        <a:graphic>
+          <a:graphicData uri="http://schemas.openxmlformats.org/drawingml/2006/table">
+            <a:tbl>
+              <a:tblPr firstRow="1" bandRow="1">
+                <a:tableStyleId>{7DF18680-E054-41AD-8BC1-D1AEF772440D}</a:tableStyleId>
+              </a:tblPr>
+              <a:tblGrid>
+                <a:gridCol w="844060"/>
+                <a:gridCol w="2904982"/>
+              </a:tblGrid>
+              <a:tr h="152400">
+                <a:tc>
+                  <a:txBody>
+                    <a:bodyPr/>
+                    <a:lstStyle/>
+                    <a:p>
+                      <a:pPr algn="ctr"/>
+                      <a:r>
+                        <a:rPr lang="en-US" sz="800" dirty="0" smtClean="0"/>
+                        <a:t>Attribute Name</a:t>
+                      </a:r>
+                      <a:endParaRPr lang="en-US" sz="800" dirty="0"/>
+                    </a:p>
+                  </a:txBody>
+                  <a:tcPr anchor="ctr"/>
+                </a:tc>
+                <a:tc>
+                  <a:txBody>
+                    <a:bodyPr/>
+                    <a:lstStyle/>
+                    <a:p>
+                      <a:pPr algn="ctr"/>
+                      <a:r>
+                        <a:rPr lang="en-US" sz="800" dirty="0" smtClean="0"/>
+                        <a:t>Description</a:t>
+                      </a:r>
+                      <a:endParaRPr lang="en-US" sz="800" dirty="0"/>
+                    </a:p>
+                  </a:txBody>
+                  <a:tcPr anchor="ctr"/>
+                </a:tc>
+              </a:tr>
+              <a:tr h="152400">
+                <a:tc>
+                  <a:txBody>
+                    <a:bodyPr/>
+                    <a:lstStyle/>
+                    <a:p>
+                      <a:pPr algn="l"/>
+                      <a:r>
+                        <a:rPr lang="en-US" sz="800" dirty="0" smtClean="0"/>
+                        <a:t>name</a:t>
+                      </a:r>
+                      <a:endParaRPr lang="en-US" sz="800" dirty="0"/>
+                    </a:p>
+                  </a:txBody>
+                  <a:tcPr anchor="ctr"/>
+                </a:tc>
+                <a:tc>
+                  <a:txBody>
+                    <a:bodyPr/>
+                    <a:lstStyle/>
+                    <a:p>
+                      <a:pPr algn="l"/>
+                      <a:r>
+                        <a:rPr lang="en-US" sz="800" dirty="0" smtClean="0"/>
+                        <a:t>Name of the Definition</a:t>
+                      </a:r>
+                      <a:endParaRPr lang="en-US" sz="800" dirty="0"/>
+                    </a:p>
+                  </a:txBody>
+                  <a:tcPr anchor="ctr"/>
+                </a:tc>
+              </a:tr>
+            </a:tbl>
+          </a:graphicData>
+        </a:graphic>
+      </p:graphicFrame>
+      <p:sp>
+        <p:nvSpPr>
+          <p:cNvPr id="21" name="Rectangle 20"/>
+          <p:cNvSpPr/>
+          <p:nvPr/>
+        </p:nvSpPr>
+        <p:spPr>
+          <a:xfrm>
+            <a:off x="2057400" y="6629400"/>
+            <a:ext cx="1676400" cy="457200"/>
+          </a:xfrm>
+          <a:prstGeom prst="rect">
+            <a:avLst/>
+          </a:prstGeom>
+        </p:spPr>
+        <p:style>
+          <a:lnRef idx="0">
+            <a:schemeClr val="accent3"/>
+          </a:lnRef>
+          <a:fillRef idx="3">
+            <a:schemeClr val="accent3"/>
+          </a:fillRef>
+          <a:effectRef idx="3">
+            <a:schemeClr val="accent3"/>
+          </a:effectRef>
+          <a:fontRef idx="minor">
+            <a:schemeClr val="lt1"/>
+          </a:fontRef>
+        </p:style>
+        <p:txBody>
+          <a:bodyPr rtlCol="0" anchor="ctr"/>
+          <a:lstStyle/>
+          <a:p>
+            <a:pPr algn="ctr"/>
+            <a:r>
+              <a:rPr lang="en-US" sz="1200" dirty="0" smtClean="0"/>
+              <a:t>Include</a:t>
+            </a:r>
+            <a:endParaRPr lang="en-US" sz="1200" dirty="0"/>
+          </a:p>
+        </p:txBody>
+      </p:sp>
+      <p:graphicFrame>
+        <p:nvGraphicFramePr>
+          <p:cNvPr id="22" name="Table 21"/>
+          <p:cNvGraphicFramePr>
+            <a:graphicFrameLocks noGrp="1"/>
+          </p:cNvGraphicFramePr>
+          <p:nvPr/>
+        </p:nvGraphicFramePr>
+        <p:xfrm>
+          <a:off x="3809999" y="6659880"/>
+          <a:ext cx="3749042" cy="426720"/>
+        </p:xfrm>
+        <a:graphic>
+          <a:graphicData uri="http://schemas.openxmlformats.org/drawingml/2006/table">
+            <a:tbl>
+              <a:tblPr firstRow="1" bandRow="1">
+                <a:tableStyleId>{7DF18680-E054-41AD-8BC1-D1AEF772440D}</a:tableStyleId>
+              </a:tblPr>
+              <a:tblGrid>
+                <a:gridCol w="844060"/>
+                <a:gridCol w="2904982"/>
+              </a:tblGrid>
+              <a:tr h="152400">
+                <a:tc>
+                  <a:txBody>
+                    <a:bodyPr/>
+                    <a:lstStyle/>
+                    <a:p>
+                      <a:pPr algn="ctr"/>
+                      <a:r>
+                        <a:rPr lang="en-US" sz="800" dirty="0" smtClean="0"/>
+                        <a:t>Attribute Name</a:t>
+                      </a:r>
+                      <a:endParaRPr lang="en-US" sz="800" dirty="0"/>
+                    </a:p>
+                  </a:txBody>
+                  <a:tcPr anchor="ctr"/>
+                </a:tc>
+                <a:tc>
+                  <a:txBody>
+                    <a:bodyPr/>
+                    <a:lstStyle/>
+                    <a:p>
+                      <a:pPr algn="ctr"/>
+                      <a:r>
+                        <a:rPr lang="en-US" sz="800" dirty="0" smtClean="0"/>
+                        <a:t>Description</a:t>
+                      </a:r>
+                      <a:endParaRPr lang="en-US" sz="800" dirty="0"/>
+                    </a:p>
+                  </a:txBody>
+                  <a:tcPr anchor="ctr"/>
+                </a:tc>
+              </a:tr>
+              <a:tr h="152400">
+                <a:tc>
+                  <a:txBody>
+                    <a:bodyPr/>
+                    <a:lstStyle/>
+                    <a:p>
+                      <a:pPr algn="l"/>
+                      <a:r>
+                        <a:rPr lang="en-US" sz="800" dirty="0" smtClean="0"/>
+                        <a:t>name</a:t>
+                      </a:r>
+                      <a:endParaRPr lang="en-US" sz="800" dirty="0"/>
+                    </a:p>
+                  </a:txBody>
+                  <a:tcPr anchor="ctr"/>
+                </a:tc>
+                <a:tc>
+                  <a:txBody>
+                    <a:bodyPr/>
+                    <a:lstStyle/>
+                    <a:p>
+                      <a:pPr algn="l"/>
+                      <a:r>
+                        <a:rPr lang="en-US" sz="800" dirty="0" smtClean="0"/>
+                        <a:t>File name relative to the Includes runtime directory</a:t>
+                      </a:r>
+                      <a:endParaRPr lang="en-US" sz="800" dirty="0"/>
+                    </a:p>
+                  </a:txBody>
+                  <a:tcPr anchor="ctr"/>
+                </a:tc>
+              </a:tr>
+            </a:tbl>
+          </a:graphicData>
+        </a:graphic>
+      </p:graphicFrame>
+      <p:sp>
+        <p:nvSpPr>
+          <p:cNvPr id="23" name="Rectangle 22"/>
+          <p:cNvSpPr/>
+          <p:nvPr/>
+        </p:nvSpPr>
+        <p:spPr>
+          <a:xfrm>
+            <a:off x="2057400" y="7162800"/>
+            <a:ext cx="1676400" cy="1219200"/>
+          </a:xfrm>
+          <a:prstGeom prst="rect">
+            <a:avLst/>
+          </a:prstGeom>
+        </p:spPr>
+        <p:style>
+          <a:lnRef idx="0">
+            <a:schemeClr val="accent3"/>
+          </a:lnRef>
+          <a:fillRef idx="3">
+            <a:schemeClr val="accent3"/>
+          </a:fillRef>
+          <a:effectRef idx="3">
+            <a:schemeClr val="accent3"/>
+          </a:effectRef>
+          <a:fontRef idx="minor">
+            <a:schemeClr val="lt1"/>
+          </a:fontRef>
+        </p:style>
+        <p:txBody>
+          <a:bodyPr rtlCol="0" anchor="ctr"/>
+          <a:lstStyle/>
+          <a:p>
+            <a:pPr algn="ctr"/>
+            <a:r>
+              <a:rPr lang="en-US" sz="1200" dirty="0" err="1" smtClean="0"/>
+              <a:t>OutputIterator</a:t>
+            </a:r>
+            <a:endParaRPr lang="en-US" sz="1200" dirty="0"/>
+          </a:p>
+        </p:txBody>
+      </p:sp>
+      <p:graphicFrame>
+        <p:nvGraphicFramePr>
+          <p:cNvPr id="24" name="Table 23"/>
+          <p:cNvGraphicFramePr>
+            <a:graphicFrameLocks noGrp="1"/>
+          </p:cNvGraphicFramePr>
+          <p:nvPr/>
+        </p:nvGraphicFramePr>
+        <p:xfrm>
+          <a:off x="3809999" y="7162801"/>
+          <a:ext cx="3749042" cy="1219200"/>
+        </p:xfrm>
+        <a:graphic>
+          <a:graphicData uri="http://schemas.openxmlformats.org/drawingml/2006/table">
+            <a:tbl>
+              <a:tblPr firstRow="1" bandRow="1">
+                <a:tableStyleId>{7DF18680-E054-41AD-8BC1-D1AEF772440D}</a:tableStyleId>
+              </a:tblPr>
+              <a:tblGrid>
+                <a:gridCol w="844060"/>
+                <a:gridCol w="2904982"/>
+              </a:tblGrid>
+              <a:tr h="120843">
+                <a:tc>
+                  <a:txBody>
+                    <a:bodyPr/>
+                    <a:lstStyle/>
+                    <a:p>
+                      <a:pPr algn="ctr"/>
+                      <a:r>
+                        <a:rPr lang="en-US" sz="800" dirty="0" smtClean="0"/>
+                        <a:t>Attribute Name</a:t>
+                      </a:r>
+                      <a:endParaRPr lang="en-US" sz="800" dirty="0"/>
+                    </a:p>
+                  </a:txBody>
+                  <a:tcPr anchor="ctr"/>
+                </a:tc>
+                <a:tc>
+                  <a:txBody>
+                    <a:bodyPr/>
+                    <a:lstStyle/>
+                    <a:p>
+                      <a:pPr algn="ctr"/>
+                      <a:r>
+                        <a:rPr lang="en-US" sz="800" dirty="0" smtClean="0"/>
+                        <a:t>Description</a:t>
+                      </a:r>
+                      <a:endParaRPr lang="en-US" sz="800" dirty="0"/>
+                    </a:p>
+                  </a:txBody>
+                  <a:tcPr anchor="ctr"/>
+                </a:tc>
+              </a:tr>
+              <a:tr h="189896">
+                <a:tc>
+                  <a:txBody>
+                    <a:bodyPr/>
+                    <a:lstStyle/>
+                    <a:p>
+                      <a:pPr algn="l"/>
+                      <a:r>
+                        <a:rPr lang="en-US" sz="800" dirty="0" smtClean="0"/>
+                        <a:t>e4XPath </a:t>
+                      </a:r>
+                      <a:endParaRPr lang="en-US" sz="800" dirty="0"/>
+                    </a:p>
+                  </a:txBody>
+                  <a:tcPr anchor="ctr"/>
+                </a:tc>
+                <a:tc>
+                  <a:txBody>
+                    <a:bodyPr/>
+                    <a:lstStyle/>
+                    <a:p>
+                      <a:pPr algn="l"/>
+                      <a:r>
+                        <a:rPr lang="en-US" sz="800" dirty="0" smtClean="0"/>
+                        <a:t>The e4XPath from the current node to select a group of nodes to iterate from, e4XPath expression is expected to return a </a:t>
+                      </a:r>
+                      <a:r>
+                        <a:rPr lang="en-US" sz="800" dirty="0" err="1" smtClean="0"/>
+                        <a:t>nodegroup</a:t>
+                      </a:r>
+                      <a:endParaRPr lang="en-US" sz="800" dirty="0"/>
+                    </a:p>
+                  </a:txBody>
+                  <a:tcPr anchor="ctr"/>
+                </a:tc>
+              </a:tr>
+              <a:tr h="185164">
+                <a:tc>
+                  <a:txBody>
+                    <a:bodyPr/>
+                    <a:lstStyle/>
+                    <a:p>
+                      <a:pPr algn="l"/>
+                      <a:r>
+                        <a:rPr lang="en-US" sz="800" i="1" dirty="0" err="1" smtClean="0"/>
+                        <a:t>modelName</a:t>
+                      </a:r>
+                      <a:endParaRPr lang="en-US" sz="800" i="1" dirty="0"/>
+                    </a:p>
+                  </a:txBody>
+                  <a:tcPr anchor="ctr"/>
+                </a:tc>
+                <a:tc>
+                  <a:txBody>
+                    <a:bodyPr/>
+                    <a:lstStyle/>
+                    <a:p>
+                      <a:pPr algn="l"/>
+                      <a:r>
+                        <a:rPr lang="en-US" sz="800" dirty="0" smtClean="0"/>
+                        <a:t>The name of the model to use </a:t>
+                      </a:r>
+                      <a:endParaRPr lang="en-US" sz="800" dirty="0"/>
+                    </a:p>
+                  </a:txBody>
+                  <a:tcPr anchor="ctr"/>
+                </a:tc>
+              </a:tr>
+              <a:tr h="189896">
+                <a:tc>
+                  <a:txBody>
+                    <a:bodyPr/>
+                    <a:lstStyle/>
+                    <a:p>
+                      <a:pPr algn="l"/>
+                      <a:r>
+                        <a:rPr lang="en-US" sz="800" i="1" dirty="0" smtClean="0"/>
+                        <a:t>separator</a:t>
+                      </a:r>
+                      <a:endParaRPr lang="en-US" sz="800" i="1" dirty="0"/>
+                    </a:p>
+                  </a:txBody>
+                  <a:tcPr anchor="ctr"/>
+                </a:tc>
+                <a:tc>
+                  <a:txBody>
+                    <a:bodyPr/>
+                    <a:lstStyle/>
+                    <a:p>
+                      <a:pPr algn="l"/>
+                      <a:r>
+                        <a:rPr lang="en-US" sz="800" dirty="0" smtClean="0"/>
+                        <a:t>A separator to use when concatenating data, useful for building text structures such as comma-separated lists </a:t>
+                      </a:r>
+                      <a:endParaRPr lang="en-US" sz="800" dirty="0"/>
+                    </a:p>
+                  </a:txBody>
+                  <a:tcPr anchor="ctr"/>
+                </a:tc>
+              </a:tr>
+            </a:tbl>
+          </a:graphicData>
+        </a:graphic>
+      </p:graphicFrame>
+      <p:sp>
+        <p:nvSpPr>
+          <p:cNvPr id="25" name="Rectangle 24"/>
+          <p:cNvSpPr/>
+          <p:nvPr/>
+        </p:nvSpPr>
+        <p:spPr>
+          <a:xfrm>
+            <a:off x="2057400" y="8458200"/>
+            <a:ext cx="1676400" cy="457200"/>
+          </a:xfrm>
+          <a:prstGeom prst="rect">
+            <a:avLst/>
+          </a:prstGeom>
+        </p:spPr>
+        <p:style>
+          <a:lnRef idx="0">
+            <a:schemeClr val="accent3"/>
+          </a:lnRef>
+          <a:fillRef idx="3">
+            <a:schemeClr val="accent3"/>
+          </a:fillRef>
+          <a:effectRef idx="3">
+            <a:schemeClr val="accent3"/>
+          </a:effectRef>
+          <a:fontRef idx="minor">
+            <a:schemeClr val="lt1"/>
+          </a:fontRef>
+        </p:style>
+        <p:txBody>
+          <a:bodyPr rtlCol="0" anchor="ctr"/>
+          <a:lstStyle/>
+          <a:p>
+            <a:pPr algn="ctr"/>
+            <a:r>
+              <a:rPr lang="en-US" sz="1200" dirty="0" smtClean="0"/>
+              <a:t>JavaScript</a:t>
+            </a:r>
+            <a:endParaRPr lang="en-US" sz="1200" dirty="0"/>
+          </a:p>
+        </p:txBody>
+      </p:sp>
+      <p:sp>
+        <p:nvSpPr>
+          <p:cNvPr id="26" name="Rectangle 25"/>
+          <p:cNvSpPr/>
+          <p:nvPr/>
+        </p:nvSpPr>
+        <p:spPr>
+          <a:xfrm>
+            <a:off x="1143000" y="0"/>
+            <a:ext cx="838200" cy="8915400"/>
+          </a:xfrm>
+          <a:prstGeom prst="rect">
+            <a:avLst/>
+          </a:prstGeom>
+        </p:spPr>
+        <p:style>
+          <a:lnRef idx="0">
+            <a:schemeClr val="accent1"/>
+          </a:lnRef>
+          <a:fillRef idx="3">
+            <a:schemeClr val="accent1"/>
+          </a:fillRef>
+          <a:effectRef idx="3">
+            <a:schemeClr val="accent1"/>
+          </a:effectRef>
+          <a:fontRef idx="minor">
+            <a:schemeClr val="lt1"/>
+          </a:fontRef>
+        </p:style>
+        <p:txBody>
+          <a:bodyPr rtlCol="0" anchor="ctr"/>
+          <a:lstStyle/>
+          <a:p>
+            <a:pPr algn="ctr"/>
+            <a:r>
+              <a:rPr lang="en-US" sz="1200" dirty="0" smtClean="0"/>
+              <a:t>Template</a:t>
+            </a:r>
+            <a:endParaRPr lang="en-US" sz="1200" dirty="0"/>
+          </a:p>
+        </p:txBody>
+      </p:sp>
+      <p:sp>
+        <p:nvSpPr>
+          <p:cNvPr id="35" name="Rectangle 34"/>
+          <p:cNvSpPr/>
+          <p:nvPr/>
+        </p:nvSpPr>
+        <p:spPr>
+          <a:xfrm>
+            <a:off x="3124200" y="8229600"/>
+            <a:ext cx="685800" cy="228600"/>
+          </a:xfrm>
+          <a:prstGeom prst="rect">
+            <a:avLst/>
+          </a:prstGeom>
+        </p:spPr>
+        <p:style>
+          <a:lnRef idx="0">
+            <a:schemeClr val="accent3"/>
+          </a:lnRef>
+          <a:fillRef idx="3">
+            <a:schemeClr val="accent3"/>
+          </a:fillRef>
+          <a:effectRef idx="3">
+            <a:schemeClr val="accent3"/>
+          </a:effectRef>
+          <a:fontRef idx="minor">
+            <a:schemeClr val="lt1"/>
+          </a:fontRef>
+        </p:style>
+        <p:txBody>
+          <a:bodyPr rtlCol="0" anchor="ctr"/>
+          <a:lstStyle/>
+          <a:p>
+            <a:pPr algn="ctr"/>
+            <a:r>
+              <a:rPr lang="en-US" sz="1000" dirty="0" smtClean="0"/>
+              <a:t>Children</a:t>
+            </a:r>
+            <a:endParaRPr lang="en-US" sz="1000" dirty="0"/>
+          </a:p>
+        </p:txBody>
+      </p:sp>
+      <p:sp>
+        <p:nvSpPr>
+          <p:cNvPr id="40" name="Rectangle 39"/>
+          <p:cNvSpPr/>
+          <p:nvPr/>
+        </p:nvSpPr>
+        <p:spPr>
+          <a:xfrm>
+            <a:off x="3124200" y="6477000"/>
+            <a:ext cx="685800" cy="228600"/>
+          </a:xfrm>
+          <a:prstGeom prst="rect">
+            <a:avLst/>
+          </a:prstGeom>
+        </p:spPr>
+        <p:style>
+          <a:lnRef idx="0">
+            <a:schemeClr val="accent3"/>
+          </a:lnRef>
+          <a:fillRef idx="3">
+            <a:schemeClr val="accent3"/>
+          </a:fillRef>
+          <a:effectRef idx="3">
+            <a:schemeClr val="accent3"/>
+          </a:effectRef>
+          <a:fontRef idx="minor">
+            <a:schemeClr val="lt1"/>
+          </a:fontRef>
+        </p:style>
+        <p:txBody>
+          <a:bodyPr rtlCol="0" anchor="ctr"/>
+          <a:lstStyle/>
+          <a:p>
+            <a:pPr algn="ctr"/>
+            <a:r>
+              <a:rPr lang="en-US" sz="1000" dirty="0" smtClean="0"/>
+              <a:t>Children</a:t>
+            </a:r>
+            <a:endParaRPr lang="en-US" sz="1000" dirty="0"/>
+          </a:p>
+        </p:txBody>
+      </p:sp>
+      <p:sp>
+        <p:nvSpPr>
+          <p:cNvPr id="41" name="Rectangle 40"/>
+          <p:cNvSpPr/>
+          <p:nvPr/>
+        </p:nvSpPr>
+        <p:spPr>
+          <a:xfrm>
+            <a:off x="3124200" y="5943600"/>
+            <a:ext cx="685800" cy="228600"/>
+          </a:xfrm>
+          <a:prstGeom prst="rect">
+            <a:avLst/>
+          </a:prstGeom>
+        </p:spPr>
+        <p:style>
+          <a:lnRef idx="0">
+            <a:schemeClr val="accent3"/>
+          </a:lnRef>
+          <a:fillRef idx="3">
+            <a:schemeClr val="accent3"/>
+          </a:fillRef>
+          <a:effectRef idx="3">
+            <a:schemeClr val="accent3"/>
+          </a:effectRef>
+          <a:fontRef idx="minor">
+            <a:schemeClr val="lt1"/>
+          </a:fontRef>
+        </p:style>
+        <p:txBody>
+          <a:bodyPr rtlCol="0" anchor="ctr"/>
+          <a:lstStyle/>
+          <a:p>
+            <a:pPr algn="ctr"/>
+            <a:r>
+              <a:rPr lang="en-US" sz="1000" dirty="0" smtClean="0"/>
+              <a:t>Children</a:t>
+            </a:r>
+            <a:endParaRPr lang="en-US" sz="1000" dirty="0"/>
+          </a:p>
+        </p:txBody>
+      </p:sp>
+      <p:sp>
+        <p:nvSpPr>
+          <p:cNvPr id="42" name="Rectangle 41"/>
+          <p:cNvSpPr/>
+          <p:nvPr/>
+        </p:nvSpPr>
+        <p:spPr>
+          <a:xfrm>
+            <a:off x="3124200" y="5410200"/>
+            <a:ext cx="685800" cy="228600"/>
+          </a:xfrm>
+          <a:prstGeom prst="rect">
+            <a:avLst/>
+          </a:prstGeom>
+        </p:spPr>
+        <p:style>
+          <a:lnRef idx="0">
+            <a:schemeClr val="accent3"/>
+          </a:lnRef>
+          <a:fillRef idx="3">
+            <a:schemeClr val="accent3"/>
+          </a:fillRef>
+          <a:effectRef idx="3">
+            <a:schemeClr val="accent3"/>
+          </a:effectRef>
+          <a:fontRef idx="minor">
+            <a:schemeClr val="lt1"/>
+          </a:fontRef>
+        </p:style>
+        <p:txBody>
+          <a:bodyPr rtlCol="0" anchor="ctr"/>
+          <a:lstStyle/>
+          <a:p>
+            <a:pPr algn="ctr"/>
+            <a:r>
+              <a:rPr lang="en-US" sz="1000" dirty="0" smtClean="0"/>
+              <a:t>Children</a:t>
+            </a:r>
+            <a:endParaRPr lang="en-US" sz="1000" dirty="0"/>
+          </a:p>
+        </p:txBody>
+      </p:sp>
+      <p:sp>
+        <p:nvSpPr>
+          <p:cNvPr id="43" name="Rectangle 42"/>
+          <p:cNvSpPr/>
+          <p:nvPr/>
+        </p:nvSpPr>
+        <p:spPr>
+          <a:xfrm>
+            <a:off x="3124200" y="4876800"/>
+            <a:ext cx="685800" cy="228600"/>
+          </a:xfrm>
+          <a:prstGeom prst="rect">
+            <a:avLst/>
+          </a:prstGeom>
+        </p:spPr>
+        <p:style>
+          <a:lnRef idx="0">
+            <a:schemeClr val="accent3"/>
+          </a:lnRef>
+          <a:fillRef idx="3">
+            <a:schemeClr val="accent3"/>
+          </a:fillRef>
+          <a:effectRef idx="3">
+            <a:schemeClr val="accent3"/>
+          </a:effectRef>
+          <a:fontRef idx="minor">
+            <a:schemeClr val="lt1"/>
+          </a:fontRef>
+        </p:style>
+        <p:txBody>
+          <a:bodyPr rtlCol="0" anchor="ctr"/>
+          <a:lstStyle/>
+          <a:p>
+            <a:pPr algn="ctr"/>
+            <a:r>
+              <a:rPr lang="en-US" sz="1000" dirty="0" smtClean="0"/>
+              <a:t>Children</a:t>
+            </a:r>
+            <a:endParaRPr lang="en-US" sz="1000" dirty="0"/>
+          </a:p>
+        </p:txBody>
+      </p:sp>
+      <p:sp>
+        <p:nvSpPr>
+          <p:cNvPr id="44" name="Rectangle 43"/>
+          <p:cNvSpPr/>
+          <p:nvPr/>
+        </p:nvSpPr>
+        <p:spPr>
+          <a:xfrm>
+            <a:off x="3124200" y="4343400"/>
+            <a:ext cx="685800" cy="228600"/>
+          </a:xfrm>
+          <a:prstGeom prst="rect">
+            <a:avLst/>
+          </a:prstGeom>
+        </p:spPr>
+        <p:style>
+          <a:lnRef idx="0">
+            <a:schemeClr val="accent3"/>
+          </a:lnRef>
+          <a:fillRef idx="3">
+            <a:schemeClr val="accent3"/>
+          </a:fillRef>
+          <a:effectRef idx="3">
+            <a:schemeClr val="accent3"/>
+          </a:effectRef>
+          <a:fontRef idx="minor">
+            <a:schemeClr val="lt1"/>
+          </a:fontRef>
+        </p:style>
+        <p:txBody>
+          <a:bodyPr rtlCol="0" anchor="ctr"/>
+          <a:lstStyle/>
+          <a:p>
+            <a:pPr algn="ctr"/>
+            <a:r>
+              <a:rPr lang="en-US" sz="1000" dirty="0" smtClean="0"/>
+              <a:t>Children</a:t>
+            </a:r>
+            <a:endParaRPr lang="en-US" sz="1000" dirty="0"/>
+          </a:p>
+        </p:txBody>
+      </p:sp>
+      <p:sp>
+        <p:nvSpPr>
+          <p:cNvPr id="45" name="Rectangle 44"/>
+          <p:cNvSpPr/>
+          <p:nvPr/>
+        </p:nvSpPr>
+        <p:spPr>
+          <a:xfrm>
+            <a:off x="3124200" y="3810000"/>
+            <a:ext cx="685800" cy="228600"/>
+          </a:xfrm>
+          <a:prstGeom prst="rect">
+            <a:avLst/>
+          </a:prstGeom>
+        </p:spPr>
+        <p:style>
+          <a:lnRef idx="0">
+            <a:schemeClr val="accent3"/>
+          </a:lnRef>
+          <a:fillRef idx="3">
+            <a:schemeClr val="accent3"/>
+          </a:fillRef>
+          <a:effectRef idx="3">
+            <a:schemeClr val="accent3"/>
+          </a:effectRef>
+          <a:fontRef idx="minor">
+            <a:schemeClr val="lt1"/>
+          </a:fontRef>
+        </p:style>
+        <p:txBody>
+          <a:bodyPr rtlCol="0" anchor="ctr"/>
+          <a:lstStyle/>
+          <a:p>
+            <a:pPr algn="ctr"/>
+            <a:r>
+              <a:rPr lang="en-US" sz="1000" dirty="0" smtClean="0"/>
+              <a:t>Children</a:t>
+            </a:r>
+            <a:endParaRPr lang="en-US" sz="1000" dirty="0"/>
+          </a:p>
+        </p:txBody>
+      </p:sp>
+      <p:sp>
+        <p:nvSpPr>
+          <p:cNvPr id="46" name="Rectangle 45"/>
+          <p:cNvSpPr/>
+          <p:nvPr/>
+        </p:nvSpPr>
+        <p:spPr>
+          <a:xfrm>
+            <a:off x="3124200" y="3276600"/>
+            <a:ext cx="685800" cy="228600"/>
+          </a:xfrm>
+          <a:prstGeom prst="rect">
+            <a:avLst/>
+          </a:prstGeom>
+        </p:spPr>
+        <p:style>
+          <a:lnRef idx="0">
+            <a:schemeClr val="accent3"/>
+          </a:lnRef>
+          <a:fillRef idx="3">
+            <a:schemeClr val="accent3"/>
+          </a:fillRef>
+          <a:effectRef idx="3">
+            <a:schemeClr val="accent3"/>
+          </a:effectRef>
+          <a:fontRef idx="minor">
+            <a:schemeClr val="lt1"/>
+          </a:fontRef>
+        </p:style>
+        <p:txBody>
+          <a:bodyPr rtlCol="0" anchor="ctr"/>
+          <a:lstStyle/>
+          <a:p>
+            <a:pPr algn="ctr"/>
+            <a:r>
+              <a:rPr lang="en-US" sz="1000" dirty="0" smtClean="0"/>
+              <a:t>Children</a:t>
+            </a:r>
+            <a:endParaRPr lang="en-US" sz="1000" dirty="0"/>
+          </a:p>
+        </p:txBody>
+      </p:sp>
+      <p:sp>
+        <p:nvSpPr>
+          <p:cNvPr id="47" name="Rectangle 46"/>
+          <p:cNvSpPr/>
+          <p:nvPr/>
+        </p:nvSpPr>
+        <p:spPr>
+          <a:xfrm>
+            <a:off x="3124200" y="2667000"/>
+            <a:ext cx="685800" cy="228600"/>
+          </a:xfrm>
+          <a:prstGeom prst="rect">
+            <a:avLst/>
+          </a:prstGeom>
+        </p:spPr>
+        <p:style>
+          <a:lnRef idx="1">
+            <a:schemeClr val="dk1"/>
+          </a:lnRef>
+          <a:fillRef idx="2">
+            <a:schemeClr val="dk1"/>
+          </a:fillRef>
+          <a:effectRef idx="1">
+            <a:schemeClr val="dk1"/>
+          </a:effectRef>
+          <a:fontRef idx="minor">
+            <a:schemeClr val="dk1"/>
+          </a:fontRef>
+        </p:style>
+        <p:txBody>
+          <a:bodyPr rtlCol="0" anchor="ctr"/>
+          <a:lstStyle/>
+          <a:p>
+            <a:pPr algn="ctr"/>
+            <a:r>
+              <a:rPr lang="en-US" sz="1000" dirty="0" smtClean="0"/>
+              <a:t>Text</a:t>
+            </a:r>
+            <a:endParaRPr lang="en-US" sz="1000" dirty="0"/>
+          </a:p>
+        </p:txBody>
+      </p:sp>
+      <p:sp>
+        <p:nvSpPr>
+          <p:cNvPr id="50" name="TextBox 49"/>
+          <p:cNvSpPr txBox="1"/>
+          <p:nvPr/>
+        </p:nvSpPr>
+        <p:spPr>
+          <a:xfrm>
+            <a:off x="4876800" y="8979198"/>
+            <a:ext cx="1447800" cy="461665"/>
+          </a:xfrm>
+          <a:prstGeom prst="rect">
+            <a:avLst/>
+          </a:prstGeom>
+          <a:noFill/>
+        </p:spPr>
+        <p:txBody>
+          <a:bodyPr wrap="square" rtlCol="0">
+            <a:spAutoFit/>
+          </a:bodyPr>
+          <a:lstStyle/>
+          <a:p>
+            <a:r>
+              <a:rPr lang="es-MX" sz="1200" dirty="0" smtClean="0"/>
+              <a:t>Child elements can be any green node</a:t>
+            </a:r>
+            <a:endParaRPr lang="en-US" sz="1200" dirty="0"/>
+          </a:p>
+        </p:txBody>
+      </p:sp>
+      <p:sp>
+        <p:nvSpPr>
+          <p:cNvPr id="51" name="Rectangle 50"/>
+          <p:cNvSpPr/>
+          <p:nvPr/>
+        </p:nvSpPr>
+        <p:spPr>
+          <a:xfrm>
+            <a:off x="4114800" y="8915400"/>
+            <a:ext cx="2133600" cy="533400"/>
+          </a:xfrm>
+          <a:prstGeom prst="rect">
+            <a:avLst/>
+          </a:prstGeom>
+          <a:noFill/>
+        </p:spPr>
+        <p:style>
+          <a:lnRef idx="2">
+            <a:schemeClr val="accent1">
+              <a:shade val="50000"/>
+            </a:schemeClr>
+          </a:lnRef>
+          <a:fillRef idx="1">
+            <a:schemeClr val="accent1"/>
+          </a:fillRef>
+          <a:effectRef idx="0">
+            <a:schemeClr val="accent1"/>
+          </a:effectRef>
+          <a:fontRef idx="minor">
+            <a:schemeClr val="lt1"/>
+          </a:fontRef>
+        </p:style>
+        <p:txBody>
+          <a:bodyPr rtlCol="0" anchor="ctr"/>
+          <a:lstStyle/>
+          <a:p>
+            <a:pPr algn="ctr"/>
+            <a:endParaRPr lang="en-US"/>
+          </a:p>
+        </p:txBody>
+      </p:sp>
+      <p:sp>
+        <p:nvSpPr>
+          <p:cNvPr id="52" name="Rectangle 51"/>
+          <p:cNvSpPr/>
+          <p:nvPr/>
+        </p:nvSpPr>
+        <p:spPr>
+          <a:xfrm>
+            <a:off x="1371600" y="8763000"/>
+            <a:ext cx="685800" cy="228600"/>
+          </a:xfrm>
+          <a:prstGeom prst="rect">
+            <a:avLst/>
+          </a:prstGeom>
+        </p:spPr>
+        <p:style>
+          <a:lnRef idx="0">
+            <a:schemeClr val="accent3"/>
+          </a:lnRef>
+          <a:fillRef idx="3">
+            <a:schemeClr val="accent3"/>
+          </a:fillRef>
+          <a:effectRef idx="3">
+            <a:schemeClr val="accent3"/>
+          </a:effectRef>
+          <a:fontRef idx="minor">
+            <a:schemeClr val="lt1"/>
+          </a:fontRef>
+        </p:style>
+        <p:txBody>
+          <a:bodyPr rtlCol="0" anchor="ctr"/>
+          <a:lstStyle/>
+          <a:p>
+            <a:pPr algn="ctr"/>
+            <a:r>
+              <a:rPr lang="en-US" sz="1000" dirty="0" smtClean="0"/>
+              <a:t>Children</a:t>
+            </a:r>
+            <a:endParaRPr lang="en-US" sz="1000" dirty="0"/>
+          </a:p>
+        </p:txBody>
+      </p:sp>
+      <p:graphicFrame>
+        <p:nvGraphicFramePr>
+          <p:cNvPr id="53" name="Table 52"/>
+          <p:cNvGraphicFramePr>
+            <a:graphicFrameLocks noGrp="1"/>
+          </p:cNvGraphicFramePr>
+          <p:nvPr/>
+        </p:nvGraphicFramePr>
+        <p:xfrm>
+          <a:off x="6477000" y="8763000"/>
+          <a:ext cx="1066800" cy="685800"/>
+        </p:xfrm>
+        <a:graphic>
+          <a:graphicData uri="http://schemas.openxmlformats.org/drawingml/2006/table">
+            <a:tbl>
+              <a:tblPr firstRow="1" bandRow="1">
+                <a:tableStyleId>{7DF18680-E054-41AD-8BC1-D1AEF772440D}</a:tableStyleId>
+              </a:tblPr>
+              <a:tblGrid>
+                <a:gridCol w="1066800"/>
+              </a:tblGrid>
+              <a:tr h="228600">
+                <a:tc>
+                  <a:txBody>
+                    <a:bodyPr/>
+                    <a:lstStyle/>
+                    <a:p>
+                      <a:pPr algn="ctr"/>
+                      <a:r>
+                        <a:rPr lang="en-US" sz="800" dirty="0" smtClean="0"/>
+                        <a:t>Attribute Name</a:t>
+                      </a:r>
+                      <a:endParaRPr lang="en-US" sz="800" dirty="0"/>
+                    </a:p>
+                  </a:txBody>
+                  <a:tcPr anchor="ctr"/>
+                </a:tc>
+              </a:tr>
+              <a:tr h="228600">
+                <a:tc>
+                  <a:txBody>
+                    <a:bodyPr/>
+                    <a:lstStyle/>
+                    <a:p>
+                      <a:pPr algn="ctr"/>
+                      <a:r>
+                        <a:rPr lang="en-US" sz="800" b="1" dirty="0" smtClean="0"/>
+                        <a:t>Required Attribute</a:t>
+                      </a:r>
+                      <a:endParaRPr lang="en-US" sz="800" b="1" dirty="0"/>
+                    </a:p>
+                  </a:txBody>
+                  <a:tcPr anchor="ctr"/>
+                </a:tc>
+              </a:tr>
+              <a:tr h="228600">
+                <a:tc>
+                  <a:txBody>
+                    <a:bodyPr/>
+                    <a:lstStyle/>
+                    <a:p>
+                      <a:pPr algn="ctr"/>
+                      <a:r>
+                        <a:rPr lang="en-US" sz="800" i="1" dirty="0" smtClean="0"/>
+                        <a:t>Optional Attribute</a:t>
+                      </a:r>
+                      <a:endParaRPr lang="en-US" sz="800" i="1" dirty="0"/>
+                    </a:p>
+                  </a:txBody>
+                  <a:tcPr anchor="ctr"/>
+                </a:tc>
+              </a:tr>
+            </a:tbl>
+          </a:graphicData>
+        </a:graphic>
+      </p:graphicFrame>
+      <p:sp>
+        <p:nvSpPr>
+          <p:cNvPr id="54" name="Rectangle 53"/>
+          <p:cNvSpPr/>
+          <p:nvPr/>
+        </p:nvSpPr>
+        <p:spPr>
+          <a:xfrm>
+            <a:off x="4191000" y="8991600"/>
+            <a:ext cx="685800" cy="381000"/>
+          </a:xfrm>
+          <a:prstGeom prst="rect">
+            <a:avLst/>
+          </a:prstGeom>
+        </p:spPr>
+        <p:style>
+          <a:lnRef idx="0">
+            <a:schemeClr val="accent3"/>
+          </a:lnRef>
+          <a:fillRef idx="3">
+            <a:schemeClr val="accent3"/>
+          </a:fillRef>
+          <a:effectRef idx="3">
+            <a:schemeClr val="accent3"/>
+          </a:effectRef>
+          <a:fontRef idx="minor">
+            <a:schemeClr val="lt1"/>
+          </a:fontRef>
+        </p:style>
+        <p:txBody>
+          <a:bodyPr rtlCol="0" anchor="ctr"/>
+          <a:lstStyle/>
+          <a:p>
+            <a:pPr algn="ctr"/>
+            <a:r>
+              <a:rPr lang="en-US" sz="1000" dirty="0" smtClean="0"/>
+              <a:t>Children</a:t>
+            </a:r>
+            <a:endParaRPr lang="en-US" sz="1000" dirty="0"/>
           </a:p>
         </p:txBody>
       </p:sp>

--- a/wiki/images/source/ImageSource.pptx
+++ b/wiki/images/source/ImageSource.pptx
@@ -200,7 +200,7 @@
             <a:fld id="{6FAE163B-780F-4FFC-BC46-4E3938EEB30F}" type="datetimeFigureOut">
               <a:rPr lang="en-US" smtClean="0"/>
               <a:pPr/>
-              <a:t>6/18/2009</a:t>
+              <a:t>6/19/2009</a:t>
             </a:fld>
             <a:endParaRPr lang="en-US"/>
           </a:p>
@@ -760,7 +760,7 @@
             <a:fld id="{3C76A9AA-E87B-41F6-AA4B-53DBD0092D5B}" type="datetimeFigureOut">
               <a:rPr lang="en-US" smtClean="0"/>
               <a:pPr/>
-              <a:t>6/18/2009</a:t>
+              <a:t>6/19/2009</a:t>
             </a:fld>
             <a:endParaRPr lang="en-US"/>
           </a:p>
@@ -927,7 +927,7 @@
             <a:fld id="{3C76A9AA-E87B-41F6-AA4B-53DBD0092D5B}" type="datetimeFigureOut">
               <a:rPr lang="en-US" smtClean="0"/>
               <a:pPr/>
-              <a:t>6/18/2009</a:t>
+              <a:t>6/19/2009</a:t>
             </a:fld>
             <a:endParaRPr lang="en-US"/>
           </a:p>
@@ -1104,7 +1104,7 @@
             <a:fld id="{3C76A9AA-E87B-41F6-AA4B-53DBD0092D5B}" type="datetimeFigureOut">
               <a:rPr lang="en-US" smtClean="0"/>
               <a:pPr/>
-              <a:t>6/18/2009</a:t>
+              <a:t>6/19/2009</a:t>
             </a:fld>
             <a:endParaRPr lang="en-US"/>
           </a:p>
@@ -1271,7 +1271,7 @@
             <a:fld id="{3C76A9AA-E87B-41F6-AA4B-53DBD0092D5B}" type="datetimeFigureOut">
               <a:rPr lang="en-US" smtClean="0"/>
               <a:pPr/>
-              <a:t>6/18/2009</a:t>
+              <a:t>6/19/2009</a:t>
             </a:fld>
             <a:endParaRPr lang="en-US"/>
           </a:p>
@@ -1514,7 +1514,7 @@
             <a:fld id="{3C76A9AA-E87B-41F6-AA4B-53DBD0092D5B}" type="datetimeFigureOut">
               <a:rPr lang="en-US" smtClean="0"/>
               <a:pPr/>
-              <a:t>6/18/2009</a:t>
+              <a:t>6/19/2009</a:t>
             </a:fld>
             <a:endParaRPr lang="en-US"/>
           </a:p>
@@ -1799,7 +1799,7 @@
             <a:fld id="{3C76A9AA-E87B-41F6-AA4B-53DBD0092D5B}" type="datetimeFigureOut">
               <a:rPr lang="en-US" smtClean="0"/>
               <a:pPr/>
-              <a:t>6/18/2009</a:t>
+              <a:t>6/19/2009</a:t>
             </a:fld>
             <a:endParaRPr lang="en-US"/>
           </a:p>
@@ -2218,7 +2218,7 @@
             <a:fld id="{3C76A9AA-E87B-41F6-AA4B-53DBD0092D5B}" type="datetimeFigureOut">
               <a:rPr lang="en-US" smtClean="0"/>
               <a:pPr/>
-              <a:t>6/18/2009</a:t>
+              <a:t>6/19/2009</a:t>
             </a:fld>
             <a:endParaRPr lang="en-US"/>
           </a:p>
@@ -2333,7 +2333,7 @@
             <a:fld id="{3C76A9AA-E87B-41F6-AA4B-53DBD0092D5B}" type="datetimeFigureOut">
               <a:rPr lang="en-US" smtClean="0"/>
               <a:pPr/>
-              <a:t>6/18/2009</a:t>
+              <a:t>6/19/2009</a:t>
             </a:fld>
             <a:endParaRPr lang="en-US"/>
           </a:p>
@@ -2425,7 +2425,7 @@
             <a:fld id="{3C76A9AA-E87B-41F6-AA4B-53DBD0092D5B}" type="datetimeFigureOut">
               <a:rPr lang="en-US" smtClean="0"/>
               <a:pPr/>
-              <a:t>6/18/2009</a:t>
+              <a:t>6/19/2009</a:t>
             </a:fld>
             <a:endParaRPr lang="en-US"/>
           </a:p>
@@ -2699,7 +2699,7 @@
             <a:fld id="{3C76A9AA-E87B-41F6-AA4B-53DBD0092D5B}" type="datetimeFigureOut">
               <a:rPr lang="en-US" smtClean="0"/>
               <a:pPr/>
-              <a:t>6/18/2009</a:t>
+              <a:t>6/19/2009</a:t>
             </a:fld>
             <a:endParaRPr lang="en-US"/>
           </a:p>
@@ -2949,7 +2949,7 @@
             <a:fld id="{3C76A9AA-E87B-41F6-AA4B-53DBD0092D5B}" type="datetimeFigureOut">
               <a:rPr lang="en-US" smtClean="0"/>
               <a:pPr/>
-              <a:t>6/18/2009</a:t>
+              <a:t>6/19/2009</a:t>
             </a:fld>
             <a:endParaRPr lang="en-US"/>
           </a:p>
@@ -3159,7 +3159,7 @@
             <a:fld id="{3C76A9AA-E87B-41F6-AA4B-53DBD0092D5B}" type="datetimeFigureOut">
               <a:rPr lang="en-US" smtClean="0"/>
               <a:pPr/>
-              <a:t>6/18/2009</a:t>
+              <a:t>6/19/2009</a:t>
             </a:fld>
             <a:endParaRPr lang="en-US"/>
           </a:p>
@@ -11790,7 +11790,7 @@
         <p:spPr>
           <a:xfrm>
             <a:off x="2057400" y="2895600"/>
-            <a:ext cx="1676400" cy="457200"/>
+            <a:ext cx="1676400" cy="1295400"/>
           </a:xfrm>
           <a:prstGeom prst="rect">
             <a:avLst/>
@@ -11833,7 +11833,7 @@
         </p:nvGraphicFramePr>
         <p:xfrm>
           <a:off x="3809999" y="2895600"/>
-          <a:ext cx="3749042" cy="426720"/>
+          <a:ext cx="3749042" cy="1341120"/>
         </p:xfrm>
         <a:graphic>
           <a:graphicData uri="http://schemas.openxmlformats.org/drawingml/2006/table">
@@ -11913,6 +11913,90 @@
                   <a:tcPr anchor="ctr"/>
                 </a:tc>
               </a:tr>
+              <a:tr h="152400">
+                <a:tc>
+                  <a:txBody>
+                    <a:bodyPr/>
+                    <a:lstStyle/>
+                    <a:p>
+                      <a:pPr algn="l"/>
+                      <a:r>
+                        <a:rPr lang="en-US" sz="800" b="0" i="1" dirty="0" smtClean="0"/>
+                        <a:t>encoding</a:t>
+                      </a:r>
+                      <a:endParaRPr lang="en-US" sz="800" b="0" i="1" dirty="0"/>
+                    </a:p>
+                  </a:txBody>
+                  <a:tcPr anchor="ctr"/>
+                </a:tc>
+                <a:tc>
+                  <a:txBody>
+                    <a:bodyPr/>
+                    <a:lstStyle/>
+                    <a:p>
+                      <a:pPr algn="l"/>
+                      <a:r>
+                        <a:rPr lang="en-US" sz="800" dirty="0" smtClean="0"/>
+                        <a:t>File </a:t>
+                      </a:r>
+                      <a:r>
+                        <a:rPr lang="en-US" sz="800" dirty="0" err="1" smtClean="0"/>
+                        <a:t>eoncoding</a:t>
+                      </a:r>
+                      <a:r>
+                        <a:rPr lang="en-US" sz="800" dirty="0" smtClean="0"/>
+                        <a:t> to use, valid options are: ISO-8859-1, ISO-8859-2, ISO-8859-3, ISO-8859-4, ISO-8859-5, ISO-8859-6, ISO-8859-7, ISO-8859-8, ISO-8859-9, ISO-8859-13, ISO-8859-15, UTF-8, UTF-16, ISO-2022-JP, </a:t>
+                      </a:r>
+                      <a:r>
+                        <a:rPr lang="en-US" sz="800" dirty="0" err="1" smtClean="0"/>
+                        <a:t>Shift_JIS</a:t>
+                      </a:r>
+                      <a:r>
+                        <a:rPr lang="en-US" sz="800" dirty="0" smtClean="0"/>
+                        <a:t>, EUC-JP, US-ASCII, GBK, Big5, ISO-2022-CN, ISO-2022-KR, ISO-8859-15, ISO-8859-15</a:t>
+                      </a:r>
+                      <a:endParaRPr lang="en-US" sz="800" dirty="0"/>
+                    </a:p>
+                  </a:txBody>
+                  <a:tcPr anchor="ctr"/>
+                </a:tc>
+              </a:tr>
+              <a:tr h="152400">
+                <a:tc>
+                  <a:txBody>
+                    <a:bodyPr/>
+                    <a:lstStyle/>
+                    <a:p>
+                      <a:pPr algn="l"/>
+                      <a:r>
+                        <a:rPr lang="en-US" sz="800" b="0" i="1" dirty="0" smtClean="0"/>
+                        <a:t> </a:t>
+                      </a:r>
+                      <a:r>
+                        <a:rPr lang="en-US" sz="800" b="0" i="1" dirty="0" err="1" smtClean="0"/>
+                        <a:t>writeXMLHeader</a:t>
+                      </a:r>
+                      <a:endParaRPr lang="en-US" sz="800" b="0" i="1" dirty="0"/>
+                    </a:p>
+                  </a:txBody>
+                  <a:tcPr marL="0" marR="0" anchor="ctr"/>
+                </a:tc>
+                <a:tc>
+                  <a:txBody>
+                    <a:bodyPr/>
+                    <a:lstStyle/>
+                    <a:p>
+                      <a:pPr algn="l"/>
+                      <a:r>
+                        <a:rPr lang="en-US" sz="800" dirty="0" smtClean="0"/>
+                        <a:t>Specifies if an XML header needs to be created for the file</a:t>
+                      </a:r>
+                      <a:endParaRPr lang="en-US" sz="800" dirty="0"/>
+                    </a:p>
+                  </a:txBody>
+                  <a:tcPr anchor="ctr"/>
+                </a:tc>
+              </a:tr>
             </a:tbl>
           </a:graphicData>
         </a:graphic>
@@ -11925,7 +12009,7 @@
         </p:nvSpPr>
         <p:spPr>
           <a:xfrm>
-            <a:off x="2057400" y="3429000"/>
+            <a:off x="2057400" y="4267200"/>
             <a:ext cx="914400" cy="1524000"/>
           </a:xfrm>
           <a:prstGeom prst="rect">
@@ -11967,7 +12051,7 @@
         </p:nvSpPr>
         <p:spPr>
           <a:xfrm>
-            <a:off x="3048000" y="3429000"/>
+            <a:off x="3048000" y="4267200"/>
             <a:ext cx="685800" cy="457200"/>
           </a:xfrm>
           <a:prstGeom prst="rect">
@@ -12009,7 +12093,7 @@
         </p:nvSpPr>
         <p:spPr>
           <a:xfrm>
-            <a:off x="3048000" y="3962400"/>
+            <a:off x="3048000" y="4800600"/>
             <a:ext cx="685800" cy="457200"/>
           </a:xfrm>
           <a:prstGeom prst="rect">
@@ -12051,7 +12135,7 @@
         </p:nvSpPr>
         <p:spPr>
           <a:xfrm>
-            <a:off x="3048000" y="4495800"/>
+            <a:off x="3048000" y="5334000"/>
             <a:ext cx="685800" cy="457200"/>
           </a:xfrm>
           <a:prstGeom prst="rect">
@@ -12094,7 +12178,7 @@
           <p:nvPr/>
         </p:nvGraphicFramePr>
         <p:xfrm>
-          <a:off x="3809999" y="3459480"/>
+          <a:off x="3809999" y="4297680"/>
           <a:ext cx="3749042" cy="426720"/>
         </p:xfrm>
         <a:graphic>
@@ -12188,7 +12272,7 @@
           <p:nvPr/>
         </p:nvGraphicFramePr>
         <p:xfrm>
-          <a:off x="3809999" y="3992880"/>
+          <a:off x="3809999" y="4831080"/>
           <a:ext cx="3749042" cy="426720"/>
         </p:xfrm>
         <a:graphic>
@@ -12281,7 +12365,7 @@
         </p:nvSpPr>
         <p:spPr>
           <a:xfrm>
-            <a:off x="2057400" y="5029200"/>
+            <a:off x="2057400" y="5867400"/>
             <a:ext cx="914400" cy="990600"/>
           </a:xfrm>
           <a:prstGeom prst="rect">
@@ -12323,7 +12407,7 @@
         </p:nvSpPr>
         <p:spPr>
           <a:xfrm>
-            <a:off x="3048000" y="5029200"/>
+            <a:off x="3048000" y="5867400"/>
             <a:ext cx="685800" cy="457200"/>
           </a:xfrm>
           <a:prstGeom prst="rect">
@@ -12365,7 +12449,7 @@
         </p:nvSpPr>
         <p:spPr>
           <a:xfrm>
-            <a:off x="3048000" y="5562600"/>
+            <a:off x="3048000" y="6400800"/>
             <a:ext cx="685800" cy="457200"/>
           </a:xfrm>
           <a:prstGeom prst="rect">
@@ -12408,7 +12492,7 @@
           <p:nvPr/>
         </p:nvGraphicFramePr>
         <p:xfrm>
-          <a:off x="3809999" y="5059680"/>
+          <a:off x="3809999" y="5897880"/>
           <a:ext cx="3749042" cy="426720"/>
         </p:xfrm>
         <a:graphic>
@@ -12505,7 +12589,7 @@
         </p:nvSpPr>
         <p:spPr>
           <a:xfrm>
-            <a:off x="2057400" y="6096000"/>
+            <a:off x="2057400" y="6934200"/>
             <a:ext cx="1676400" cy="457200"/>
           </a:xfrm>
           <a:prstGeom prst="rect">
@@ -12548,7 +12632,7 @@
           <p:nvPr/>
         </p:nvGraphicFramePr>
         <p:xfrm>
-          <a:off x="3809999" y="6126480"/>
+          <a:off x="3809999" y="6964680"/>
           <a:ext cx="3749042" cy="426720"/>
         </p:xfrm>
         <a:graphic>
@@ -12637,7 +12721,7 @@
         </p:nvSpPr>
         <p:spPr>
           <a:xfrm>
-            <a:off x="2057400" y="6629400"/>
+            <a:off x="2057400" y="7467600"/>
             <a:ext cx="1676400" cy="457200"/>
           </a:xfrm>
           <a:prstGeom prst="rect">
@@ -12680,7 +12764,7 @@
           <p:nvPr/>
         </p:nvGraphicFramePr>
         <p:xfrm>
-          <a:off x="3809999" y="6659880"/>
+          <a:off x="3809999" y="7498080"/>
           <a:ext cx="3749042" cy="426720"/>
         </p:xfrm>
         <a:graphic>
@@ -12769,7 +12853,7 @@
         </p:nvSpPr>
         <p:spPr>
           <a:xfrm>
-            <a:off x="2057400" y="7162800"/>
+            <a:off x="2057400" y="8001000"/>
             <a:ext cx="1676400" cy="1219200"/>
           </a:xfrm>
           <a:prstGeom prst="rect">
@@ -12812,7 +12896,7 @@
           <p:nvPr/>
         </p:nvGraphicFramePr>
         <p:xfrm>
-          <a:off x="3809999" y="7162801"/>
+          <a:off x="3809999" y="8001001"/>
           <a:ext cx="3749042" cy="1219200"/>
         </p:xfrm>
         <a:graphic>
@@ -12969,7 +13053,7 @@
         </p:nvSpPr>
         <p:spPr>
           <a:xfrm>
-            <a:off x="2057400" y="8458200"/>
+            <a:off x="2057400" y="9296400"/>
             <a:ext cx="1676400" cy="457200"/>
           </a:xfrm>
           <a:prstGeom prst="rect">
@@ -13012,7 +13096,7 @@
         <p:spPr>
           <a:xfrm>
             <a:off x="1143000" y="0"/>
-            <a:ext cx="838200" cy="8915400"/>
+            <a:ext cx="838200" cy="9753600"/>
           </a:xfrm>
           <a:prstGeom prst="rect">
             <a:avLst/>
@@ -13053,7 +13137,7 @@
         </p:nvSpPr>
         <p:spPr>
           <a:xfrm>
-            <a:off x="3124200" y="8229600"/>
+            <a:off x="3124200" y="9067800"/>
             <a:ext cx="685800" cy="228600"/>
           </a:xfrm>
           <a:prstGeom prst="rect">
@@ -13095,7 +13179,7 @@
         </p:nvSpPr>
         <p:spPr>
           <a:xfrm>
-            <a:off x="3124200" y="6477000"/>
+            <a:off x="3124200" y="7315200"/>
             <a:ext cx="685800" cy="228600"/>
           </a:xfrm>
           <a:prstGeom prst="rect">
@@ -13137,7 +13221,7 @@
         </p:nvSpPr>
         <p:spPr>
           <a:xfrm>
-            <a:off x="3124200" y="5943600"/>
+            <a:off x="3124200" y="6781800"/>
             <a:ext cx="685800" cy="228600"/>
           </a:xfrm>
           <a:prstGeom prst="rect">
@@ -13179,7 +13263,7 @@
         </p:nvSpPr>
         <p:spPr>
           <a:xfrm>
-            <a:off x="3124200" y="5410200"/>
+            <a:off x="3124200" y="6248400"/>
             <a:ext cx="685800" cy="228600"/>
           </a:xfrm>
           <a:prstGeom prst="rect">
@@ -13221,7 +13305,7 @@
         </p:nvSpPr>
         <p:spPr>
           <a:xfrm>
-            <a:off x="3124200" y="4876800"/>
+            <a:off x="3124200" y="5715000"/>
             <a:ext cx="685800" cy="228600"/>
           </a:xfrm>
           <a:prstGeom prst="rect">
@@ -13263,7 +13347,7 @@
         </p:nvSpPr>
         <p:spPr>
           <a:xfrm>
-            <a:off x="3124200" y="4343400"/>
+            <a:off x="3124200" y="5181600"/>
             <a:ext cx="685800" cy="228600"/>
           </a:xfrm>
           <a:prstGeom prst="rect">
@@ -13305,7 +13389,7 @@
         </p:nvSpPr>
         <p:spPr>
           <a:xfrm>
-            <a:off x="3124200" y="3810000"/>
+            <a:off x="3124200" y="4648200"/>
             <a:ext cx="685800" cy="228600"/>
           </a:xfrm>
           <a:prstGeom prst="rect">
@@ -13347,7 +13431,7 @@
         </p:nvSpPr>
         <p:spPr>
           <a:xfrm>
-            <a:off x="3124200" y="3276600"/>
+            <a:off x="3124200" y="4114800"/>
             <a:ext cx="685800" cy="228600"/>
           </a:xfrm>
           <a:prstGeom prst="rect">
@@ -13431,8 +13515,8 @@
         </p:nvSpPr>
         <p:spPr>
           <a:xfrm>
-            <a:off x="4876800" y="8979198"/>
-            <a:ext cx="1447800" cy="461665"/>
+            <a:off x="4876800" y="9817398"/>
+            <a:ext cx="1447800" cy="400110"/>
           </a:xfrm>
           <a:prstGeom prst="rect">
             <a:avLst/>
@@ -13446,10 +13530,10 @@
           <a:lstStyle/>
           <a:p>
             <a:r>
-              <a:rPr lang="es-MX" sz="1200" dirty="0" smtClean="0"/>
+              <a:rPr lang="es-MX" sz="1000" dirty="0" smtClean="0"/>
               <a:t>Child elements can be any green node</a:t>
             </a:r>
-            <a:endParaRPr lang="en-US" sz="1200" dirty="0"/>
+            <a:endParaRPr lang="en-US" sz="1000" dirty="0"/>
           </a:p>
         </p:txBody>
       </p:sp>
@@ -13461,7 +13545,7 @@
         </p:nvSpPr>
         <p:spPr>
           <a:xfrm>
-            <a:off x="4114800" y="8915400"/>
+            <a:off x="4114800" y="9753600"/>
             <a:ext cx="2133600" cy="533400"/>
           </a:xfrm>
           <a:prstGeom prst="rect">
@@ -13502,7 +13586,7 @@
         </p:nvSpPr>
         <p:spPr>
           <a:xfrm>
-            <a:off x="1371600" y="8763000"/>
+            <a:off x="1371600" y="9601200"/>
             <a:ext cx="685800" cy="228600"/>
           </a:xfrm>
           <a:prstGeom prst="rect">
@@ -13545,7 +13629,7 @@
           <p:nvPr/>
         </p:nvGraphicFramePr>
         <p:xfrm>
-          <a:off x="6477000" y="8763000"/>
+          <a:off x="6477000" y="9601200"/>
           <a:ext cx="1066800" cy="685800"/>
         </p:xfrm>
         <a:graphic>
@@ -13620,7 +13704,7 @@
         </p:nvSpPr>
         <p:spPr>
           <a:xfrm>
-            <a:off x="4191000" y="8991600"/>
+            <a:off x="4191000" y="9829800"/>
             <a:ext cx="685800" cy="381000"/>
           </a:xfrm>
           <a:prstGeom prst="rect">

--- a/wiki/images/source/ImageSource.pptx
+++ b/wiki/images/source/ImageSource.pptx
@@ -200,7 +200,7 @@
             <a:fld id="{6FAE163B-780F-4FFC-BC46-4E3938EEB30F}" type="datetimeFigureOut">
               <a:rPr lang="en-US" smtClean="0"/>
               <a:pPr/>
-              <a:t>6/19/2009</a:t>
+              <a:t>7/3/2009</a:t>
             </a:fld>
             <a:endParaRPr lang="en-US"/>
           </a:p>
@@ -760,7 +760,7 @@
             <a:fld id="{3C76A9AA-E87B-41F6-AA4B-53DBD0092D5B}" type="datetimeFigureOut">
               <a:rPr lang="en-US" smtClean="0"/>
               <a:pPr/>
-              <a:t>6/19/2009</a:t>
+              <a:t>7/3/2009</a:t>
             </a:fld>
             <a:endParaRPr lang="en-US"/>
           </a:p>
@@ -927,7 +927,7 @@
             <a:fld id="{3C76A9AA-E87B-41F6-AA4B-53DBD0092D5B}" type="datetimeFigureOut">
               <a:rPr lang="en-US" smtClean="0"/>
               <a:pPr/>
-              <a:t>6/19/2009</a:t>
+              <a:t>7/3/2009</a:t>
             </a:fld>
             <a:endParaRPr lang="en-US"/>
           </a:p>
@@ -1104,7 +1104,7 @@
             <a:fld id="{3C76A9AA-E87B-41F6-AA4B-53DBD0092D5B}" type="datetimeFigureOut">
               <a:rPr lang="en-US" smtClean="0"/>
               <a:pPr/>
-              <a:t>6/19/2009</a:t>
+              <a:t>7/3/2009</a:t>
             </a:fld>
             <a:endParaRPr lang="en-US"/>
           </a:p>
@@ -1271,7 +1271,7 @@
             <a:fld id="{3C76A9AA-E87B-41F6-AA4B-53DBD0092D5B}" type="datetimeFigureOut">
               <a:rPr lang="en-US" smtClean="0"/>
               <a:pPr/>
-              <a:t>6/19/2009</a:t>
+              <a:t>7/3/2009</a:t>
             </a:fld>
             <a:endParaRPr lang="en-US"/>
           </a:p>
@@ -1514,7 +1514,7 @@
             <a:fld id="{3C76A9AA-E87B-41F6-AA4B-53DBD0092D5B}" type="datetimeFigureOut">
               <a:rPr lang="en-US" smtClean="0"/>
               <a:pPr/>
-              <a:t>6/19/2009</a:t>
+              <a:t>7/3/2009</a:t>
             </a:fld>
             <a:endParaRPr lang="en-US"/>
           </a:p>
@@ -1799,7 +1799,7 @@
             <a:fld id="{3C76A9AA-E87B-41F6-AA4B-53DBD0092D5B}" type="datetimeFigureOut">
               <a:rPr lang="en-US" smtClean="0"/>
               <a:pPr/>
-              <a:t>6/19/2009</a:t>
+              <a:t>7/3/2009</a:t>
             </a:fld>
             <a:endParaRPr lang="en-US"/>
           </a:p>
@@ -2218,7 +2218,7 @@
             <a:fld id="{3C76A9AA-E87B-41F6-AA4B-53DBD0092D5B}" type="datetimeFigureOut">
               <a:rPr lang="en-US" smtClean="0"/>
               <a:pPr/>
-              <a:t>6/19/2009</a:t>
+              <a:t>7/3/2009</a:t>
             </a:fld>
             <a:endParaRPr lang="en-US"/>
           </a:p>
@@ -2333,7 +2333,7 @@
             <a:fld id="{3C76A9AA-E87B-41F6-AA4B-53DBD0092D5B}" type="datetimeFigureOut">
               <a:rPr lang="en-US" smtClean="0"/>
               <a:pPr/>
-              <a:t>6/19/2009</a:t>
+              <a:t>7/3/2009</a:t>
             </a:fld>
             <a:endParaRPr lang="en-US"/>
           </a:p>
@@ -2425,7 +2425,7 @@
             <a:fld id="{3C76A9AA-E87B-41F6-AA4B-53DBD0092D5B}" type="datetimeFigureOut">
               <a:rPr lang="en-US" smtClean="0"/>
               <a:pPr/>
-              <a:t>6/19/2009</a:t>
+              <a:t>7/3/2009</a:t>
             </a:fld>
             <a:endParaRPr lang="en-US"/>
           </a:p>
@@ -2699,7 +2699,7 @@
             <a:fld id="{3C76A9AA-E87B-41F6-AA4B-53DBD0092D5B}" type="datetimeFigureOut">
               <a:rPr lang="en-US" smtClean="0"/>
               <a:pPr/>
-              <a:t>6/19/2009</a:t>
+              <a:t>7/3/2009</a:t>
             </a:fld>
             <a:endParaRPr lang="en-US"/>
           </a:p>
@@ -2949,7 +2949,7 @@
             <a:fld id="{3C76A9AA-E87B-41F6-AA4B-53DBD0092D5B}" type="datetimeFigureOut">
               <a:rPr lang="en-US" smtClean="0"/>
               <a:pPr/>
-              <a:t>6/19/2009</a:t>
+              <a:t>7/3/2009</a:t>
             </a:fld>
             <a:endParaRPr lang="en-US"/>
           </a:p>
@@ -3159,7 +3159,7 @@
             <a:fld id="{3C76A9AA-E87B-41F6-AA4B-53DBD0092D5B}" type="datetimeFigureOut">
               <a:rPr lang="en-US" smtClean="0"/>
               <a:pPr/>
-              <a:t>6/19/2009</a:t>
+              <a:t>7/3/2009</a:t>
             </a:fld>
             <a:endParaRPr lang="en-US"/>
           </a:p>
@@ -11748,7 +11748,7 @@
         <p:spPr>
           <a:xfrm>
             <a:off x="2057400" y="2362200"/>
-            <a:ext cx="1676400" cy="457200"/>
+            <a:ext cx="1676400" cy="533400"/>
           </a:xfrm>
           <a:prstGeom prst="rect">
             <a:avLst/>
@@ -11789,7 +11789,7 @@
         </p:nvSpPr>
         <p:spPr>
           <a:xfrm>
-            <a:off x="2057400" y="2895600"/>
+            <a:off x="2057400" y="2971800"/>
             <a:ext cx="1676400" cy="1295400"/>
           </a:xfrm>
           <a:prstGeom prst="rect">
@@ -11832,7 +11832,7 @@
           <p:nvPr/>
         </p:nvGraphicFramePr>
         <p:xfrm>
-          <a:off x="3809999" y="2895600"/>
+          <a:off x="3809999" y="2971800"/>
           <a:ext cx="3749042" cy="1341120"/>
         </p:xfrm>
         <a:graphic>
@@ -12009,7 +12009,7 @@
         </p:nvSpPr>
         <p:spPr>
           <a:xfrm>
-            <a:off x="2057400" y="4267200"/>
+            <a:off x="2057400" y="4343400"/>
             <a:ext cx="914400" cy="1524000"/>
           </a:xfrm>
           <a:prstGeom prst="rect">
@@ -12051,7 +12051,7 @@
         </p:nvSpPr>
         <p:spPr>
           <a:xfrm>
-            <a:off x="3048000" y="4267200"/>
+            <a:off x="3048000" y="4343400"/>
             <a:ext cx="685800" cy="457200"/>
           </a:xfrm>
           <a:prstGeom prst="rect">
@@ -12093,7 +12093,7 @@
         </p:nvSpPr>
         <p:spPr>
           <a:xfrm>
-            <a:off x="3048000" y="4800600"/>
+            <a:off x="3048000" y="4876800"/>
             <a:ext cx="685800" cy="457200"/>
           </a:xfrm>
           <a:prstGeom prst="rect">
@@ -12135,7 +12135,7 @@
         </p:nvSpPr>
         <p:spPr>
           <a:xfrm>
-            <a:off x="3048000" y="5334000"/>
+            <a:off x="3048000" y="5410200"/>
             <a:ext cx="685800" cy="457200"/>
           </a:xfrm>
           <a:prstGeom prst="rect">
@@ -12178,7 +12178,7 @@
           <p:nvPr/>
         </p:nvGraphicFramePr>
         <p:xfrm>
-          <a:off x="3809999" y="4297680"/>
+          <a:off x="3809999" y="4373880"/>
           <a:ext cx="3749042" cy="426720"/>
         </p:xfrm>
         <a:graphic>
@@ -12272,7 +12272,7 @@
           <p:nvPr/>
         </p:nvGraphicFramePr>
         <p:xfrm>
-          <a:off x="3809999" y="4831080"/>
+          <a:off x="3809999" y="4907280"/>
           <a:ext cx="3749042" cy="426720"/>
         </p:xfrm>
         <a:graphic>
@@ -12365,7 +12365,7 @@
         </p:nvSpPr>
         <p:spPr>
           <a:xfrm>
-            <a:off x="2057400" y="5867400"/>
+            <a:off x="2057400" y="5943600"/>
             <a:ext cx="914400" cy="990600"/>
           </a:xfrm>
           <a:prstGeom prst="rect">
@@ -12407,7 +12407,7 @@
         </p:nvSpPr>
         <p:spPr>
           <a:xfrm>
-            <a:off x="3048000" y="5867400"/>
+            <a:off x="3048000" y="5943600"/>
             <a:ext cx="685800" cy="457200"/>
           </a:xfrm>
           <a:prstGeom prst="rect">
@@ -12449,7 +12449,7 @@
         </p:nvSpPr>
         <p:spPr>
           <a:xfrm>
-            <a:off x="3048000" y="6400800"/>
+            <a:off x="3048000" y="6477000"/>
             <a:ext cx="685800" cy="457200"/>
           </a:xfrm>
           <a:prstGeom prst="rect">
@@ -12492,7 +12492,7 @@
           <p:nvPr/>
         </p:nvGraphicFramePr>
         <p:xfrm>
-          <a:off x="3809999" y="5897880"/>
+          <a:off x="3809999" y="5974080"/>
           <a:ext cx="3749042" cy="426720"/>
         </p:xfrm>
         <a:graphic>
@@ -12589,7 +12589,7 @@
         </p:nvSpPr>
         <p:spPr>
           <a:xfrm>
-            <a:off x="2057400" y="6934200"/>
+            <a:off x="2057400" y="7010400"/>
             <a:ext cx="1676400" cy="457200"/>
           </a:xfrm>
           <a:prstGeom prst="rect">
@@ -12632,7 +12632,7 @@
           <p:nvPr/>
         </p:nvGraphicFramePr>
         <p:xfrm>
-          <a:off x="3809999" y="6964680"/>
+          <a:off x="3809999" y="7040880"/>
           <a:ext cx="3749042" cy="426720"/>
         </p:xfrm>
         <a:graphic>
@@ -12721,7 +12721,7 @@
         </p:nvSpPr>
         <p:spPr>
           <a:xfrm>
-            <a:off x="2057400" y="7467600"/>
+            <a:off x="2057400" y="7543800"/>
             <a:ext cx="1676400" cy="457200"/>
           </a:xfrm>
           <a:prstGeom prst="rect">
@@ -12764,7 +12764,7 @@
           <p:nvPr/>
         </p:nvGraphicFramePr>
         <p:xfrm>
-          <a:off x="3809999" y="7498080"/>
+          <a:off x="3809999" y="7574280"/>
           <a:ext cx="3749042" cy="426720"/>
         </p:xfrm>
         <a:graphic>
@@ -12853,7 +12853,7 @@
         </p:nvSpPr>
         <p:spPr>
           <a:xfrm>
-            <a:off x="2057400" y="8001000"/>
+            <a:off x="2057400" y="8077200"/>
             <a:ext cx="1676400" cy="1219200"/>
           </a:xfrm>
           <a:prstGeom prst="rect">
@@ -12896,7 +12896,7 @@
           <p:nvPr/>
         </p:nvGraphicFramePr>
         <p:xfrm>
-          <a:off x="3809999" y="8001001"/>
+          <a:off x="3809999" y="8077201"/>
           <a:ext cx="3749042" cy="1219200"/>
         </p:xfrm>
         <a:graphic>
@@ -13053,7 +13053,7 @@
         </p:nvSpPr>
         <p:spPr>
           <a:xfrm>
-            <a:off x="2057400" y="9296400"/>
+            <a:off x="2057400" y="9372600"/>
             <a:ext cx="1676400" cy="457200"/>
           </a:xfrm>
           <a:prstGeom prst="rect">
@@ -13137,7 +13137,7 @@
         </p:nvSpPr>
         <p:spPr>
           <a:xfrm>
-            <a:off x="3124200" y="9067800"/>
+            <a:off x="3124200" y="9144000"/>
             <a:ext cx="685800" cy="228600"/>
           </a:xfrm>
           <a:prstGeom prst="rect">
@@ -13179,7 +13179,7 @@
         </p:nvSpPr>
         <p:spPr>
           <a:xfrm>
-            <a:off x="3124200" y="7315200"/>
+            <a:off x="3124200" y="7391400"/>
             <a:ext cx="685800" cy="228600"/>
           </a:xfrm>
           <a:prstGeom prst="rect">
@@ -13221,7 +13221,7 @@
         </p:nvSpPr>
         <p:spPr>
           <a:xfrm>
-            <a:off x="3124200" y="6781800"/>
+            <a:off x="3124200" y="6858000"/>
             <a:ext cx="685800" cy="228600"/>
           </a:xfrm>
           <a:prstGeom prst="rect">
@@ -13263,7 +13263,7 @@
         </p:nvSpPr>
         <p:spPr>
           <a:xfrm>
-            <a:off x="3124200" y="6248400"/>
+            <a:off x="3124200" y="6324600"/>
             <a:ext cx="685800" cy="228600"/>
           </a:xfrm>
           <a:prstGeom prst="rect">
@@ -13305,7 +13305,7 @@
         </p:nvSpPr>
         <p:spPr>
           <a:xfrm>
-            <a:off x="3124200" y="5715000"/>
+            <a:off x="3124200" y="5791200"/>
             <a:ext cx="685800" cy="228600"/>
           </a:xfrm>
           <a:prstGeom prst="rect">
@@ -13347,7 +13347,7 @@
         </p:nvSpPr>
         <p:spPr>
           <a:xfrm>
-            <a:off x="3124200" y="5181600"/>
+            <a:off x="3124200" y="5257800"/>
             <a:ext cx="685800" cy="228600"/>
           </a:xfrm>
           <a:prstGeom prst="rect">
@@ -13389,7 +13389,7 @@
         </p:nvSpPr>
         <p:spPr>
           <a:xfrm>
-            <a:off x="3124200" y="4648200"/>
+            <a:off x="3124200" y="4724400"/>
             <a:ext cx="685800" cy="228600"/>
           </a:xfrm>
           <a:prstGeom prst="rect">
@@ -13431,7 +13431,7 @@
         </p:nvSpPr>
         <p:spPr>
           <a:xfrm>
-            <a:off x="3124200" y="4114800"/>
+            <a:off x="3124200" y="4191000"/>
             <a:ext cx="685800" cy="228600"/>
           </a:xfrm>
           <a:prstGeom prst="rect">
@@ -13467,55 +13467,13 @@
       </p:sp>
       <p:sp>
         <p:nvSpPr>
-          <p:cNvPr id="47" name="Rectangle 46"/>
-          <p:cNvSpPr/>
-          <p:nvPr/>
-        </p:nvSpPr>
-        <p:spPr>
-          <a:xfrm>
-            <a:off x="3124200" y="2667000"/>
-            <a:ext cx="685800" cy="228600"/>
-          </a:xfrm>
-          <a:prstGeom prst="rect">
-            <a:avLst/>
-          </a:prstGeom>
-        </p:spPr>
-        <p:style>
-          <a:lnRef idx="1">
-            <a:schemeClr val="dk1"/>
-          </a:lnRef>
-          <a:fillRef idx="2">
-            <a:schemeClr val="dk1"/>
-          </a:fillRef>
-          <a:effectRef idx="1">
-            <a:schemeClr val="dk1"/>
-          </a:effectRef>
-          <a:fontRef idx="minor">
-            <a:schemeClr val="dk1"/>
-          </a:fontRef>
-        </p:style>
-        <p:txBody>
-          <a:bodyPr rtlCol="0" anchor="ctr"/>
-          <a:lstStyle/>
-          <a:p>
-            <a:pPr algn="ctr"/>
-            <a:r>
-              <a:rPr lang="en-US" sz="1000" dirty="0" smtClean="0"/>
-              <a:t>Text</a:t>
-            </a:r>
-            <a:endParaRPr lang="en-US" sz="1000" dirty="0"/>
-          </a:p>
-        </p:txBody>
-      </p:sp>
-      <p:sp>
-        <p:nvSpPr>
           <p:cNvPr id="50" name="TextBox 49"/>
           <p:cNvSpPr txBox="1"/>
           <p:nvPr/>
         </p:nvSpPr>
         <p:spPr>
           <a:xfrm>
-            <a:off x="4876800" y="9817398"/>
+            <a:off x="4876800" y="9893598"/>
             <a:ext cx="1447800" cy="400110"/>
           </a:xfrm>
           <a:prstGeom prst="rect">
@@ -13545,7 +13503,7 @@
         </p:nvSpPr>
         <p:spPr>
           <a:xfrm>
-            <a:off x="4114800" y="9753600"/>
+            <a:off x="4114800" y="9829800"/>
             <a:ext cx="2133600" cy="533400"/>
           </a:xfrm>
           <a:prstGeom prst="rect">
@@ -13629,7 +13587,7 @@
           <p:nvPr/>
         </p:nvGraphicFramePr>
         <p:xfrm>
-          <a:off x="6477000" y="9601200"/>
+          <a:off x="6477000" y="9677400"/>
           <a:ext cx="1066800" cy="685800"/>
         </p:xfrm>
         <a:graphic>
@@ -13704,7 +13662,7 @@
         </p:nvSpPr>
         <p:spPr>
           <a:xfrm>
-            <a:off x="4191000" y="9829800"/>
+            <a:off x="4191000" y="9906000"/>
             <a:ext cx="685800" cy="381000"/>
           </a:xfrm>
           <a:prstGeom prst="rect">
@@ -13733,6 +13691,150 @@
             <a:r>
               <a:rPr lang="en-US" sz="1000" dirty="0" smtClean="0"/>
               <a:t>Children</a:t>
+            </a:r>
+            <a:endParaRPr lang="en-US" sz="1000" dirty="0"/>
+          </a:p>
+        </p:txBody>
+      </p:sp>
+      <p:graphicFrame>
+        <p:nvGraphicFramePr>
+          <p:cNvPr id="39" name="Table 38"/>
+          <p:cNvGraphicFramePr>
+            <a:graphicFrameLocks noGrp="1"/>
+          </p:cNvGraphicFramePr>
+          <p:nvPr/>
+        </p:nvGraphicFramePr>
+        <p:xfrm>
+          <a:off x="3810000" y="2362200"/>
+          <a:ext cx="3749042" cy="548640"/>
+        </p:xfrm>
+        <a:graphic>
+          <a:graphicData uri="http://schemas.openxmlformats.org/drawingml/2006/table">
+            <a:tbl>
+              <a:tblPr firstRow="1" bandRow="1">
+                <a:tableStyleId>{7DF18680-E054-41AD-8BC1-D1AEF772440D}</a:tableStyleId>
+              </a:tblPr>
+              <a:tblGrid>
+                <a:gridCol w="844060"/>
+                <a:gridCol w="2904982"/>
+              </a:tblGrid>
+              <a:tr h="152400">
+                <a:tc>
+                  <a:txBody>
+                    <a:bodyPr/>
+                    <a:lstStyle/>
+                    <a:p>
+                      <a:pPr algn="ctr"/>
+                      <a:r>
+                        <a:rPr lang="en-US" sz="800" dirty="0" smtClean="0"/>
+                        <a:t>Attribute Name</a:t>
+                      </a:r>
+                      <a:endParaRPr lang="en-US" sz="800" dirty="0"/>
+                    </a:p>
+                  </a:txBody>
+                  <a:tcPr anchor="ctr"/>
+                </a:tc>
+                <a:tc>
+                  <a:txBody>
+                    <a:bodyPr/>
+                    <a:lstStyle/>
+                    <a:p>
+                      <a:pPr algn="ctr"/>
+                      <a:r>
+                        <a:rPr lang="en-US" sz="800" dirty="0" smtClean="0"/>
+                        <a:t>Description</a:t>
+                      </a:r>
+                      <a:endParaRPr lang="en-US" sz="800" dirty="0"/>
+                    </a:p>
+                  </a:txBody>
+                  <a:tcPr anchor="ctr"/>
+                </a:tc>
+              </a:tr>
+              <a:tr h="152400">
+                <a:tc>
+                  <a:txBody>
+                    <a:bodyPr/>
+                    <a:lstStyle/>
+                    <a:p>
+                      <a:pPr algn="l"/>
+                      <a:r>
+                        <a:rPr lang="en-US" sz="800" i="1" dirty="0" smtClean="0"/>
+                        <a:t>escaping</a:t>
+                      </a:r>
+                      <a:endParaRPr lang="en-US" sz="800" i="1" dirty="0"/>
+                    </a:p>
+                  </a:txBody>
+                  <a:tcPr anchor="ctr"/>
+                </a:tc>
+                <a:tc>
+                  <a:txBody>
+                    <a:bodyPr/>
+                    <a:lstStyle/>
+                    <a:p>
+                      <a:pPr algn="l"/>
+                      <a:r>
+                        <a:rPr lang="en-US" sz="800" dirty="0" smtClean="0"/>
+                        <a:t>Allows text to be escaped, valid options are: xml-attribute, xml-value, html, java, </a:t>
+                      </a:r>
+                      <a:r>
+                        <a:rPr lang="en-US" sz="800" dirty="0" err="1" smtClean="0"/>
+                        <a:t>javascript</a:t>
+                      </a:r>
+                      <a:r>
+                        <a:rPr lang="en-US" sz="800" dirty="0" smtClean="0"/>
+                        <a:t> and </a:t>
+                      </a:r>
+                      <a:r>
+                        <a:rPr lang="en-US" sz="800" dirty="0" err="1" smtClean="0"/>
+                        <a:t>sql</a:t>
+                      </a:r>
+                      <a:endParaRPr lang="en-US" sz="800" dirty="0"/>
+                    </a:p>
+                  </a:txBody>
+                  <a:tcPr anchor="ctr"/>
+                </a:tc>
+              </a:tr>
+            </a:tbl>
+          </a:graphicData>
+        </a:graphic>
+      </p:graphicFrame>
+      <p:sp>
+        <p:nvSpPr>
+          <p:cNvPr id="47" name="Rectangle 46"/>
+          <p:cNvSpPr/>
+          <p:nvPr/>
+        </p:nvSpPr>
+        <p:spPr>
+          <a:xfrm>
+            <a:off x="3124200" y="2743200"/>
+            <a:ext cx="685800" cy="228600"/>
+          </a:xfrm>
+          <a:prstGeom prst="rect">
+            <a:avLst/>
+          </a:prstGeom>
+        </p:spPr>
+        <p:style>
+          <a:lnRef idx="1">
+            <a:schemeClr val="dk1"/>
+          </a:lnRef>
+          <a:fillRef idx="2">
+            <a:schemeClr val="dk1"/>
+          </a:fillRef>
+          <a:effectRef idx="1">
+            <a:schemeClr val="dk1"/>
+          </a:effectRef>
+          <a:fontRef idx="minor">
+            <a:schemeClr val="dk1"/>
+          </a:fontRef>
+        </p:style>
+        <p:txBody>
+          <a:bodyPr rtlCol="0" anchor="ctr"/>
+          <a:lstStyle/>
+          <a:p>
+            <a:pPr algn="ctr"/>
+            <a:r>
+              <a:rPr lang="en-US" sz="1000" dirty="0" smtClean="0"/>
+              <a:t>Text</a:t>
             </a:r>
             <a:endParaRPr lang="en-US" sz="1000" dirty="0"/>
           </a:p>

--- a/wiki/images/source/ImageSource.pptx
+++ b/wiki/images/source/ImageSource.pptx
@@ -200,7 +200,7 @@
             <a:fld id="{6FAE163B-780F-4FFC-BC46-4E3938EEB30F}" type="datetimeFigureOut">
               <a:rPr lang="en-US" smtClean="0"/>
               <a:pPr/>
-              <a:t>7/3/2009</a:t>
+              <a:t>6/28/2010</a:t>
             </a:fld>
             <a:endParaRPr lang="en-US"/>
           </a:p>
@@ -760,7 +760,7 @@
             <a:fld id="{3C76A9AA-E87B-41F6-AA4B-53DBD0092D5B}" type="datetimeFigureOut">
               <a:rPr lang="en-US" smtClean="0"/>
               <a:pPr/>
-              <a:t>7/3/2009</a:t>
+              <a:t>6/28/2010</a:t>
             </a:fld>
             <a:endParaRPr lang="en-US"/>
           </a:p>
@@ -927,7 +927,7 @@
             <a:fld id="{3C76A9AA-E87B-41F6-AA4B-53DBD0092D5B}" type="datetimeFigureOut">
               <a:rPr lang="en-US" smtClean="0"/>
               <a:pPr/>
-              <a:t>7/3/2009</a:t>
+              <a:t>6/28/2010</a:t>
             </a:fld>
             <a:endParaRPr lang="en-US"/>
           </a:p>
@@ -1104,7 +1104,7 @@
             <a:fld id="{3C76A9AA-E87B-41F6-AA4B-53DBD0092D5B}" type="datetimeFigureOut">
               <a:rPr lang="en-US" smtClean="0"/>
               <a:pPr/>
-              <a:t>7/3/2009</a:t>
+              <a:t>6/28/2010</a:t>
             </a:fld>
             <a:endParaRPr lang="en-US"/>
           </a:p>
@@ -1271,7 +1271,7 @@
             <a:fld id="{3C76A9AA-E87B-41F6-AA4B-53DBD0092D5B}" type="datetimeFigureOut">
               <a:rPr lang="en-US" smtClean="0"/>
               <a:pPr/>
-              <a:t>7/3/2009</a:t>
+              <a:t>6/28/2010</a:t>
             </a:fld>
             <a:endParaRPr lang="en-US"/>
           </a:p>
@@ -1514,7 +1514,7 @@
             <a:fld id="{3C76A9AA-E87B-41F6-AA4B-53DBD0092D5B}" type="datetimeFigureOut">
               <a:rPr lang="en-US" smtClean="0"/>
               <a:pPr/>
-              <a:t>7/3/2009</a:t>
+              <a:t>6/28/2010</a:t>
             </a:fld>
             <a:endParaRPr lang="en-US"/>
           </a:p>
@@ -1799,7 +1799,7 @@
             <a:fld id="{3C76A9AA-E87B-41F6-AA4B-53DBD0092D5B}" type="datetimeFigureOut">
               <a:rPr lang="en-US" smtClean="0"/>
               <a:pPr/>
-              <a:t>7/3/2009</a:t>
+              <a:t>6/28/2010</a:t>
             </a:fld>
             <a:endParaRPr lang="en-US"/>
           </a:p>
@@ -2218,7 +2218,7 @@
             <a:fld id="{3C76A9AA-E87B-41F6-AA4B-53DBD0092D5B}" type="datetimeFigureOut">
               <a:rPr lang="en-US" smtClean="0"/>
               <a:pPr/>
-              <a:t>7/3/2009</a:t>
+              <a:t>6/28/2010</a:t>
             </a:fld>
             <a:endParaRPr lang="en-US"/>
           </a:p>
@@ -2333,7 +2333,7 @@
             <a:fld id="{3C76A9AA-E87B-41F6-AA4B-53DBD0092D5B}" type="datetimeFigureOut">
               <a:rPr lang="en-US" smtClean="0"/>
               <a:pPr/>
-              <a:t>7/3/2009</a:t>
+              <a:t>6/28/2010</a:t>
             </a:fld>
             <a:endParaRPr lang="en-US"/>
           </a:p>
@@ -2425,7 +2425,7 @@
             <a:fld id="{3C76A9AA-E87B-41F6-AA4B-53DBD0092D5B}" type="datetimeFigureOut">
               <a:rPr lang="en-US" smtClean="0"/>
               <a:pPr/>
-              <a:t>7/3/2009</a:t>
+              <a:t>6/28/2010</a:t>
             </a:fld>
             <a:endParaRPr lang="en-US"/>
           </a:p>
@@ -2699,7 +2699,7 @@
             <a:fld id="{3C76A9AA-E87B-41F6-AA4B-53DBD0092D5B}" type="datetimeFigureOut">
               <a:rPr lang="en-US" smtClean="0"/>
               <a:pPr/>
-              <a:t>7/3/2009</a:t>
+              <a:t>6/28/2010</a:t>
             </a:fld>
             <a:endParaRPr lang="en-US"/>
           </a:p>
@@ -2949,7 +2949,7 @@
             <a:fld id="{3C76A9AA-E87B-41F6-AA4B-53DBD0092D5B}" type="datetimeFigureOut">
               <a:rPr lang="en-US" smtClean="0"/>
               <a:pPr/>
-              <a:t>7/3/2009</a:t>
+              <a:t>6/28/2010</a:t>
             </a:fld>
             <a:endParaRPr lang="en-US"/>
           </a:p>
@@ -3159,7 +3159,7 @@
             <a:fld id="{3C76A9AA-E87B-41F6-AA4B-53DBD0092D5B}" type="datetimeFigureOut">
               <a:rPr lang="en-US" smtClean="0"/>
               <a:pPr/>
-              <a:t>7/3/2009</a:t>
+              <a:t>6/28/2010</a:t>
             </a:fld>
             <a:endParaRPr lang="en-US"/>
           </a:p>
@@ -6045,8 +6045,8 @@
         </p:nvSpPr>
         <p:spPr>
           <a:xfrm>
-            <a:off x="2133600" y="3048000"/>
-            <a:ext cx="914400" cy="153988"/>
+            <a:off x="2438400" y="3048000"/>
+            <a:ext cx="609600" cy="152400"/>
           </a:xfrm>
           <a:prstGeom prst="rect">
             <a:avLst/>
@@ -6075,7 +6075,7 @@
           </a:fontRef>
         </p:style>
         <p:txBody>
-          <a:bodyPr lIns="0" tIns="0" rIns="0" bIns="0" anchor="ctr">
+          <a:bodyPr wrap="square" lIns="0" tIns="0" rIns="0" bIns="0" anchor="ctr">
             <a:spAutoFit/>
           </a:bodyPr>
           <a:lstStyle/>
@@ -6084,17 +6084,10 @@
               <a:defRPr/>
             </a:pPr>
             <a:r>
-              <a:rPr lang="en-US" sz="1000" dirty="0"/>
-              <a:t>&lt;</a:t>
-            </a:r>
-            <a:r>
-              <a:rPr lang="en-US" sz="1000" dirty="0" err="1"/>
-              <a:t>XML:JSeance</a:t>
-            </a:r>
-            <a:r>
-              <a:rPr lang="en-US" sz="1000" dirty="0"/>
-              <a:t>/&gt;</a:t>
-            </a:r>
+              <a:rPr lang="en-US" sz="1000" dirty="0" err="1" smtClean="0"/>
+              <a:t>JSeance</a:t>
+            </a:r>
+            <a:endParaRPr lang="en-US" sz="1000" dirty="0"/>
           </a:p>
         </p:txBody>
       </p:sp>
@@ -6705,8 +6698,8 @@
         </p:nvSpPr>
         <p:spPr>
           <a:xfrm>
-            <a:off x="1524000" y="1905000"/>
-            <a:ext cx="4724400" cy="2590800"/>
+            <a:off x="1981200" y="1905000"/>
+            <a:ext cx="4267200" cy="2590800"/>
           </a:xfrm>
           <a:prstGeom prst="rect">
             <a:avLst/>
@@ -6807,57 +6800,6 @@
                 <a:latin typeface="Constantia" pitchFamily="18" charset="0"/>
               </a:rPr>
               <a:t>JavaScript Engine (Rhino)</a:t>
-            </a:r>
-          </a:p>
-        </p:txBody>
-      </p:sp>
-      <p:sp>
-        <p:nvSpPr>
-          <p:cNvPr id="6" name="TextBox 5"/>
-          <p:cNvSpPr txBox="1"/>
-          <p:nvPr/>
-        </p:nvSpPr>
-        <p:spPr>
-          <a:xfrm rot="16200000">
-            <a:off x="838200" y="3124200"/>
-            <a:ext cx="1981200" cy="457200"/>
-          </a:xfrm>
-          <a:prstGeom prst="rect">
-            <a:avLst/>
-          </a:prstGeom>
-        </p:spPr>
-        <p:style>
-          <a:lnRef idx="1">
-            <a:schemeClr val="accent2"/>
-          </a:lnRef>
-          <a:fillRef idx="3">
-            <a:schemeClr val="accent2"/>
-          </a:fillRef>
-          <a:effectRef idx="2">
-            <a:schemeClr val="accent2"/>
-          </a:effectRef>
-          <a:fontRef idx="minor">
-            <a:schemeClr val="lt1"/>
-          </a:fontRef>
-        </p:style>
-        <p:txBody>
-          <a:bodyPr anchor="ctr"/>
-          <a:lstStyle/>
-          <a:p>
-            <a:pPr algn="ctr" fontAlgn="auto">
-              <a:spcBef>
-                <a:spcPts val="0"/>
-              </a:spcBef>
-              <a:spcAft>
-                <a:spcPts val="0"/>
-              </a:spcAft>
-              <a:defRPr/>
-            </a:pPr>
-            <a:r>
-              <a:rPr lang="en-US" sz="1200" b="1" dirty="0">
-                <a:latin typeface="Constantia" pitchFamily="18" charset="0"/>
-              </a:rPr>
-              <a:t>Context Sensitive State Management</a:t>
             </a:r>
           </a:p>
         </p:txBody>
